--- a/static_assets/panorama_education/Lecture_MFA_UB 2019.pptx
+++ b/static_assets/panorama_education/Lecture_MFA_UB 2019.pptx
@@ -148,10 +148,10 @@
   </p:defaultTextStyle>
   <p:extLst>
     <p:ext uri="{EFAFB233-063F-42B5-8137-9DF3F51BA10A}">
-      <p15:sldGuideLst xmlns:p15="http://schemas.microsoft.com/office/powerpoint/2012/main"/>
+      <p15:sldGuideLst xmlns:p15="http://schemas.microsoft.com/office/powerpoint/2012/main" xmlns=""/>
     </p:ext>
     <p:ext uri="{2D200454-40CA-4A62-9FC3-DE9A4176ACB9}">
-      <p15:notesGuideLst xmlns:p15="http://schemas.microsoft.com/office/powerpoint/2012/main"/>
+      <p15:notesGuideLst xmlns:p15="http://schemas.microsoft.com/office/powerpoint/2012/main" xmlns=""/>
     </p:ext>
   </p:extLst>
 </p:presentation>
@@ -239,7 +239,7 @@
           <a:p>
             <a:fld id="{3462F54F-D29B-41BE-8C99-0FA106901B18}" type="datetimeFigureOut">
               <a:rPr lang="en-GB" smtClean="0"/>
-              <a:t>16/12/2019</a:t>
+              <a:t>25/03/20</a:t>
             </a:fld>
             <a:endParaRPr lang="en-GB"/>
           </a:p>
@@ -404,7 +404,7 @@
           <a:p>
             <a:fld id="{15496352-B8C9-401A-853A-EE7458B3AFDD}" type="datetimeFigureOut">
               <a:rPr lang="en-US" smtClean="0"/>
-              <a:t>12/16/19</a:t>
+              <a:t>25/03/20</a:t>
             </a:fld>
             <a:endParaRPr lang="en-US"/>
           </a:p>
@@ -703,14 +703,14 @@
           <a:noFill/>
           <a:ln/>
           <a:extLst>
-            <a:ext uri="{909E8E84-426E-40DD-AFC4-6F175D3DCCD1}">
+            <a:ext uri="{909E8E84-426E-40dd-AFC4-6F175D3DCCD1}">
               <a14:hiddenFill xmlns:a14="http://schemas.microsoft.com/office/drawing/2010/main">
                 <a:solidFill>
                   <a:srgbClr val="FFFFFF"/>
                 </a:solidFill>
               </a14:hiddenFill>
             </a:ext>
-            <a:ext uri="{91240B29-F687-4F45-9708-019B960494DF}">
+            <a:ext uri="{91240B29-F687-4f45-9708-019B960494DF}">
               <a14:hiddenLine xmlns:a14="http://schemas.microsoft.com/office/drawing/2010/main" w="9525">
                 <a:solidFill>
                   <a:srgbClr val="000000"/>
@@ -861,14 +861,14 @@
           <a:noFill/>
           <a:ln/>
           <a:extLst>
-            <a:ext uri="{909E8E84-426E-40DD-AFC4-6F175D3DCCD1}">
+            <a:ext uri="{909E8E84-426E-40dd-AFC4-6F175D3DCCD1}">
               <a14:hiddenFill xmlns:a14="http://schemas.microsoft.com/office/drawing/2010/main">
                 <a:solidFill>
                   <a:srgbClr val="FFFFFF"/>
                 </a:solidFill>
               </a14:hiddenFill>
             </a:ext>
-            <a:ext uri="{91240B29-F687-4F45-9708-019B960494DF}">
+            <a:ext uri="{91240B29-F687-4f45-9708-019B960494DF}">
               <a14:hiddenLine xmlns:a14="http://schemas.microsoft.com/office/drawing/2010/main" w="9525">
                 <a:solidFill>
                   <a:srgbClr val="000000"/>
@@ -879,7 +879,7 @@
               </a14:hiddenLine>
             </a:ext>
             <a:ext uri="{FAA26D3D-D897-4be2-8F04-BA451C77F1D7}">
-              <ma14:placeholderFlag xmlns="" xmlns:ma14="http://schemas.microsoft.com/office/mac/drawingml/2011/main" val="1"/>
+              <ma14:placeholderFlag xmlns:ma14="http://schemas.microsoft.com/office/mac/drawingml/2011/main" val="1"/>
             </a:ext>
           </a:extLst>
         </p:spPr>
@@ -938,14 +938,14 @@
           <a:noFill/>
           <a:ln/>
           <a:extLst>
-            <a:ext uri="{909E8E84-426E-40DD-AFC4-6F175D3DCCD1}">
+            <a:ext uri="{909E8E84-426E-40dd-AFC4-6F175D3DCCD1}">
               <a14:hiddenFill xmlns:a14="http://schemas.microsoft.com/office/drawing/2010/main">
                 <a:solidFill>
                   <a:srgbClr val="FFFFFF"/>
                 </a:solidFill>
               </a14:hiddenFill>
             </a:ext>
-            <a:ext uri="{91240B29-F687-4F45-9708-019B960494DF}">
+            <a:ext uri="{91240B29-F687-4f45-9708-019B960494DF}">
               <a14:hiddenLine xmlns:a14="http://schemas.microsoft.com/office/drawing/2010/main" w="9525">
                 <a:solidFill>
                   <a:srgbClr val="000000"/>
@@ -1096,14 +1096,14 @@
           <a:noFill/>
           <a:ln/>
           <a:extLst>
-            <a:ext uri="{909E8E84-426E-40DD-AFC4-6F175D3DCCD1}">
+            <a:ext uri="{909E8E84-426E-40dd-AFC4-6F175D3DCCD1}">
               <a14:hiddenFill xmlns:a14="http://schemas.microsoft.com/office/drawing/2010/main">
                 <a:solidFill>
                   <a:srgbClr val="FFFFFF"/>
                 </a:solidFill>
               </a14:hiddenFill>
             </a:ext>
-            <a:ext uri="{91240B29-F687-4F45-9708-019B960494DF}">
+            <a:ext uri="{91240B29-F687-4f45-9708-019B960494DF}">
               <a14:hiddenLine xmlns:a14="http://schemas.microsoft.com/office/drawing/2010/main" w="9525">
                 <a:solidFill>
                   <a:srgbClr val="000000"/>
@@ -1114,7 +1114,7 @@
               </a14:hiddenLine>
             </a:ext>
             <a:ext uri="{FAA26D3D-D897-4be2-8F04-BA451C77F1D7}">
-              <ma14:placeholderFlag xmlns="" xmlns:ma14="http://schemas.microsoft.com/office/mac/drawingml/2011/main" val="1"/>
+              <ma14:placeholderFlag xmlns:ma14="http://schemas.microsoft.com/office/mac/drawingml/2011/main" val="1"/>
             </a:ext>
           </a:extLst>
         </p:spPr>
@@ -1173,14 +1173,14 @@
           <a:noFill/>
           <a:ln/>
           <a:extLst>
-            <a:ext uri="{909E8E84-426E-40DD-AFC4-6F175D3DCCD1}">
+            <a:ext uri="{909E8E84-426E-40dd-AFC4-6F175D3DCCD1}">
               <a14:hiddenFill xmlns:a14="http://schemas.microsoft.com/office/drawing/2010/main">
                 <a:solidFill>
                   <a:srgbClr val="FFFFFF"/>
                 </a:solidFill>
               </a14:hiddenFill>
             </a:ext>
-            <a:ext uri="{91240B29-F687-4F45-9708-019B960494DF}">
+            <a:ext uri="{91240B29-F687-4f45-9708-019B960494DF}">
               <a14:hiddenLine xmlns:a14="http://schemas.microsoft.com/office/drawing/2010/main" w="9525">
                 <a:solidFill>
                   <a:srgbClr val="000000"/>
@@ -1331,14 +1331,14 @@
           <a:noFill/>
           <a:ln/>
           <a:extLst>
-            <a:ext uri="{909E8E84-426E-40DD-AFC4-6F175D3DCCD1}">
+            <a:ext uri="{909E8E84-426E-40dd-AFC4-6F175D3DCCD1}">
               <a14:hiddenFill xmlns:a14="http://schemas.microsoft.com/office/drawing/2010/main">
                 <a:solidFill>
                   <a:srgbClr val="FFFFFF"/>
                 </a:solidFill>
               </a14:hiddenFill>
             </a:ext>
-            <a:ext uri="{91240B29-F687-4F45-9708-019B960494DF}">
+            <a:ext uri="{91240B29-F687-4f45-9708-019B960494DF}">
               <a14:hiddenLine xmlns:a14="http://schemas.microsoft.com/office/drawing/2010/main" w="9525">
                 <a:solidFill>
                   <a:srgbClr val="000000"/>
@@ -1349,7 +1349,7 @@
               </a14:hiddenLine>
             </a:ext>
             <a:ext uri="{FAA26D3D-D897-4be2-8F04-BA451C77F1D7}">
-              <ma14:placeholderFlag xmlns="" xmlns:ma14="http://schemas.microsoft.com/office/mac/drawingml/2011/main" val="1"/>
+              <ma14:placeholderFlag xmlns:ma14="http://schemas.microsoft.com/office/mac/drawingml/2011/main" val="1"/>
             </a:ext>
           </a:extLst>
         </p:spPr>
@@ -1408,14 +1408,14 @@
           <a:noFill/>
           <a:ln/>
           <a:extLst>
-            <a:ext uri="{909E8E84-426E-40DD-AFC4-6F175D3DCCD1}">
+            <a:ext uri="{909E8E84-426E-40dd-AFC4-6F175D3DCCD1}">
               <a14:hiddenFill xmlns:a14="http://schemas.microsoft.com/office/drawing/2010/main">
                 <a:solidFill>
                   <a:srgbClr val="FFFFFF"/>
                 </a:solidFill>
               </a14:hiddenFill>
             </a:ext>
-            <a:ext uri="{91240B29-F687-4F45-9708-019B960494DF}">
+            <a:ext uri="{91240B29-F687-4f45-9708-019B960494DF}">
               <a14:hiddenLine xmlns:a14="http://schemas.microsoft.com/office/drawing/2010/main" w="9525">
                 <a:solidFill>
                   <a:srgbClr val="000000"/>
@@ -1566,14 +1566,14 @@
           <a:noFill/>
           <a:ln/>
           <a:extLst>
-            <a:ext uri="{909E8E84-426E-40DD-AFC4-6F175D3DCCD1}">
+            <a:ext uri="{909E8E84-426E-40dd-AFC4-6F175D3DCCD1}">
               <a14:hiddenFill xmlns:a14="http://schemas.microsoft.com/office/drawing/2010/main">
                 <a:solidFill>
                   <a:srgbClr val="FFFFFF"/>
                 </a:solidFill>
               </a14:hiddenFill>
             </a:ext>
-            <a:ext uri="{91240B29-F687-4F45-9708-019B960494DF}">
+            <a:ext uri="{91240B29-F687-4f45-9708-019B960494DF}">
               <a14:hiddenLine xmlns:a14="http://schemas.microsoft.com/office/drawing/2010/main" w="9525">
                 <a:solidFill>
                   <a:srgbClr val="000000"/>
@@ -1584,7 +1584,7 @@
               </a14:hiddenLine>
             </a:ext>
             <a:ext uri="{FAA26D3D-D897-4be2-8F04-BA451C77F1D7}">
-              <ma14:placeholderFlag xmlns="" xmlns:ma14="http://schemas.microsoft.com/office/mac/drawingml/2011/main" val="1"/>
+              <ma14:placeholderFlag xmlns:ma14="http://schemas.microsoft.com/office/mac/drawingml/2011/main" val="1"/>
             </a:ext>
           </a:extLst>
         </p:spPr>
@@ -1833,14 +1833,14 @@
             <a:noFill/>
           </a:ln>
           <a:extLst>
-            <a:ext uri="{909E8E84-426E-40DD-AFC4-6F175D3DCCD1}">
+            <a:ext uri="{909E8E84-426E-40dd-AFC4-6F175D3DCCD1}">
               <a14:hiddenFill xmlns:a14="http://schemas.microsoft.com/office/drawing/2010/main">
                 <a:solidFill>
                   <a:schemeClr val="accent1"/>
                 </a:solidFill>
               </a14:hiddenFill>
             </a:ext>
-            <a:ext uri="{91240B29-F687-4F45-9708-019B960494DF}">
+            <a:ext uri="{91240B29-F687-4f45-9708-019B960494DF}">
               <a14:hiddenLine xmlns:a14="http://schemas.microsoft.com/office/drawing/2010/main" w="9525">
                 <a:solidFill>
                   <a:schemeClr val="tx1"/>
@@ -2008,6 +2008,96 @@
           </a:p>
         </p:txBody>
       </p:sp>
+      <p:pic>
+        <p:nvPicPr>
+          <p:cNvPr id="2" name="Picture 1" descr="EIT RM+connecting_cmyk.eps"/>
+          <p:cNvPicPr>
+            <a:picLocks noChangeAspect="1"/>
+          </p:cNvPicPr>
+          <p:nvPr userDrawn="1"/>
+        </p:nvPicPr>
+        <p:blipFill>
+          <a:blip r:embed="rId8">
+            <a:extLst>
+              <a:ext uri="{28A0092B-C50C-407E-A947-70E740481C1C}">
+                <a14:useLocalDpi xmlns:a14="http://schemas.microsoft.com/office/drawing/2010/main" val="0"/>
+              </a:ext>
+            </a:extLst>
+          </a:blip>
+          <a:stretch>
+            <a:fillRect/>
+          </a:stretch>
+        </p:blipFill>
+        <p:spPr>
+          <a:xfrm>
+            <a:off x="-108456" y="0"/>
+            <a:ext cx="3135696" cy="1065981"/>
+          </a:xfrm>
+          <a:prstGeom prst="rect">
+            <a:avLst/>
+          </a:prstGeom>
+        </p:spPr>
+      </p:pic>
+      <p:pic>
+        <p:nvPicPr>
+          <p:cNvPr id="4" name="Picture 3" descr="EU Flag Left.eps"/>
+          <p:cNvPicPr>
+            <a:picLocks noChangeAspect="1"/>
+          </p:cNvPicPr>
+          <p:nvPr userDrawn="1"/>
+        </p:nvPicPr>
+        <p:blipFill>
+          <a:blip r:embed="rId9">
+            <a:extLst>
+              <a:ext uri="{28A0092B-C50C-407E-A947-70E740481C1C}">
+                <a14:useLocalDpi xmlns:a14="http://schemas.microsoft.com/office/drawing/2010/main" val="0"/>
+              </a:ext>
+            </a:extLst>
+          </a:blip>
+          <a:stretch>
+            <a:fillRect/>
+          </a:stretch>
+        </p:blipFill>
+        <p:spPr>
+          <a:xfrm>
+            <a:off x="3118410" y="347929"/>
+            <a:ext cx="4004920" cy="332484"/>
+          </a:xfrm>
+          <a:prstGeom prst="rect">
+            <a:avLst/>
+          </a:prstGeom>
+        </p:spPr>
+      </p:pic>
+      <p:pic>
+        <p:nvPicPr>
+          <p:cNvPr id="16" name="Picture 15" descr="logo4.png"/>
+          <p:cNvPicPr>
+            <a:picLocks noChangeAspect="1"/>
+          </p:cNvPicPr>
+          <p:nvPr userDrawn="1"/>
+        </p:nvPicPr>
+        <p:blipFill>
+          <a:blip r:embed="rId10">
+            <a:extLst>
+              <a:ext uri="{28A0092B-C50C-407E-A947-70E740481C1C}">
+                <a14:useLocalDpi xmlns:a14="http://schemas.microsoft.com/office/drawing/2010/main" val="0"/>
+              </a:ext>
+            </a:extLst>
+          </a:blip>
+          <a:stretch>
+            <a:fillRect/>
+          </a:stretch>
+        </p:blipFill>
+        <p:spPr>
+          <a:xfrm>
+            <a:off x="7378673" y="118144"/>
+            <a:ext cx="1765327" cy="777733"/>
+          </a:xfrm>
+          <a:prstGeom prst="rect">
+            <a:avLst/>
+          </a:prstGeom>
+        </p:spPr>
+      </p:pic>
     </p:spTree>
     <p:extLst>
       <p:ext uri="{BB962C8B-B14F-4D97-AF65-F5344CB8AC3E}">
@@ -2743,6 +2833,96 @@
           </a:p>
         </p:txBody>
       </p:sp>
+      <p:pic>
+        <p:nvPicPr>
+          <p:cNvPr id="10" name="Picture 9" descr="EIT RM+connecting_cmyk.eps"/>
+          <p:cNvPicPr>
+            <a:picLocks noChangeAspect="1"/>
+          </p:cNvPicPr>
+          <p:nvPr userDrawn="1"/>
+        </p:nvPicPr>
+        <p:blipFill>
+          <a:blip r:embed="rId3">
+            <a:extLst>
+              <a:ext uri="{28A0092B-C50C-407E-A947-70E740481C1C}">
+                <a14:useLocalDpi xmlns:a14="http://schemas.microsoft.com/office/drawing/2010/main" val="0"/>
+              </a:ext>
+            </a:extLst>
+          </a:blip>
+          <a:stretch>
+            <a:fillRect/>
+          </a:stretch>
+        </p:blipFill>
+        <p:spPr>
+          <a:xfrm>
+            <a:off x="0" y="6472198"/>
+            <a:ext cx="1368388" cy="465184"/>
+          </a:xfrm>
+          <a:prstGeom prst="rect">
+            <a:avLst/>
+          </a:prstGeom>
+        </p:spPr>
+      </p:pic>
+      <p:pic>
+        <p:nvPicPr>
+          <p:cNvPr id="13" name="Picture 12" descr="EU Flag Left.eps"/>
+          <p:cNvPicPr>
+            <a:picLocks noChangeAspect="1"/>
+          </p:cNvPicPr>
+          <p:nvPr userDrawn="1"/>
+        </p:nvPicPr>
+        <p:blipFill>
+          <a:blip r:embed="rId4">
+            <a:extLst>
+              <a:ext uri="{28A0092B-C50C-407E-A947-70E740481C1C}">
+                <a14:useLocalDpi xmlns:a14="http://schemas.microsoft.com/office/drawing/2010/main" val="0"/>
+              </a:ext>
+            </a:extLst>
+          </a:blip>
+          <a:stretch>
+            <a:fillRect/>
+          </a:stretch>
+        </p:blipFill>
+        <p:spPr>
+          <a:xfrm>
+            <a:off x="1428793" y="6599683"/>
+            <a:ext cx="3111545" cy="258317"/>
+          </a:xfrm>
+          <a:prstGeom prst="rect">
+            <a:avLst/>
+          </a:prstGeom>
+        </p:spPr>
+      </p:pic>
+      <p:pic>
+        <p:nvPicPr>
+          <p:cNvPr id="14" name="Picture 13" descr="logo4.png"/>
+          <p:cNvPicPr>
+            <a:picLocks noChangeAspect="1"/>
+          </p:cNvPicPr>
+          <p:nvPr userDrawn="1"/>
+        </p:nvPicPr>
+        <p:blipFill>
+          <a:blip r:embed="rId5">
+            <a:extLst>
+              <a:ext uri="{28A0092B-C50C-407E-A947-70E740481C1C}">
+                <a14:useLocalDpi xmlns:a14="http://schemas.microsoft.com/office/drawing/2010/main" val="0"/>
+              </a:ext>
+            </a:extLst>
+          </a:blip>
+          <a:stretch>
+            <a:fillRect/>
+          </a:stretch>
+        </p:blipFill>
+        <p:spPr>
+          <a:xfrm>
+            <a:off x="6697977" y="6565988"/>
+            <a:ext cx="662818" cy="292011"/>
+          </a:xfrm>
+          <a:prstGeom prst="rect">
+            <a:avLst/>
+          </a:prstGeom>
+        </p:spPr>
+      </p:pic>
     </p:spTree>
     <p:extLst>
       <p:ext uri="{BB962C8B-B14F-4D97-AF65-F5344CB8AC3E}">
@@ -2820,7 +3000,696 @@
       </p:sp>
       <p:sp>
         <p:nvSpPr>
-          <p:cNvPr id="11" name="Sous-titre 2"/>
+          <p:cNvPr id="12" name="Rectangle 11"/>
+          <p:cNvSpPr/>
+          <p:nvPr userDrawn="1"/>
+        </p:nvSpPr>
+        <p:spPr>
+          <a:xfrm>
+            <a:off x="8410162" y="6481842"/>
+            <a:ext cx="540250" cy="45719"/>
+          </a:xfrm>
+          <a:prstGeom prst="rect">
+            <a:avLst/>
+          </a:prstGeom>
+          <a:solidFill>
+            <a:srgbClr val="5284C2"/>
+          </a:solidFill>
+          <a:ln>
+            <a:noFill/>
+          </a:ln>
+        </p:spPr>
+        <p:style>
+          <a:lnRef idx="2">
+            <a:schemeClr val="accent1">
+              <a:shade val="50000"/>
+            </a:schemeClr>
+          </a:lnRef>
+          <a:fillRef idx="1">
+            <a:schemeClr val="accent1"/>
+          </a:fillRef>
+          <a:effectRef idx="0">
+            <a:schemeClr val="accent1"/>
+          </a:effectRef>
+          <a:fontRef idx="minor">
+            <a:schemeClr val="lt1"/>
+          </a:fontRef>
+        </p:style>
+        <p:txBody>
+          <a:bodyPr rtlCol="0" anchor="ctr"/>
+          <a:lstStyle/>
+          <a:p>
+            <a:pPr algn="ctr"/>
+            <a:endParaRPr lang="fr-FR"/>
+          </a:p>
+        </p:txBody>
+      </p:sp>
+      <p:sp>
+        <p:nvSpPr>
+          <p:cNvPr id="17" name="Titre 1"/>
+          <p:cNvSpPr>
+            <a:spLocks noGrp="1"/>
+          </p:cNvSpPr>
+          <p:nvPr>
+            <p:ph type="title" hasCustomPrompt="1"/>
+          </p:nvPr>
+        </p:nvSpPr>
+        <p:spPr>
+          <a:xfrm>
+            <a:off x="487948" y="508692"/>
+            <a:ext cx="8462464" cy="542025"/>
+          </a:xfrm>
+          <a:prstGeom prst="rect">
+            <a:avLst/>
+          </a:prstGeom>
+        </p:spPr>
+        <p:txBody>
+          <a:bodyPr/>
+          <a:lstStyle>
+            <a:lvl1pPr>
+              <a:defRPr sz="2400" b="1" baseline="0">
+                <a:solidFill>
+                  <a:schemeClr val="accent1">
+                    <a:lumMod val="75000"/>
+                  </a:schemeClr>
+                </a:solidFill>
+                <a:latin typeface="+mn-lt"/>
+                <a:cs typeface="Arial"/>
+              </a:defRPr>
+            </a:lvl1pPr>
+          </a:lstStyle>
+          <a:p>
+            <a:r>
+              <a:rPr lang="fr-CH" dirty="0"/>
+              <a:t>SECTION GILLS SANS MT (KEEP IT 24-26)</a:t>
+            </a:r>
+            <a:endParaRPr lang="fr-FR" dirty="0"/>
+          </a:p>
+        </p:txBody>
+      </p:sp>
+      <p:pic>
+        <p:nvPicPr>
+          <p:cNvPr id="18" name="Image 9"/>
+          <p:cNvPicPr>
+            <a:picLocks noChangeAspect="1"/>
+          </p:cNvPicPr>
+          <p:nvPr userDrawn="1"/>
+        </p:nvPicPr>
+        <p:blipFill>
+          <a:blip r:embed="rId2" cstate="print">
+            <a:extLst>
+              <a:ext uri="{28A0092B-C50C-407E-A947-70E740481C1C}">
+                <a14:useLocalDpi xmlns:a14="http://schemas.microsoft.com/office/drawing/2010/main" val="0"/>
+              </a:ext>
+            </a:extLst>
+          </a:blip>
+          <a:stretch>
+            <a:fillRect/>
+          </a:stretch>
+        </p:blipFill>
+        <p:spPr>
+          <a:xfrm>
+            <a:off x="7619862" y="6004292"/>
+            <a:ext cx="790300" cy="708732"/>
+          </a:xfrm>
+          <a:prstGeom prst="rect">
+            <a:avLst/>
+          </a:prstGeom>
+        </p:spPr>
+      </p:pic>
+      <p:sp>
+        <p:nvSpPr>
+          <p:cNvPr id="8" name="Rectangle 7"/>
+          <p:cNvSpPr/>
+          <p:nvPr userDrawn="1"/>
+        </p:nvSpPr>
+        <p:spPr>
+          <a:xfrm>
+            <a:off x="158253" y="6481842"/>
+            <a:ext cx="7366396" cy="45719"/>
+          </a:xfrm>
+          <a:prstGeom prst="rect">
+            <a:avLst/>
+          </a:prstGeom>
+          <a:solidFill>
+            <a:srgbClr val="5284C2"/>
+          </a:solidFill>
+          <a:ln>
+            <a:noFill/>
+          </a:ln>
+        </p:spPr>
+        <p:style>
+          <a:lnRef idx="2">
+            <a:schemeClr val="accent1">
+              <a:shade val="50000"/>
+            </a:schemeClr>
+          </a:lnRef>
+          <a:fillRef idx="1">
+            <a:schemeClr val="accent1"/>
+          </a:fillRef>
+          <a:effectRef idx="0">
+            <a:schemeClr val="accent1"/>
+          </a:effectRef>
+          <a:fontRef idx="minor">
+            <a:schemeClr val="lt1"/>
+          </a:fontRef>
+        </p:style>
+        <p:txBody>
+          <a:bodyPr rtlCol="0" anchor="ctr"/>
+          <a:lstStyle/>
+          <a:p>
+            <a:pPr algn="ctr"/>
+            <a:endParaRPr lang="fr-FR"/>
+          </a:p>
+        </p:txBody>
+      </p:sp>
+      <p:sp>
+        <p:nvSpPr>
+          <p:cNvPr id="13" name="Espace réservé du contenu 2"/>
+          <p:cNvSpPr>
+            <a:spLocks noGrp="1"/>
+          </p:cNvSpPr>
+          <p:nvPr>
+            <p:ph idx="1"/>
+          </p:nvPr>
+        </p:nvSpPr>
+        <p:spPr>
+          <a:xfrm>
+            <a:off x="171901" y="1432488"/>
+            <a:ext cx="8778511" cy="4860000"/>
+          </a:xfrm>
+          <a:prstGeom prst="rect">
+            <a:avLst/>
+          </a:prstGeom>
+          <a:ln>
+            <a:noFill/>
+          </a:ln>
+        </p:spPr>
+        <p:txBody>
+          <a:bodyPr>
+            <a:normAutofit/>
+          </a:bodyPr>
+          <a:lstStyle>
+            <a:lvl1pPr>
+              <a:defRPr sz="2400">
+                <a:latin typeface="Calibri" panose="020F0502020204030204" pitchFamily="34" charset="0"/>
+                <a:cs typeface="Arial"/>
+              </a:defRPr>
+            </a:lvl1pPr>
+            <a:lvl2pPr>
+              <a:defRPr sz="2400">
+                <a:latin typeface="Calibri" panose="020F0502020204030204" pitchFamily="34" charset="0"/>
+                <a:cs typeface="Arial"/>
+              </a:defRPr>
+            </a:lvl2pPr>
+            <a:lvl3pPr>
+              <a:defRPr sz="2400">
+                <a:latin typeface="Calibri" panose="020F0502020204030204" pitchFamily="34" charset="0"/>
+                <a:cs typeface="Arial"/>
+              </a:defRPr>
+            </a:lvl3pPr>
+            <a:lvl4pPr>
+              <a:defRPr sz="1800">
+                <a:latin typeface="Arial"/>
+                <a:cs typeface="Arial"/>
+              </a:defRPr>
+            </a:lvl4pPr>
+            <a:lvl5pPr>
+              <a:defRPr sz="1600">
+                <a:latin typeface="Arial"/>
+                <a:cs typeface="Arial"/>
+              </a:defRPr>
+            </a:lvl5pPr>
+          </a:lstStyle>
+          <a:p>
+            <a:pPr lvl="0"/>
+            <a:r>
+              <a:rPr lang="en-US" dirty="0"/>
+              <a:t>Click to edit Master text styles</a:t>
+            </a:r>
+          </a:p>
+          <a:p>
+            <a:pPr lvl="1"/>
+            <a:r>
+              <a:rPr lang="en-US" dirty="0"/>
+              <a:t>Second level</a:t>
+            </a:r>
+          </a:p>
+          <a:p>
+            <a:pPr lvl="2"/>
+            <a:r>
+              <a:rPr lang="en-US" dirty="0"/>
+              <a:t>Third level</a:t>
+            </a:r>
+          </a:p>
+        </p:txBody>
+      </p:sp>
+      <p:pic>
+        <p:nvPicPr>
+          <p:cNvPr id="10" name="Picture 9" descr="EIT RM+connecting_cmyk.eps"/>
+          <p:cNvPicPr>
+            <a:picLocks noChangeAspect="1"/>
+          </p:cNvPicPr>
+          <p:nvPr userDrawn="1"/>
+        </p:nvPicPr>
+        <p:blipFill>
+          <a:blip r:embed="rId3">
+            <a:extLst>
+              <a:ext uri="{28A0092B-C50C-407E-A947-70E740481C1C}">
+                <a14:useLocalDpi xmlns:a14="http://schemas.microsoft.com/office/drawing/2010/main" val="0"/>
+              </a:ext>
+            </a:extLst>
+          </a:blip>
+          <a:stretch>
+            <a:fillRect/>
+          </a:stretch>
+        </p:blipFill>
+        <p:spPr>
+          <a:xfrm>
+            <a:off x="0" y="6472198"/>
+            <a:ext cx="1368388" cy="465184"/>
+          </a:xfrm>
+          <a:prstGeom prst="rect">
+            <a:avLst/>
+          </a:prstGeom>
+        </p:spPr>
+      </p:pic>
+      <p:pic>
+        <p:nvPicPr>
+          <p:cNvPr id="14" name="Picture 13" descr="EU Flag Left.eps"/>
+          <p:cNvPicPr>
+            <a:picLocks noChangeAspect="1"/>
+          </p:cNvPicPr>
+          <p:nvPr userDrawn="1"/>
+        </p:nvPicPr>
+        <p:blipFill>
+          <a:blip r:embed="rId4">
+            <a:extLst>
+              <a:ext uri="{28A0092B-C50C-407E-A947-70E740481C1C}">
+                <a14:useLocalDpi xmlns:a14="http://schemas.microsoft.com/office/drawing/2010/main" val="0"/>
+              </a:ext>
+            </a:extLst>
+          </a:blip>
+          <a:stretch>
+            <a:fillRect/>
+          </a:stretch>
+        </p:blipFill>
+        <p:spPr>
+          <a:xfrm>
+            <a:off x="1428793" y="6599683"/>
+            <a:ext cx="3111545" cy="258317"/>
+          </a:xfrm>
+          <a:prstGeom prst="rect">
+            <a:avLst/>
+          </a:prstGeom>
+        </p:spPr>
+      </p:pic>
+      <p:pic>
+        <p:nvPicPr>
+          <p:cNvPr id="2" name="Picture 1" descr="logo4.png"/>
+          <p:cNvPicPr>
+            <a:picLocks noChangeAspect="1"/>
+          </p:cNvPicPr>
+          <p:nvPr userDrawn="1"/>
+        </p:nvPicPr>
+        <p:blipFill>
+          <a:blip r:embed="rId5">
+            <a:extLst>
+              <a:ext uri="{28A0092B-C50C-407E-A947-70E740481C1C}">
+                <a14:useLocalDpi xmlns:a14="http://schemas.microsoft.com/office/drawing/2010/main" val="0"/>
+              </a:ext>
+            </a:extLst>
+          </a:blip>
+          <a:stretch>
+            <a:fillRect/>
+          </a:stretch>
+        </p:blipFill>
+        <p:spPr>
+          <a:xfrm>
+            <a:off x="6697977" y="6565988"/>
+            <a:ext cx="662818" cy="292011"/>
+          </a:xfrm>
+          <a:prstGeom prst="rect">
+            <a:avLst/>
+          </a:prstGeom>
+        </p:spPr>
+      </p:pic>
+    </p:spTree>
+    <p:extLst>
+      <p:ext uri="{BB962C8B-B14F-4D97-AF65-F5344CB8AC3E}">
+        <p14:creationId xmlns:p14="http://schemas.microsoft.com/office/powerpoint/2010/main" val="4077882966"/>
+      </p:ext>
+    </p:extLst>
+  </p:cSld>
+  <p:clrMapOvr>
+    <a:masterClrMapping/>
+  </p:clrMapOvr>
+</p:sldLayout>
+</file>
+
+<file path=ppt/slideLayouts/slideLayout4.xml><?xml version="1.0" encoding="utf-8"?>
+<p:sldLayout xmlns:a="http://schemas.openxmlformats.org/drawingml/2006/main" xmlns:r="http://schemas.openxmlformats.org/officeDocument/2006/relationships" xmlns:p="http://schemas.openxmlformats.org/presentationml/2006/main" preserve="1" userDrawn="1">
+  <p:cSld name="Section Header">
+    <p:spTree>
+      <p:nvGrpSpPr>
+        <p:cNvPr id="1" name=""/>
+        <p:cNvGrpSpPr/>
+        <p:nvPr/>
+      </p:nvGrpSpPr>
+      <p:grpSpPr>
+        <a:xfrm>
+          <a:off x="0" y="0"/>
+          <a:ext cx="0" cy="0"/>
+          <a:chOff x="0" y="0"/>
+          <a:chExt cx="0" cy="0"/>
+        </a:xfrm>
+      </p:grpSpPr>
+      <p:sp>
+        <p:nvSpPr>
+          <p:cNvPr id="8" name="Espace réservé du contenu 2"/>
+          <p:cNvSpPr>
+            <a:spLocks noGrp="1"/>
+          </p:cNvSpPr>
+          <p:nvPr>
+            <p:ph idx="1"/>
+          </p:nvPr>
+        </p:nvSpPr>
+        <p:spPr>
+          <a:xfrm>
+            <a:off x="231063" y="1439862"/>
+            <a:ext cx="4260725" cy="4860000"/>
+          </a:xfrm>
+          <a:prstGeom prst="rect">
+            <a:avLst/>
+          </a:prstGeom>
+          <a:ln>
+            <a:noFill/>
+          </a:ln>
+        </p:spPr>
+        <p:txBody>
+          <a:bodyPr>
+            <a:normAutofit/>
+          </a:bodyPr>
+          <a:lstStyle>
+            <a:lvl1pPr>
+              <a:defRPr sz="2400">
+                <a:latin typeface="Calibri" panose="020F0502020204030204" pitchFamily="34" charset="0"/>
+                <a:cs typeface="Arial"/>
+              </a:defRPr>
+            </a:lvl1pPr>
+            <a:lvl2pPr>
+              <a:defRPr sz="2400">
+                <a:latin typeface="Calibri" panose="020F0502020204030204" pitchFamily="34" charset="0"/>
+                <a:cs typeface="Arial"/>
+              </a:defRPr>
+            </a:lvl2pPr>
+            <a:lvl3pPr>
+              <a:defRPr sz="2400">
+                <a:latin typeface="Calibri" panose="020F0502020204030204" pitchFamily="34" charset="0"/>
+                <a:cs typeface="Arial"/>
+              </a:defRPr>
+            </a:lvl3pPr>
+            <a:lvl4pPr>
+              <a:defRPr sz="1800">
+                <a:latin typeface="Arial"/>
+                <a:cs typeface="Arial"/>
+              </a:defRPr>
+            </a:lvl4pPr>
+            <a:lvl5pPr>
+              <a:defRPr sz="1600">
+                <a:latin typeface="Arial"/>
+                <a:cs typeface="Arial"/>
+              </a:defRPr>
+            </a:lvl5pPr>
+          </a:lstStyle>
+          <a:p>
+            <a:pPr lvl="0"/>
+            <a:r>
+              <a:rPr lang="en-US" dirty="0"/>
+              <a:t>Click to edit Master text styles</a:t>
+            </a:r>
+          </a:p>
+          <a:p>
+            <a:pPr lvl="1"/>
+            <a:r>
+              <a:rPr lang="en-US" dirty="0"/>
+              <a:t>Second level</a:t>
+            </a:r>
+          </a:p>
+          <a:p>
+            <a:pPr lvl="2"/>
+            <a:r>
+              <a:rPr lang="en-US" dirty="0"/>
+              <a:t>Third level</a:t>
+            </a:r>
+          </a:p>
+        </p:txBody>
+      </p:sp>
+      <p:sp>
+        <p:nvSpPr>
+          <p:cNvPr id="14" name="Espace réservé du contenu 2"/>
+          <p:cNvSpPr>
+            <a:spLocks noGrp="1"/>
+          </p:cNvSpPr>
+          <p:nvPr>
+            <p:ph idx="14"/>
+          </p:nvPr>
+        </p:nvSpPr>
+        <p:spPr>
+          <a:xfrm>
+            <a:off x="4618578" y="1439862"/>
+            <a:ext cx="4260725" cy="4860000"/>
+          </a:xfrm>
+          <a:prstGeom prst="rect">
+            <a:avLst/>
+          </a:prstGeom>
+        </p:spPr>
+        <p:txBody>
+          <a:bodyPr>
+            <a:normAutofit/>
+          </a:bodyPr>
+          <a:lstStyle>
+            <a:lvl1pPr>
+              <a:defRPr sz="2400">
+                <a:latin typeface="Calibri" panose="020F0502020204030204" pitchFamily="34" charset="0"/>
+                <a:cs typeface="Arial"/>
+              </a:defRPr>
+            </a:lvl1pPr>
+            <a:lvl2pPr>
+              <a:defRPr sz="2400">
+                <a:latin typeface="Calibri" panose="020F0502020204030204" pitchFamily="34" charset="0"/>
+                <a:cs typeface="Arial"/>
+              </a:defRPr>
+            </a:lvl2pPr>
+            <a:lvl3pPr>
+              <a:defRPr sz="2400">
+                <a:latin typeface="Calibri" panose="020F0502020204030204" pitchFamily="34" charset="0"/>
+                <a:cs typeface="Arial"/>
+              </a:defRPr>
+            </a:lvl3pPr>
+            <a:lvl4pPr>
+              <a:defRPr sz="1800">
+                <a:latin typeface="Arial"/>
+                <a:cs typeface="Arial"/>
+              </a:defRPr>
+            </a:lvl4pPr>
+            <a:lvl5pPr>
+              <a:defRPr sz="1600">
+                <a:latin typeface="Arial"/>
+                <a:cs typeface="Arial"/>
+              </a:defRPr>
+            </a:lvl5pPr>
+          </a:lstStyle>
+          <a:p>
+            <a:pPr lvl="0"/>
+            <a:r>
+              <a:rPr lang="en-US"/>
+              <a:t>Click to edit Master text styles</a:t>
+            </a:r>
+          </a:p>
+          <a:p>
+            <a:pPr lvl="1"/>
+            <a:r>
+              <a:rPr lang="en-US"/>
+              <a:t>Second level</a:t>
+            </a:r>
+          </a:p>
+          <a:p>
+            <a:pPr lvl="2"/>
+            <a:r>
+              <a:rPr lang="en-US"/>
+              <a:t>Third level</a:t>
+            </a:r>
+          </a:p>
+        </p:txBody>
+      </p:sp>
+      <p:sp>
+        <p:nvSpPr>
+          <p:cNvPr id="15" name="Titre 1"/>
+          <p:cNvSpPr>
+            <a:spLocks noGrp="1"/>
+          </p:cNvSpPr>
+          <p:nvPr>
+            <p:ph type="title" hasCustomPrompt="1"/>
+          </p:nvPr>
+        </p:nvSpPr>
+        <p:spPr>
+          <a:xfrm>
+            <a:off x="487948" y="508692"/>
+            <a:ext cx="8142705" cy="542025"/>
+          </a:xfrm>
+          <a:prstGeom prst="rect">
+            <a:avLst/>
+          </a:prstGeom>
+        </p:spPr>
+        <p:txBody>
+          <a:bodyPr/>
+          <a:lstStyle>
+            <a:lvl1pPr>
+              <a:defRPr sz="2400" b="1" baseline="0">
+                <a:solidFill>
+                  <a:schemeClr val="accent1">
+                    <a:lumMod val="75000"/>
+                  </a:schemeClr>
+                </a:solidFill>
+                <a:latin typeface="+mn-lt"/>
+                <a:cs typeface="Arial"/>
+              </a:defRPr>
+            </a:lvl1pPr>
+          </a:lstStyle>
+          <a:p>
+            <a:r>
+              <a:rPr lang="fr-CH" dirty="0"/>
+              <a:t>SECTION GILLS SANS MT (KEEP IT 24-26)</a:t>
+            </a:r>
+            <a:endParaRPr lang="fr-FR" dirty="0"/>
+          </a:p>
+        </p:txBody>
+      </p:sp>
+      <p:sp>
+        <p:nvSpPr>
+          <p:cNvPr id="16" name="Rectangle 15"/>
+          <p:cNvSpPr/>
+          <p:nvPr userDrawn="1"/>
+        </p:nvSpPr>
+        <p:spPr>
+          <a:xfrm>
+            <a:off x="158253" y="6481842"/>
+            <a:ext cx="7254883" cy="45719"/>
+          </a:xfrm>
+          <a:prstGeom prst="rect">
+            <a:avLst/>
+          </a:prstGeom>
+          <a:solidFill>
+            <a:srgbClr val="009FED"/>
+          </a:solidFill>
+          <a:ln>
+            <a:noFill/>
+          </a:ln>
+        </p:spPr>
+        <p:style>
+          <a:lnRef idx="2">
+            <a:schemeClr val="accent1">
+              <a:shade val="50000"/>
+            </a:schemeClr>
+          </a:lnRef>
+          <a:fillRef idx="1">
+            <a:schemeClr val="accent1"/>
+          </a:fillRef>
+          <a:effectRef idx="0">
+            <a:schemeClr val="accent1"/>
+          </a:effectRef>
+          <a:fontRef idx="minor">
+            <a:schemeClr val="lt1"/>
+          </a:fontRef>
+        </p:style>
+        <p:txBody>
+          <a:bodyPr rtlCol="0" anchor="ctr"/>
+          <a:lstStyle/>
+          <a:p>
+            <a:pPr algn="ctr"/>
+            <a:endParaRPr lang="fr-FR"/>
+          </a:p>
+        </p:txBody>
+      </p:sp>
+      <p:sp>
+        <p:nvSpPr>
+          <p:cNvPr id="17" name="ZoneTexte 18"/>
+          <p:cNvSpPr txBox="1"/>
+          <p:nvPr userDrawn="1"/>
+        </p:nvSpPr>
+        <p:spPr>
+          <a:xfrm>
+            <a:off x="8616888" y="6207930"/>
+            <a:ext cx="580606" cy="307777"/>
+          </a:xfrm>
+          <a:prstGeom prst="rect">
+            <a:avLst/>
+          </a:prstGeom>
+          <a:noFill/>
+        </p:spPr>
+        <p:txBody>
+          <a:bodyPr wrap="square" rtlCol="0">
+            <a:spAutoFit/>
+          </a:bodyPr>
+          <a:lstStyle/>
+          <a:p>
+            <a:fld id="{32D39788-B455-4145-908E-9B1CE40F9C22}" type="slidenum">
+              <a:rPr lang="en-US" sz="1400">
+                <a:solidFill>
+                  <a:prstClr val="white">
+                    <a:lumMod val="50000"/>
+                  </a:prstClr>
+                </a:solidFill>
+                <a:latin typeface="Gill Sans MT" panose="020B0502020104020203" pitchFamily="34" charset="0"/>
+              </a:rPr>
+              <a:pPr/>
+              <a:t>‹#›</a:t>
+            </a:fld>
+            <a:endParaRPr lang="en-US" sz="1400" dirty="0">
+              <a:solidFill>
+                <a:prstClr val="white">
+                  <a:lumMod val="50000"/>
+                </a:prstClr>
+              </a:solidFill>
+              <a:latin typeface="Gill Sans MT" panose="020B0502020104020203" pitchFamily="34" charset="0"/>
+            </a:endParaRPr>
+          </a:p>
+        </p:txBody>
+      </p:sp>
+      <p:pic>
+        <p:nvPicPr>
+          <p:cNvPr id="18" name="Picture 17"/>
+          <p:cNvPicPr>
+            <a:picLocks noChangeAspect="1"/>
+          </p:cNvPicPr>
+          <p:nvPr userDrawn="1"/>
+        </p:nvPicPr>
+        <p:blipFill>
+          <a:blip r:embed="rId2">
+            <a:extLst>
+              <a:ext uri="{28A0092B-C50C-407E-A947-70E740481C1C}">
+                <a14:useLocalDpi xmlns:a14="http://schemas.microsoft.com/office/drawing/2010/main" val="0"/>
+              </a:ext>
+            </a:extLst>
+          </a:blip>
+          <a:stretch>
+            <a:fillRect/>
+          </a:stretch>
+        </p:blipFill>
+        <p:spPr>
+          <a:xfrm>
+            <a:off x="171901" y="6029441"/>
+            <a:ext cx="1260488" cy="625677"/>
+          </a:xfrm>
+          <a:prstGeom prst="rect">
+            <a:avLst/>
+          </a:prstGeom>
+        </p:spPr>
+      </p:pic>
+      <p:sp>
+        <p:nvSpPr>
+          <p:cNvPr id="19" name="Sous-titre 2"/>
           <p:cNvSpPr txBox="1">
             <a:spLocks/>
           </p:cNvSpPr>
@@ -2828,8 +3697,8 @@
         </p:nvSpPr>
         <p:spPr>
           <a:xfrm>
-            <a:off x="158253" y="6481842"/>
-            <a:ext cx="1876845" cy="267829"/>
+            <a:off x="3536200" y="6238811"/>
+            <a:ext cx="3953010" cy="267829"/>
           </a:xfrm>
           <a:prstGeom prst="rect">
             <a:avLst/>
@@ -2996,65 +3865,35 @@
             </a:lvl9pPr>
           </a:lstStyle>
           <a:p>
-            <a:pPr algn="l"/>
-            <a:r>
-              <a:rPr lang="en-US" sz="800" dirty="0">
-                <a:latin typeface="Gill Sans MT Condensed" panose="020B0506020104020203" pitchFamily="34" charset="0"/>
-              </a:rPr>
-              <a:t>Panorama project – © </a:t>
-            </a:r>
-            <a:r>
-              <a:rPr lang="en-US" sz="800" dirty="0" err="1">
-                <a:latin typeface="Gill Sans MT Condensed" panose="020B0506020104020203" pitchFamily="34" charset="0"/>
-              </a:rPr>
-              <a:t>Université</a:t>
-            </a:r>
-            <a:r>
-              <a:rPr lang="en-US" sz="800" dirty="0">
-                <a:latin typeface="Gill Sans MT Condensed" panose="020B0506020104020203" pitchFamily="34" charset="0"/>
-              </a:rPr>
-              <a:t> de Bordeaux, 2019</a:t>
-            </a:r>
-          </a:p>
-          <a:p>
-            <a:pPr algn="l"/>
-            <a:r>
-              <a:rPr lang="en-US" sz="800" dirty="0">
-                <a:latin typeface="Gill Sans MT Condensed" panose="020B0506020104020203" pitchFamily="34" charset="0"/>
-              </a:rPr>
-              <a:t>EIT </a:t>
-            </a:r>
-            <a:r>
-              <a:rPr lang="en-US" sz="800" dirty="0" err="1">
-                <a:latin typeface="Gill Sans MT Condensed" panose="020B0506020104020203" pitchFamily="34" charset="0"/>
-              </a:rPr>
-              <a:t>RawMaterials</a:t>
-            </a:r>
-            <a:r>
-              <a:rPr lang="en-US" sz="800" dirty="0">
-                <a:latin typeface="Gill Sans MT Condensed" panose="020B0506020104020203" pitchFamily="34" charset="0"/>
-              </a:rPr>
-              <a:t> Academy</a:t>
-            </a:r>
+            <a:pPr algn="r"/>
+            <a:r>
+              <a:rPr lang="en-US" sz="1200" dirty="0"/>
+              <a:t>Title or relevant info to keep</a:t>
+            </a:r>
+            <a:r>
+              <a:rPr lang="en-US" sz="1200" baseline="0" dirty="0"/>
+              <a:t> in all the pages</a:t>
+            </a:r>
+            <a:endParaRPr lang="en-US" sz="1200" dirty="0"/>
           </a:p>
         </p:txBody>
       </p:sp>
       <p:sp>
         <p:nvSpPr>
-          <p:cNvPr id="12" name="Rectangle 11"/>
+          <p:cNvPr id="20" name="Rectangle 19"/>
           <p:cNvSpPr/>
           <p:nvPr userDrawn="1"/>
         </p:nvSpPr>
         <p:spPr>
           <a:xfrm>
-            <a:off x="8410162" y="6481842"/>
-            <a:ext cx="540250" cy="45719"/>
+            <a:off x="8546866" y="6481842"/>
+            <a:ext cx="403546" cy="45719"/>
           </a:xfrm>
           <a:prstGeom prst="rect">
             <a:avLst/>
           </a:prstGeom>
           <a:solidFill>
-            <a:srgbClr val="5284C2"/>
+            <a:srgbClr val="009FED"/>
           </a:solidFill>
           <a:ln>
             <a:noFill/>
@@ -3085,52 +3924,209 @@
           </a:p>
         </p:txBody>
       </p:sp>
+      <p:pic>
+        <p:nvPicPr>
+          <p:cNvPr id="21" name="Image 9"/>
+          <p:cNvPicPr>
+            <a:picLocks noChangeAspect="1"/>
+          </p:cNvPicPr>
+          <p:nvPr userDrawn="1"/>
+        </p:nvPicPr>
+        <p:blipFill>
+          <a:blip r:embed="rId3" cstate="print">
+            <a:extLst>
+              <a:ext uri="{28A0092B-C50C-407E-A947-70E740481C1C}">
+                <a14:useLocalDpi xmlns:a14="http://schemas.microsoft.com/office/drawing/2010/main" val="0"/>
+              </a:ext>
+            </a:extLst>
+          </a:blip>
+          <a:stretch>
+            <a:fillRect/>
+          </a:stretch>
+        </p:blipFill>
+        <p:spPr>
+          <a:xfrm>
+            <a:off x="7413136" y="5716000"/>
+            <a:ext cx="1116110" cy="1000915"/>
+          </a:xfrm>
+          <a:prstGeom prst="rect">
+            <a:avLst/>
+          </a:prstGeom>
+        </p:spPr>
+      </p:pic>
+      <p:pic>
+        <p:nvPicPr>
+          <p:cNvPr id="11" name="Picture 10" descr="EIT RM+connecting_cmyk.eps"/>
+          <p:cNvPicPr>
+            <a:picLocks noChangeAspect="1"/>
+          </p:cNvPicPr>
+          <p:nvPr userDrawn="1"/>
+        </p:nvPicPr>
+        <p:blipFill>
+          <a:blip r:embed="rId4">
+            <a:extLst>
+              <a:ext uri="{28A0092B-C50C-407E-A947-70E740481C1C}">
+                <a14:useLocalDpi xmlns:a14="http://schemas.microsoft.com/office/drawing/2010/main" val="0"/>
+              </a:ext>
+            </a:extLst>
+          </a:blip>
+          <a:stretch>
+            <a:fillRect/>
+          </a:stretch>
+        </p:blipFill>
+        <p:spPr>
+          <a:xfrm>
+            <a:off x="0" y="6472198"/>
+            <a:ext cx="1368388" cy="465184"/>
+          </a:xfrm>
+          <a:prstGeom prst="rect">
+            <a:avLst/>
+          </a:prstGeom>
+        </p:spPr>
+      </p:pic>
+      <p:pic>
+        <p:nvPicPr>
+          <p:cNvPr id="12" name="Picture 11" descr="EU Flag Left.eps"/>
+          <p:cNvPicPr>
+            <a:picLocks noChangeAspect="1"/>
+          </p:cNvPicPr>
+          <p:nvPr userDrawn="1"/>
+        </p:nvPicPr>
+        <p:blipFill>
+          <a:blip r:embed="rId5">
+            <a:extLst>
+              <a:ext uri="{28A0092B-C50C-407E-A947-70E740481C1C}">
+                <a14:useLocalDpi xmlns:a14="http://schemas.microsoft.com/office/drawing/2010/main" val="0"/>
+              </a:ext>
+            </a:extLst>
+          </a:blip>
+          <a:stretch>
+            <a:fillRect/>
+          </a:stretch>
+        </p:blipFill>
+        <p:spPr>
+          <a:xfrm>
+            <a:off x="1428793" y="6599683"/>
+            <a:ext cx="3111545" cy="258317"/>
+          </a:xfrm>
+          <a:prstGeom prst="rect">
+            <a:avLst/>
+          </a:prstGeom>
+        </p:spPr>
+      </p:pic>
+      <p:pic>
+        <p:nvPicPr>
+          <p:cNvPr id="13" name="Picture 12" descr="logo4.png"/>
+          <p:cNvPicPr>
+            <a:picLocks noChangeAspect="1"/>
+          </p:cNvPicPr>
+          <p:nvPr userDrawn="1"/>
+        </p:nvPicPr>
+        <p:blipFill>
+          <a:blip r:embed="rId6">
+            <a:extLst>
+              <a:ext uri="{28A0092B-C50C-407E-A947-70E740481C1C}">
+                <a14:useLocalDpi xmlns:a14="http://schemas.microsoft.com/office/drawing/2010/main" val="0"/>
+              </a:ext>
+            </a:extLst>
+          </a:blip>
+          <a:stretch>
+            <a:fillRect/>
+          </a:stretch>
+        </p:blipFill>
+        <p:spPr>
+          <a:xfrm>
+            <a:off x="6697977" y="6565988"/>
+            <a:ext cx="662818" cy="292011"/>
+          </a:xfrm>
+          <a:prstGeom prst="rect">
+            <a:avLst/>
+          </a:prstGeom>
+        </p:spPr>
+      </p:pic>
+    </p:spTree>
+    <p:extLst>
+      <p:ext uri="{BB962C8B-B14F-4D97-AF65-F5344CB8AC3E}">
+        <p14:creationId xmlns:p14="http://schemas.microsoft.com/office/powerpoint/2010/main" val="1086576"/>
+      </p:ext>
+    </p:extLst>
+  </p:cSld>
+  <p:clrMapOvr>
+    <a:masterClrMapping/>
+  </p:clrMapOvr>
+</p:sldLayout>
+</file>
+
+<file path=ppt/slideLayouts/slideLayout5.xml><?xml version="1.0" encoding="utf-8"?>
+<p:sldLayout xmlns:a="http://schemas.openxmlformats.org/drawingml/2006/main" xmlns:r="http://schemas.openxmlformats.org/officeDocument/2006/relationships" xmlns:p="http://schemas.openxmlformats.org/presentationml/2006/main" preserve="1" userDrawn="1">
+  <p:cSld name="1_Title Slide">
+    <p:spTree>
+      <p:nvGrpSpPr>
+        <p:cNvPr id="1" name=""/>
+        <p:cNvGrpSpPr/>
+        <p:nvPr/>
+      </p:nvGrpSpPr>
+      <p:grpSpPr>
+        <a:xfrm>
+          <a:off x="0" y="0"/>
+          <a:ext cx="0" cy="0"/>
+          <a:chOff x="0" y="0"/>
+          <a:chExt cx="0" cy="0"/>
+        </a:xfrm>
+      </p:grpSpPr>
       <p:sp>
         <p:nvSpPr>
-          <p:cNvPr id="17" name="Titre 1"/>
-          <p:cNvSpPr>
-            <a:spLocks noGrp="1"/>
+          <p:cNvPr id="9" name="Titre 1"/>
+          <p:cNvSpPr txBox="1">
+            <a:spLocks/>
           </p:cNvSpPr>
-          <p:nvPr>
-            <p:ph type="title" hasCustomPrompt="1"/>
-          </p:nvPr>
+          <p:nvPr userDrawn="1"/>
         </p:nvSpPr>
         <p:spPr>
           <a:xfrm>
-            <a:off x="487948" y="508692"/>
-            <a:ext cx="8462464" cy="542025"/>
+            <a:off x="685800" y="1484784"/>
+            <a:ext cx="7772400" cy="1470025"/>
           </a:xfrm>
           <a:prstGeom prst="rect">
             <a:avLst/>
           </a:prstGeom>
         </p:spPr>
         <p:txBody>
-          <a:bodyPr/>
+          <a:bodyPr>
+            <a:normAutofit/>
+          </a:bodyPr>
           <a:lstStyle>
-            <a:lvl1pPr>
-              <a:defRPr sz="2400" b="1" baseline="0">
+            <a:lvl1pPr algn="ctr" defTabSz="914400" rtl="0" eaLnBrk="1" latinLnBrk="0" hangingPunct="1">
+              <a:spcBef>
+                <a:spcPct val="0"/>
+              </a:spcBef>
+              <a:buNone/>
+              <a:defRPr sz="4000" b="1" kern="1200" baseline="0">
                 <a:solidFill>
                   <a:schemeClr val="accent1">
                     <a:lumMod val="75000"/>
                   </a:schemeClr>
                 </a:solidFill>
-                <a:latin typeface="+mn-lt"/>
-                <a:cs typeface="Arial"/>
+                <a:latin typeface="Gill Sans MT" panose="020B0502020104020203" pitchFamily="34" charset="0"/>
+                <a:ea typeface="+mj-ea"/>
+                <a:cs typeface="+mj-cs"/>
               </a:defRPr>
             </a:lvl1pPr>
           </a:lstStyle>
           <a:p>
-            <a:r>
-              <a:rPr lang="fr-CH" dirty="0"/>
-              <a:t>SECTION GILLS SANS MT (KEEP IT 24-26)</a:t>
-            </a:r>
-            <a:endParaRPr lang="fr-FR" dirty="0"/>
+            <a:endParaRPr lang="en-US" b="1" i="0" dirty="0">
+              <a:solidFill>
+                <a:schemeClr val="accent1">
+                  <a:lumMod val="75000"/>
+                </a:schemeClr>
+              </a:solidFill>
+            </a:endParaRPr>
           </a:p>
         </p:txBody>
       </p:sp>
       <p:pic>
         <p:nvPicPr>
-          <p:cNvPr id="18" name="Image 9"/>
+          <p:cNvPr id="14" name="Image 9"/>
           <p:cNvPicPr>
             <a:picLocks noChangeAspect="1"/>
           </p:cNvPicPr>
@@ -3150,8 +4146,805 @@
         </p:blipFill>
         <p:spPr>
           <a:xfrm>
-            <a:off x="7619862" y="6004292"/>
-            <a:ext cx="790300" cy="708732"/>
+            <a:off x="7413136" y="5716000"/>
+            <a:ext cx="1116110" cy="1000915"/>
+          </a:xfrm>
+          <a:prstGeom prst="rect">
+            <a:avLst/>
+          </a:prstGeom>
+        </p:spPr>
+      </p:pic>
+      <p:sp>
+        <p:nvSpPr>
+          <p:cNvPr id="15" name="Title 14"/>
+          <p:cNvSpPr>
+            <a:spLocks noGrp="1"/>
+          </p:cNvSpPr>
+          <p:nvPr>
+            <p:ph type="title" hasCustomPrompt="1"/>
+          </p:nvPr>
+        </p:nvSpPr>
+        <p:spPr>
+          <a:xfrm>
+            <a:off x="628650" y="1568281"/>
+            <a:ext cx="7886700" cy="1325563"/>
+          </a:xfrm>
+          <a:prstGeom prst="rect">
+            <a:avLst/>
+          </a:prstGeom>
+        </p:spPr>
+        <p:txBody>
+          <a:bodyPr/>
+          <a:lstStyle>
+            <a:lvl1pPr algn="ctr">
+              <a:defRPr sz="3600" b="0" baseline="0">
+                <a:solidFill>
+                  <a:schemeClr val="accent1">
+                    <a:lumMod val="75000"/>
+                  </a:schemeClr>
+                </a:solidFill>
+                <a:effectLst/>
+                <a:latin typeface="Gill Sans MT" panose="020B0502020104020203" pitchFamily="34" charset="0"/>
+              </a:defRPr>
+            </a:lvl1pPr>
+          </a:lstStyle>
+          <a:p>
+            <a:r>
+              <a:rPr lang="en-US" b="1" i="0" dirty="0">
+                <a:solidFill>
+                  <a:schemeClr val="accent1">
+                    <a:lumMod val="75000"/>
+                  </a:schemeClr>
+                </a:solidFill>
+              </a:rPr>
+              <a:t>Last Page (Thanks?)</a:t>
+            </a:r>
+            <a:br>
+              <a:rPr lang="en-US" b="1" i="0" dirty="0">
+                <a:solidFill>
+                  <a:schemeClr val="accent1">
+                    <a:lumMod val="75000"/>
+                  </a:schemeClr>
+                </a:solidFill>
+              </a:rPr>
+            </a:br>
+            <a:r>
+              <a:rPr lang="en-US" b="1" i="0" dirty="0">
+                <a:solidFill>
+                  <a:schemeClr val="accent1">
+                    <a:lumMod val="75000"/>
+                  </a:schemeClr>
+                </a:solidFill>
+              </a:rPr>
+              <a:t>Keep it between 36-40 </a:t>
+            </a:r>
+            <a:r>
+              <a:rPr lang="en-US" b="1" i="0" dirty="0" err="1">
+                <a:solidFill>
+                  <a:schemeClr val="accent1">
+                    <a:lumMod val="75000"/>
+                  </a:schemeClr>
+                </a:solidFill>
+              </a:rPr>
+              <a:t>pt</a:t>
+            </a:r>
+            <a:endParaRPr lang="en-US" b="1" i="0" dirty="0">
+              <a:solidFill>
+                <a:schemeClr val="accent1">
+                  <a:lumMod val="75000"/>
+                </a:schemeClr>
+              </a:solidFill>
+            </a:endParaRPr>
+          </a:p>
+        </p:txBody>
+      </p:sp>
+      <p:sp>
+        <p:nvSpPr>
+          <p:cNvPr id="22" name="Text Placeholder 21"/>
+          <p:cNvSpPr>
+            <a:spLocks noGrp="1"/>
+          </p:cNvSpPr>
+          <p:nvPr>
+            <p:ph type="body" sz="quarter" idx="10" hasCustomPrompt="1"/>
+          </p:nvPr>
+        </p:nvSpPr>
+        <p:spPr>
+          <a:xfrm>
+            <a:off x="1363245" y="3011471"/>
+            <a:ext cx="6786563" cy="876300"/>
+          </a:xfrm>
+          <a:prstGeom prst="rect">
+            <a:avLst/>
+          </a:prstGeom>
+        </p:spPr>
+        <p:txBody>
+          <a:bodyPr/>
+          <a:lstStyle>
+            <a:lvl1pPr marL="0" indent="0" algn="ctr">
+              <a:buNone/>
+              <a:defRPr>
+                <a:solidFill>
+                  <a:schemeClr val="bg1">
+                    <a:lumMod val="50000"/>
+                  </a:schemeClr>
+                </a:solidFill>
+              </a:defRPr>
+            </a:lvl1pPr>
+          </a:lstStyle>
+          <a:p>
+            <a:r>
+              <a:rPr lang="en-US" dirty="0"/>
+              <a:t>Names (Keep it between 26-30) </a:t>
+            </a:r>
+          </a:p>
+        </p:txBody>
+      </p:sp>
+      <p:pic>
+        <p:nvPicPr>
+          <p:cNvPr id="16" name="Image 10"/>
+          <p:cNvPicPr>
+            <a:picLocks noChangeAspect="1"/>
+          </p:cNvPicPr>
+          <p:nvPr userDrawn="1"/>
+        </p:nvPicPr>
+        <p:blipFill>
+          <a:blip r:embed="rId3" cstate="print">
+            <a:extLst>
+              <a:ext uri="{28A0092B-C50C-407E-A947-70E740481C1C}">
+                <a14:useLocalDpi xmlns:a14="http://schemas.microsoft.com/office/drawing/2010/main" val="0"/>
+              </a:ext>
+            </a:extLst>
+          </a:blip>
+          <a:stretch>
+            <a:fillRect/>
+          </a:stretch>
+        </p:blipFill>
+        <p:spPr>
+          <a:xfrm>
+            <a:off x="321815" y="5845627"/>
+            <a:ext cx="1682169" cy="832757"/>
+          </a:xfrm>
+          <a:prstGeom prst="rect">
+            <a:avLst/>
+          </a:prstGeom>
+        </p:spPr>
+      </p:pic>
+      <p:pic>
+        <p:nvPicPr>
+          <p:cNvPr id="17" name="Image 11"/>
+          <p:cNvPicPr>
+            <a:picLocks noChangeAspect="1"/>
+          </p:cNvPicPr>
+          <p:nvPr userDrawn="1"/>
+        </p:nvPicPr>
+        <p:blipFill>
+          <a:blip r:embed="rId4" cstate="print">
+            <a:extLst>
+              <a:ext uri="{28A0092B-C50C-407E-A947-70E740481C1C}">
+                <a14:useLocalDpi xmlns:a14="http://schemas.microsoft.com/office/drawing/2010/main" val="0"/>
+              </a:ext>
+            </a:extLst>
+          </a:blip>
+          <a:stretch>
+            <a:fillRect/>
+          </a:stretch>
+        </p:blipFill>
+        <p:spPr>
+          <a:xfrm>
+            <a:off x="3162034" y="5881304"/>
+            <a:ext cx="2051720" cy="823170"/>
+          </a:xfrm>
+          <a:prstGeom prst="rect">
+            <a:avLst/>
+          </a:prstGeom>
+        </p:spPr>
+      </p:pic>
+      <p:pic>
+        <p:nvPicPr>
+          <p:cNvPr id="18" name="Image 4"/>
+          <p:cNvPicPr>
+            <a:picLocks noChangeAspect="1"/>
+          </p:cNvPicPr>
+          <p:nvPr userDrawn="1"/>
+        </p:nvPicPr>
+        <p:blipFill>
+          <a:blip r:embed="rId5" cstate="print">
+            <a:extLst>
+              <a:ext uri="{28A0092B-C50C-407E-A947-70E740481C1C}">
+                <a14:useLocalDpi xmlns:a14="http://schemas.microsoft.com/office/drawing/2010/main" val="0"/>
+              </a:ext>
+            </a:extLst>
+          </a:blip>
+          <a:stretch>
+            <a:fillRect/>
+          </a:stretch>
+        </p:blipFill>
+        <p:spPr>
+          <a:xfrm>
+            <a:off x="2189363" y="5918022"/>
+            <a:ext cx="746714" cy="746714"/>
+          </a:xfrm>
+          <a:prstGeom prst="rect">
+            <a:avLst/>
+          </a:prstGeom>
+        </p:spPr>
+      </p:pic>
+      <p:pic>
+        <p:nvPicPr>
+          <p:cNvPr id="19" name="Picture 2"/>
+          <p:cNvPicPr>
+            <a:picLocks noChangeAspect="1" noChangeArrowheads="1"/>
+          </p:cNvPicPr>
+          <p:nvPr userDrawn="1"/>
+        </p:nvPicPr>
+        <p:blipFill>
+          <a:blip r:embed="rId6" cstate="print">
+            <a:extLst>
+              <a:ext uri="{28A0092B-C50C-407E-A947-70E740481C1C}">
+                <a14:useLocalDpi xmlns:a14="http://schemas.microsoft.com/office/drawing/2010/main" val="0"/>
+              </a:ext>
+            </a:extLst>
+          </a:blip>
+          <a:srcRect/>
+          <a:stretch>
+            <a:fillRect/>
+          </a:stretch>
+        </p:blipFill>
+        <p:spPr bwMode="auto">
+          <a:xfrm>
+            <a:off x="5320858" y="5829811"/>
+            <a:ext cx="1209368" cy="914400"/>
+          </a:xfrm>
+          <a:prstGeom prst="rect">
+            <a:avLst/>
+          </a:prstGeom>
+          <a:noFill/>
+          <a:ln>
+            <a:noFill/>
+          </a:ln>
+          <a:extLst>
+            <a:ext uri="{909E8E84-426E-40dd-AFC4-6F175D3DCCD1}">
+              <a14:hiddenFill xmlns:a14="http://schemas.microsoft.com/office/drawing/2010/main">
+                <a:solidFill>
+                  <a:schemeClr val="accent1"/>
+                </a:solidFill>
+              </a14:hiddenFill>
+            </a:ext>
+            <a:ext uri="{91240B29-F687-4f45-9708-019B960494DF}">
+              <a14:hiddenLine xmlns:a14="http://schemas.microsoft.com/office/drawing/2010/main" w="9525">
+                <a:solidFill>
+                  <a:schemeClr val="tx1"/>
+                </a:solidFill>
+                <a:miter lim="800000"/>
+                <a:headEnd/>
+                <a:tailEnd/>
+              </a14:hiddenLine>
+            </a:ext>
+          </a:extLst>
+        </p:spPr>
+      </p:pic>
+      <p:pic>
+        <p:nvPicPr>
+          <p:cNvPr id="12" name="Picture 11" descr="EIT RM+connecting_cmyk.eps"/>
+          <p:cNvPicPr>
+            <a:picLocks noChangeAspect="1"/>
+          </p:cNvPicPr>
+          <p:nvPr userDrawn="1"/>
+        </p:nvPicPr>
+        <p:blipFill>
+          <a:blip r:embed="rId7">
+            <a:extLst>
+              <a:ext uri="{28A0092B-C50C-407E-A947-70E740481C1C}">
+                <a14:useLocalDpi xmlns:a14="http://schemas.microsoft.com/office/drawing/2010/main" val="0"/>
+              </a:ext>
+            </a:extLst>
+          </a:blip>
+          <a:stretch>
+            <a:fillRect/>
+          </a:stretch>
+        </p:blipFill>
+        <p:spPr>
+          <a:xfrm>
+            <a:off x="-108456" y="0"/>
+            <a:ext cx="3135696" cy="1065981"/>
+          </a:xfrm>
+          <a:prstGeom prst="rect">
+            <a:avLst/>
+          </a:prstGeom>
+        </p:spPr>
+      </p:pic>
+      <p:pic>
+        <p:nvPicPr>
+          <p:cNvPr id="13" name="Picture 12" descr="EU Flag Left.eps"/>
+          <p:cNvPicPr>
+            <a:picLocks noChangeAspect="1"/>
+          </p:cNvPicPr>
+          <p:nvPr userDrawn="1"/>
+        </p:nvPicPr>
+        <p:blipFill>
+          <a:blip r:embed="rId8">
+            <a:extLst>
+              <a:ext uri="{28A0092B-C50C-407E-A947-70E740481C1C}">
+                <a14:useLocalDpi xmlns:a14="http://schemas.microsoft.com/office/drawing/2010/main" val="0"/>
+              </a:ext>
+            </a:extLst>
+          </a:blip>
+          <a:stretch>
+            <a:fillRect/>
+          </a:stretch>
+        </p:blipFill>
+        <p:spPr>
+          <a:xfrm>
+            <a:off x="3118410" y="347929"/>
+            <a:ext cx="4004920" cy="332484"/>
+          </a:xfrm>
+          <a:prstGeom prst="rect">
+            <a:avLst/>
+          </a:prstGeom>
+        </p:spPr>
+      </p:pic>
+      <p:pic>
+        <p:nvPicPr>
+          <p:cNvPr id="20" name="Picture 19" descr="logo4.png"/>
+          <p:cNvPicPr>
+            <a:picLocks noChangeAspect="1"/>
+          </p:cNvPicPr>
+          <p:nvPr userDrawn="1"/>
+        </p:nvPicPr>
+        <p:blipFill>
+          <a:blip r:embed="rId9">
+            <a:extLst>
+              <a:ext uri="{28A0092B-C50C-407E-A947-70E740481C1C}">
+                <a14:useLocalDpi xmlns:a14="http://schemas.microsoft.com/office/drawing/2010/main" val="0"/>
+              </a:ext>
+            </a:extLst>
+          </a:blip>
+          <a:stretch>
+            <a:fillRect/>
+          </a:stretch>
+        </p:blipFill>
+        <p:spPr>
+          <a:xfrm>
+            <a:off x="7378673" y="118144"/>
+            <a:ext cx="1765327" cy="777733"/>
+          </a:xfrm>
+          <a:prstGeom prst="rect">
+            <a:avLst/>
+          </a:prstGeom>
+        </p:spPr>
+      </p:pic>
+    </p:spTree>
+    <p:extLst>
+      <p:ext uri="{BB962C8B-B14F-4D97-AF65-F5344CB8AC3E}">
+        <p14:creationId xmlns:p14="http://schemas.microsoft.com/office/powerpoint/2010/main" val="1684278916"/>
+      </p:ext>
+    </p:extLst>
+  </p:cSld>
+  <p:clrMapOvr>
+    <a:masterClrMapping/>
+  </p:clrMapOvr>
+</p:sldLayout>
+</file>
+
+<file path=ppt/slideLayouts/slideLayout6.xml><?xml version="1.0" encoding="utf-8"?>
+<p:sldLayout xmlns:a="http://schemas.openxmlformats.org/drawingml/2006/main" xmlns:r="http://schemas.openxmlformats.org/officeDocument/2006/relationships" xmlns:p="http://schemas.openxmlformats.org/presentationml/2006/main" type="txAndObj">
+  <p:cSld name="Title, Text, and Content">
+    <p:spTree>
+      <p:nvGrpSpPr>
+        <p:cNvPr id="1" name=""/>
+        <p:cNvGrpSpPr/>
+        <p:nvPr/>
+      </p:nvGrpSpPr>
+      <p:grpSpPr>
+        <a:xfrm>
+          <a:off x="0" y="0"/>
+          <a:ext cx="0" cy="0"/>
+          <a:chOff x="0" y="0"/>
+          <a:chExt cx="0" cy="0"/>
+        </a:xfrm>
+      </p:grpSpPr>
+      <p:sp>
+        <p:nvSpPr>
+          <p:cNvPr id="2" name="Title 1"/>
+          <p:cNvSpPr>
+            <a:spLocks noGrp="1"/>
+          </p:cNvSpPr>
+          <p:nvPr>
+            <p:ph type="title"/>
+          </p:nvPr>
+        </p:nvSpPr>
+        <p:spPr>
+          <a:xfrm>
+            <a:off x="838200" y="609600"/>
+            <a:ext cx="7620000" cy="1143000"/>
+          </a:xfrm>
+        </p:spPr>
+        <p:txBody>
+          <a:bodyPr/>
+          <a:lstStyle/>
+          <a:p>
+            <a:r>
+              <a:rPr lang="en-US"/>
+              <a:t>Click to edit Master title style</a:t>
+            </a:r>
+          </a:p>
+        </p:txBody>
+      </p:sp>
+      <p:sp>
+        <p:nvSpPr>
+          <p:cNvPr id="3" name="Text Placeholder 2"/>
+          <p:cNvSpPr>
+            <a:spLocks noGrp="1"/>
+          </p:cNvSpPr>
+          <p:nvPr>
+            <p:ph type="body" sz="half" idx="1"/>
+          </p:nvPr>
+        </p:nvSpPr>
+        <p:spPr>
+          <a:xfrm>
+            <a:off x="685800" y="1981200"/>
+            <a:ext cx="3810000" cy="4114800"/>
+          </a:xfrm>
+        </p:spPr>
+        <p:txBody>
+          <a:bodyPr/>
+          <a:lstStyle/>
+          <a:p>
+            <a:pPr lvl="0"/>
+            <a:r>
+              <a:rPr lang="en-US"/>
+              <a:t>Click to edit Master text styles</a:t>
+            </a:r>
+          </a:p>
+          <a:p>
+            <a:pPr lvl="1"/>
+            <a:r>
+              <a:rPr lang="en-US"/>
+              <a:t>Second level</a:t>
+            </a:r>
+          </a:p>
+          <a:p>
+            <a:pPr lvl="2"/>
+            <a:r>
+              <a:rPr lang="en-US"/>
+              <a:t>Third level</a:t>
+            </a:r>
+          </a:p>
+          <a:p>
+            <a:pPr lvl="3"/>
+            <a:r>
+              <a:rPr lang="en-US"/>
+              <a:t>Fourth level</a:t>
+            </a:r>
+          </a:p>
+          <a:p>
+            <a:pPr lvl="4"/>
+            <a:r>
+              <a:rPr lang="en-US"/>
+              <a:t>Fifth level</a:t>
+            </a:r>
+          </a:p>
+        </p:txBody>
+      </p:sp>
+      <p:sp>
+        <p:nvSpPr>
+          <p:cNvPr id="4" name="Content Placeholder 3"/>
+          <p:cNvSpPr>
+            <a:spLocks noGrp="1"/>
+          </p:cNvSpPr>
+          <p:nvPr>
+            <p:ph sz="half" idx="2"/>
+          </p:nvPr>
+        </p:nvSpPr>
+        <p:spPr>
+          <a:xfrm>
+            <a:off x="4648200" y="1981200"/>
+            <a:ext cx="3810000" cy="4114800"/>
+          </a:xfrm>
+        </p:spPr>
+        <p:txBody>
+          <a:bodyPr/>
+          <a:lstStyle/>
+          <a:p>
+            <a:pPr lvl="0"/>
+            <a:r>
+              <a:rPr lang="en-US"/>
+              <a:t>Click to edit Master text styles</a:t>
+            </a:r>
+          </a:p>
+          <a:p>
+            <a:pPr lvl="1"/>
+            <a:r>
+              <a:rPr lang="en-US"/>
+              <a:t>Second level</a:t>
+            </a:r>
+          </a:p>
+          <a:p>
+            <a:pPr lvl="2"/>
+            <a:r>
+              <a:rPr lang="en-US"/>
+              <a:t>Third level</a:t>
+            </a:r>
+          </a:p>
+          <a:p>
+            <a:pPr lvl="3"/>
+            <a:r>
+              <a:rPr lang="en-US"/>
+              <a:t>Fourth level</a:t>
+            </a:r>
+          </a:p>
+          <a:p>
+            <a:pPr lvl="4"/>
+            <a:r>
+              <a:rPr lang="en-US"/>
+              <a:t>Fifth level</a:t>
+            </a:r>
+          </a:p>
+        </p:txBody>
+      </p:sp>
+      <p:sp>
+        <p:nvSpPr>
+          <p:cNvPr id="5" name="Rectangle 100"/>
+          <p:cNvSpPr>
+            <a:spLocks noGrp="1" noChangeArrowheads="1"/>
+          </p:cNvSpPr>
+          <p:nvPr>
+            <p:ph type="dt" sz="half" idx="10"/>
+          </p:nvPr>
+        </p:nvSpPr>
+        <p:spPr>
+          <a:xfrm>
+            <a:off x="685800" y="6248400"/>
+            <a:ext cx="1905000" cy="457200"/>
+          </a:xfrm>
+          <a:prstGeom prst="rect">
+            <a:avLst/>
+          </a:prstGeom>
+          <a:ln/>
+        </p:spPr>
+        <p:txBody>
+          <a:bodyPr/>
+          <a:lstStyle>
+            <a:lvl1pPr>
+              <a:defRPr/>
+            </a:lvl1pPr>
+          </a:lstStyle>
+          <a:p>
+            <a:pPr>
+              <a:defRPr/>
+            </a:pPr>
+            <a:endParaRPr lang="en-GB"/>
+          </a:p>
+        </p:txBody>
+      </p:sp>
+      <p:sp>
+        <p:nvSpPr>
+          <p:cNvPr id="6" name="Rectangle 101"/>
+          <p:cNvSpPr>
+            <a:spLocks noGrp="1" noChangeArrowheads="1"/>
+          </p:cNvSpPr>
+          <p:nvPr>
+            <p:ph type="ftr" sz="quarter" idx="11"/>
+          </p:nvPr>
+        </p:nvSpPr>
+        <p:spPr>
+          <a:xfrm>
+            <a:off x="3124200" y="6248400"/>
+            <a:ext cx="2895600" cy="457200"/>
+          </a:xfrm>
+          <a:prstGeom prst="rect">
+            <a:avLst/>
+          </a:prstGeom>
+          <a:ln/>
+        </p:spPr>
+        <p:txBody>
+          <a:bodyPr/>
+          <a:lstStyle>
+            <a:lvl1pPr>
+              <a:defRPr/>
+            </a:lvl1pPr>
+          </a:lstStyle>
+          <a:p>
+            <a:pPr>
+              <a:defRPr/>
+            </a:pPr>
+            <a:endParaRPr lang="en-GB"/>
+          </a:p>
+        </p:txBody>
+      </p:sp>
+      <p:sp>
+        <p:nvSpPr>
+          <p:cNvPr id="7" name="Rectangle 102"/>
+          <p:cNvSpPr>
+            <a:spLocks noGrp="1" noChangeArrowheads="1"/>
+          </p:cNvSpPr>
+          <p:nvPr>
+            <p:ph type="sldNum" sz="quarter" idx="12"/>
+          </p:nvPr>
+        </p:nvSpPr>
+        <p:spPr>
+          <a:xfrm>
+            <a:off x="6553200" y="6248400"/>
+            <a:ext cx="1905000" cy="457200"/>
+          </a:xfrm>
+          <a:prstGeom prst="rect">
+            <a:avLst/>
+          </a:prstGeom>
+          <a:ln/>
+        </p:spPr>
+        <p:txBody>
+          <a:bodyPr/>
+          <a:lstStyle>
+            <a:lvl1pPr>
+              <a:defRPr/>
+            </a:lvl1pPr>
+          </a:lstStyle>
+          <a:p>
+            <a:fld id="{B9BA64CD-CDA9-2D43-AC4B-53A9D4152E2D}" type="slidenum">
+              <a:rPr lang="en-GB" altLang="en-US"/>
+              <a:pPr/>
+              <a:t>‹#›</a:t>
+            </a:fld>
+            <a:endParaRPr lang="en-GB" altLang="en-US"/>
+          </a:p>
+        </p:txBody>
+      </p:sp>
+      <p:pic>
+        <p:nvPicPr>
+          <p:cNvPr id="8" name="Picture 7" descr="EIT RM+connecting_cmyk.eps"/>
+          <p:cNvPicPr>
+            <a:picLocks noChangeAspect="1"/>
+          </p:cNvPicPr>
+          <p:nvPr userDrawn="1"/>
+        </p:nvPicPr>
+        <p:blipFill>
+          <a:blip r:embed="rId2">
+            <a:extLst>
+              <a:ext uri="{28A0092B-C50C-407E-A947-70E740481C1C}">
+                <a14:useLocalDpi xmlns:a14="http://schemas.microsoft.com/office/drawing/2010/main" val="0"/>
+              </a:ext>
+            </a:extLst>
+          </a:blip>
+          <a:stretch>
+            <a:fillRect/>
+          </a:stretch>
+        </p:blipFill>
+        <p:spPr>
+          <a:xfrm>
+            <a:off x="0" y="6472198"/>
+            <a:ext cx="1368388" cy="465184"/>
+          </a:xfrm>
+          <a:prstGeom prst="rect">
+            <a:avLst/>
+          </a:prstGeom>
+        </p:spPr>
+      </p:pic>
+      <p:pic>
+        <p:nvPicPr>
+          <p:cNvPr id="9" name="Picture 8" descr="EU Flag Left.eps"/>
+          <p:cNvPicPr>
+            <a:picLocks noChangeAspect="1"/>
+          </p:cNvPicPr>
+          <p:nvPr userDrawn="1"/>
+        </p:nvPicPr>
+        <p:blipFill>
+          <a:blip r:embed="rId3">
+            <a:extLst>
+              <a:ext uri="{28A0092B-C50C-407E-A947-70E740481C1C}">
+                <a14:useLocalDpi xmlns:a14="http://schemas.microsoft.com/office/drawing/2010/main" val="0"/>
+              </a:ext>
+            </a:extLst>
+          </a:blip>
+          <a:stretch>
+            <a:fillRect/>
+          </a:stretch>
+        </p:blipFill>
+        <p:spPr>
+          <a:xfrm>
+            <a:off x="1428793" y="6599683"/>
+            <a:ext cx="3111545" cy="258317"/>
+          </a:xfrm>
+          <a:prstGeom prst="rect">
+            <a:avLst/>
+          </a:prstGeom>
+        </p:spPr>
+      </p:pic>
+    </p:spTree>
+    <p:extLst>
+      <p:ext uri="{BB962C8B-B14F-4D97-AF65-F5344CB8AC3E}">
+        <p14:creationId xmlns:p14="http://schemas.microsoft.com/office/powerpoint/2010/main" val="3260564999"/>
+      </p:ext>
+    </p:extLst>
+  </p:cSld>
+  <p:clrMapOvr>
+    <a:masterClrMapping/>
+  </p:clrMapOvr>
+</p:sldLayout>
+</file>
+
+<file path=ppt/slideLayouts/slideLayout7.xml><?xml version="1.0" encoding="utf-8"?>
+<p:sldLayout xmlns:a="http://schemas.openxmlformats.org/drawingml/2006/main" xmlns:r="http://schemas.openxmlformats.org/officeDocument/2006/relationships" xmlns:p="http://schemas.openxmlformats.org/presentationml/2006/main" preserve="1" userDrawn="1">
+  <p:cSld name="Title and Content">
+    <p:spTree>
+      <p:nvGrpSpPr>
+        <p:cNvPr id="1" name=""/>
+        <p:cNvGrpSpPr/>
+        <p:nvPr/>
+      </p:nvGrpSpPr>
+      <p:grpSpPr>
+        <a:xfrm>
+          <a:off x="0" y="0"/>
+          <a:ext cx="0" cy="0"/>
+          <a:chOff x="0" y="0"/>
+          <a:chExt cx="0" cy="0"/>
+        </a:xfrm>
+      </p:grpSpPr>
+    </p:spTree>
+    <p:extLst>
+      <p:ext uri="{BB962C8B-B14F-4D97-AF65-F5344CB8AC3E}">
+        <p14:creationId xmlns:p14="http://schemas.microsoft.com/office/powerpoint/2010/main" val="746944741"/>
+      </p:ext>
+    </p:extLst>
+  </p:cSld>
+  <p:clrMapOvr>
+    <a:masterClrMapping/>
+  </p:clrMapOvr>
+  <mc:AlternateContent xmlns:mc="http://schemas.openxmlformats.org/markup-compatibility/2006" xmlns:p14="http://schemas.microsoft.com/office/powerpoint/2010/main">
+    <mc:Choice Requires="p14">
+      <p:transition p14:dur="100">
+        <p:cut/>
+      </p:transition>
+    </mc:Choice>
+    <mc:Fallback xmlns="">
+      <p:transition>
+        <p:cut/>
+      </p:transition>
+    </mc:Fallback>
+  </mc:AlternateContent>
+</p:sldLayout>
+</file>
+
+<file path=ppt/slideLayouts/slideLayout8.xml><?xml version="1.0" encoding="utf-8"?>
+<p:sldLayout xmlns:a="http://schemas.openxmlformats.org/drawingml/2006/main" xmlns:r="http://schemas.openxmlformats.org/officeDocument/2006/relationships" xmlns:p="http://schemas.openxmlformats.org/presentationml/2006/main" preserve="1" userDrawn="1">
+  <p:cSld name="Title Slide">
+    <p:spTree>
+      <p:nvGrpSpPr>
+        <p:cNvPr id="1" name=""/>
+        <p:cNvGrpSpPr/>
+        <p:nvPr/>
+      </p:nvGrpSpPr>
+      <p:grpSpPr>
+        <a:xfrm>
+          <a:off x="0" y="0"/>
+          <a:ext cx="0" cy="0"/>
+          <a:chOff x="0" y="0"/>
+          <a:chExt cx="0" cy="0"/>
+        </a:xfrm>
+      </p:grpSpPr>
+      <p:pic>
+        <p:nvPicPr>
+          <p:cNvPr id="7" name="Image 9"/>
+          <p:cNvPicPr>
+            <a:picLocks noChangeAspect="1"/>
+          </p:cNvPicPr>
+          <p:nvPr userDrawn="1"/>
+        </p:nvPicPr>
+        <p:blipFill>
+          <a:blip r:embed="rId2" cstate="print">
+            <a:extLst>
+              <a:ext uri="{28A0092B-C50C-407E-A947-70E740481C1C}">
+                <a14:useLocalDpi xmlns:a14="http://schemas.microsoft.com/office/drawing/2010/main" val="0"/>
+              </a:ext>
+            </a:extLst>
+          </a:blip>
+          <a:stretch>
+            <a:fillRect/>
+          </a:stretch>
+        </p:blipFill>
+        <p:spPr>
+          <a:xfrm>
+            <a:off x="7429178" y="5716000"/>
+            <a:ext cx="1116110" cy="1000915"/>
           </a:xfrm>
           <a:prstGeom prst="rect">
             <a:avLst/>
@@ -3167,13 +4960,13 @@
         <p:spPr>
           <a:xfrm>
             <a:off x="158253" y="6481842"/>
-            <a:ext cx="7366396" cy="45719"/>
+            <a:ext cx="7254883" cy="45719"/>
           </a:xfrm>
           <a:prstGeom prst="rect">
             <a:avLst/>
           </a:prstGeom>
           <a:solidFill>
-            <a:srgbClr val="5284C2"/>
+            <a:srgbClr val="009FED"/>
           </a:solidFill>
           <a:ln>
             <a:noFill/>
@@ -3206,366 +4999,7 @@
       </p:sp>
       <p:sp>
         <p:nvSpPr>
-          <p:cNvPr id="13" name="Espace réservé du contenu 2"/>
-          <p:cNvSpPr>
-            <a:spLocks noGrp="1"/>
-          </p:cNvSpPr>
-          <p:nvPr>
-            <p:ph idx="1"/>
-          </p:nvPr>
-        </p:nvSpPr>
-        <p:spPr>
-          <a:xfrm>
-            <a:off x="171901" y="1432488"/>
-            <a:ext cx="8778511" cy="4860000"/>
-          </a:xfrm>
-          <a:prstGeom prst="rect">
-            <a:avLst/>
-          </a:prstGeom>
-          <a:ln>
-            <a:noFill/>
-          </a:ln>
-        </p:spPr>
-        <p:txBody>
-          <a:bodyPr>
-            <a:normAutofit/>
-          </a:bodyPr>
-          <a:lstStyle>
-            <a:lvl1pPr>
-              <a:defRPr sz="2400">
-                <a:latin typeface="Calibri" panose="020F0502020204030204" pitchFamily="34" charset="0"/>
-                <a:cs typeface="Arial"/>
-              </a:defRPr>
-            </a:lvl1pPr>
-            <a:lvl2pPr>
-              <a:defRPr sz="2400">
-                <a:latin typeface="Calibri" panose="020F0502020204030204" pitchFamily="34" charset="0"/>
-                <a:cs typeface="Arial"/>
-              </a:defRPr>
-            </a:lvl2pPr>
-            <a:lvl3pPr>
-              <a:defRPr sz="2400">
-                <a:latin typeface="Calibri" panose="020F0502020204030204" pitchFamily="34" charset="0"/>
-                <a:cs typeface="Arial"/>
-              </a:defRPr>
-            </a:lvl3pPr>
-            <a:lvl4pPr>
-              <a:defRPr sz="1800">
-                <a:latin typeface="Arial"/>
-                <a:cs typeface="Arial"/>
-              </a:defRPr>
-            </a:lvl4pPr>
-            <a:lvl5pPr>
-              <a:defRPr sz="1600">
-                <a:latin typeface="Arial"/>
-                <a:cs typeface="Arial"/>
-              </a:defRPr>
-            </a:lvl5pPr>
-          </a:lstStyle>
-          <a:p>
-            <a:pPr lvl="0"/>
-            <a:r>
-              <a:rPr lang="en-US" dirty="0"/>
-              <a:t>Click to edit Master text styles</a:t>
-            </a:r>
-          </a:p>
-          <a:p>
-            <a:pPr lvl="1"/>
-            <a:r>
-              <a:rPr lang="en-US" dirty="0"/>
-              <a:t>Second level</a:t>
-            </a:r>
-          </a:p>
-          <a:p>
-            <a:pPr lvl="2"/>
-            <a:r>
-              <a:rPr lang="en-US" dirty="0"/>
-              <a:t>Third level</a:t>
-            </a:r>
-          </a:p>
-        </p:txBody>
-      </p:sp>
-    </p:spTree>
-    <p:extLst>
-      <p:ext uri="{BB962C8B-B14F-4D97-AF65-F5344CB8AC3E}">
-        <p14:creationId xmlns:p14="http://schemas.microsoft.com/office/powerpoint/2010/main" val="4077882966"/>
-      </p:ext>
-    </p:extLst>
-  </p:cSld>
-  <p:clrMapOvr>
-    <a:masterClrMapping/>
-  </p:clrMapOvr>
-</p:sldLayout>
-</file>
-
-<file path=ppt/slideLayouts/slideLayout4.xml><?xml version="1.0" encoding="utf-8"?>
-<p:sldLayout xmlns:a="http://schemas.openxmlformats.org/drawingml/2006/main" xmlns:r="http://schemas.openxmlformats.org/officeDocument/2006/relationships" xmlns:p="http://schemas.openxmlformats.org/presentationml/2006/main" preserve="1" userDrawn="1">
-  <p:cSld name="Section Header">
-    <p:spTree>
-      <p:nvGrpSpPr>
-        <p:cNvPr id="1" name=""/>
-        <p:cNvGrpSpPr/>
-        <p:nvPr/>
-      </p:nvGrpSpPr>
-      <p:grpSpPr>
-        <a:xfrm>
-          <a:off x="0" y="0"/>
-          <a:ext cx="0" cy="0"/>
-          <a:chOff x="0" y="0"/>
-          <a:chExt cx="0" cy="0"/>
-        </a:xfrm>
-      </p:grpSpPr>
-      <p:sp>
-        <p:nvSpPr>
-          <p:cNvPr id="8" name="Espace réservé du contenu 2"/>
-          <p:cNvSpPr>
-            <a:spLocks noGrp="1"/>
-          </p:cNvSpPr>
-          <p:nvPr>
-            <p:ph idx="1"/>
-          </p:nvPr>
-        </p:nvSpPr>
-        <p:spPr>
-          <a:xfrm>
-            <a:off x="231063" y="1439862"/>
-            <a:ext cx="4260725" cy="4860000"/>
-          </a:xfrm>
-          <a:prstGeom prst="rect">
-            <a:avLst/>
-          </a:prstGeom>
-          <a:ln>
-            <a:noFill/>
-          </a:ln>
-        </p:spPr>
-        <p:txBody>
-          <a:bodyPr>
-            <a:normAutofit/>
-          </a:bodyPr>
-          <a:lstStyle>
-            <a:lvl1pPr>
-              <a:defRPr sz="2400">
-                <a:latin typeface="Calibri" panose="020F0502020204030204" pitchFamily="34" charset="0"/>
-                <a:cs typeface="Arial"/>
-              </a:defRPr>
-            </a:lvl1pPr>
-            <a:lvl2pPr>
-              <a:defRPr sz="2400">
-                <a:latin typeface="Calibri" panose="020F0502020204030204" pitchFamily="34" charset="0"/>
-                <a:cs typeface="Arial"/>
-              </a:defRPr>
-            </a:lvl2pPr>
-            <a:lvl3pPr>
-              <a:defRPr sz="2400">
-                <a:latin typeface="Calibri" panose="020F0502020204030204" pitchFamily="34" charset="0"/>
-                <a:cs typeface="Arial"/>
-              </a:defRPr>
-            </a:lvl3pPr>
-            <a:lvl4pPr>
-              <a:defRPr sz="1800">
-                <a:latin typeface="Arial"/>
-                <a:cs typeface="Arial"/>
-              </a:defRPr>
-            </a:lvl4pPr>
-            <a:lvl5pPr>
-              <a:defRPr sz="1600">
-                <a:latin typeface="Arial"/>
-                <a:cs typeface="Arial"/>
-              </a:defRPr>
-            </a:lvl5pPr>
-          </a:lstStyle>
-          <a:p>
-            <a:pPr lvl="0"/>
-            <a:r>
-              <a:rPr lang="en-US" dirty="0"/>
-              <a:t>Click to edit Master text styles</a:t>
-            </a:r>
-          </a:p>
-          <a:p>
-            <a:pPr lvl="1"/>
-            <a:r>
-              <a:rPr lang="en-US" dirty="0"/>
-              <a:t>Second level</a:t>
-            </a:r>
-          </a:p>
-          <a:p>
-            <a:pPr lvl="2"/>
-            <a:r>
-              <a:rPr lang="en-US" dirty="0"/>
-              <a:t>Third level</a:t>
-            </a:r>
-          </a:p>
-        </p:txBody>
-      </p:sp>
-      <p:sp>
-        <p:nvSpPr>
-          <p:cNvPr id="14" name="Espace réservé du contenu 2"/>
-          <p:cNvSpPr>
-            <a:spLocks noGrp="1"/>
-          </p:cNvSpPr>
-          <p:nvPr>
-            <p:ph idx="14"/>
-          </p:nvPr>
-        </p:nvSpPr>
-        <p:spPr>
-          <a:xfrm>
-            <a:off x="4618578" y="1439862"/>
-            <a:ext cx="4260725" cy="4860000"/>
-          </a:xfrm>
-          <a:prstGeom prst="rect">
-            <a:avLst/>
-          </a:prstGeom>
-        </p:spPr>
-        <p:txBody>
-          <a:bodyPr>
-            <a:normAutofit/>
-          </a:bodyPr>
-          <a:lstStyle>
-            <a:lvl1pPr>
-              <a:defRPr sz="2400">
-                <a:latin typeface="Calibri" panose="020F0502020204030204" pitchFamily="34" charset="0"/>
-                <a:cs typeface="Arial"/>
-              </a:defRPr>
-            </a:lvl1pPr>
-            <a:lvl2pPr>
-              <a:defRPr sz="2400">
-                <a:latin typeface="Calibri" panose="020F0502020204030204" pitchFamily="34" charset="0"/>
-                <a:cs typeface="Arial"/>
-              </a:defRPr>
-            </a:lvl2pPr>
-            <a:lvl3pPr>
-              <a:defRPr sz="2400">
-                <a:latin typeface="Calibri" panose="020F0502020204030204" pitchFamily="34" charset="0"/>
-                <a:cs typeface="Arial"/>
-              </a:defRPr>
-            </a:lvl3pPr>
-            <a:lvl4pPr>
-              <a:defRPr sz="1800">
-                <a:latin typeface="Arial"/>
-                <a:cs typeface="Arial"/>
-              </a:defRPr>
-            </a:lvl4pPr>
-            <a:lvl5pPr>
-              <a:defRPr sz="1600">
-                <a:latin typeface="Arial"/>
-                <a:cs typeface="Arial"/>
-              </a:defRPr>
-            </a:lvl5pPr>
-          </a:lstStyle>
-          <a:p>
-            <a:pPr lvl="0"/>
-            <a:r>
-              <a:rPr lang="en-US"/>
-              <a:t>Click to edit Master text styles</a:t>
-            </a:r>
-          </a:p>
-          <a:p>
-            <a:pPr lvl="1"/>
-            <a:r>
-              <a:rPr lang="en-US"/>
-              <a:t>Second level</a:t>
-            </a:r>
-          </a:p>
-          <a:p>
-            <a:pPr lvl="2"/>
-            <a:r>
-              <a:rPr lang="en-US"/>
-              <a:t>Third level</a:t>
-            </a:r>
-          </a:p>
-        </p:txBody>
-      </p:sp>
-      <p:sp>
-        <p:nvSpPr>
-          <p:cNvPr id="15" name="Titre 1"/>
-          <p:cNvSpPr>
-            <a:spLocks noGrp="1"/>
-          </p:cNvSpPr>
-          <p:nvPr>
-            <p:ph type="title" hasCustomPrompt="1"/>
-          </p:nvPr>
-        </p:nvSpPr>
-        <p:spPr>
-          <a:xfrm>
-            <a:off x="487948" y="508692"/>
-            <a:ext cx="8142705" cy="542025"/>
-          </a:xfrm>
-          <a:prstGeom prst="rect">
-            <a:avLst/>
-          </a:prstGeom>
-        </p:spPr>
-        <p:txBody>
-          <a:bodyPr/>
-          <a:lstStyle>
-            <a:lvl1pPr>
-              <a:defRPr sz="2400" b="1" baseline="0">
-                <a:solidFill>
-                  <a:schemeClr val="accent1">
-                    <a:lumMod val="75000"/>
-                  </a:schemeClr>
-                </a:solidFill>
-                <a:latin typeface="+mn-lt"/>
-                <a:cs typeface="Arial"/>
-              </a:defRPr>
-            </a:lvl1pPr>
-          </a:lstStyle>
-          <a:p>
-            <a:r>
-              <a:rPr lang="fr-CH" dirty="0"/>
-              <a:t>SECTION GILLS SANS MT (KEEP IT 24-26)</a:t>
-            </a:r>
-            <a:endParaRPr lang="fr-FR" dirty="0"/>
-          </a:p>
-        </p:txBody>
-      </p:sp>
-      <p:sp>
-        <p:nvSpPr>
-          <p:cNvPr id="16" name="Rectangle 15"/>
-          <p:cNvSpPr/>
-          <p:nvPr userDrawn="1"/>
-        </p:nvSpPr>
-        <p:spPr>
-          <a:xfrm>
-            <a:off x="158253" y="6481842"/>
-            <a:ext cx="7254883" cy="45719"/>
-          </a:xfrm>
-          <a:prstGeom prst="rect">
-            <a:avLst/>
-          </a:prstGeom>
-          <a:solidFill>
-            <a:srgbClr val="009FED"/>
-          </a:solidFill>
-          <a:ln>
-            <a:noFill/>
-          </a:ln>
-        </p:spPr>
-        <p:style>
-          <a:lnRef idx="2">
-            <a:schemeClr val="accent1">
-              <a:shade val="50000"/>
-            </a:schemeClr>
-          </a:lnRef>
-          <a:fillRef idx="1">
-            <a:schemeClr val="accent1"/>
-          </a:fillRef>
-          <a:effectRef idx="0">
-            <a:schemeClr val="accent1"/>
-          </a:effectRef>
-          <a:fontRef idx="minor">
-            <a:schemeClr val="lt1"/>
-          </a:fontRef>
-        </p:style>
-        <p:txBody>
-          <a:bodyPr rtlCol="0" anchor="ctr"/>
-          <a:lstStyle/>
-          <a:p>
-            <a:pPr algn="ctr"/>
-            <a:endParaRPr lang="fr-FR"/>
-          </a:p>
-        </p:txBody>
-      </p:sp>
-      <p:sp>
-        <p:nvSpPr>
-          <p:cNvPr id="17" name="ZoneTexte 18"/>
+          <p:cNvPr id="9" name="ZoneTexte 18"/>
           <p:cNvSpPr txBox="1"/>
           <p:nvPr userDrawn="1"/>
         </p:nvSpPr>
@@ -3610,14 +5044,14 @@
       </p:sp>
       <p:pic>
         <p:nvPicPr>
-          <p:cNvPr id="18" name="Picture 17"/>
+          <p:cNvPr id="11" name="Picture 10"/>
           <p:cNvPicPr>
             <a:picLocks noChangeAspect="1"/>
           </p:cNvPicPr>
           <p:nvPr userDrawn="1"/>
         </p:nvPicPr>
         <p:blipFill>
-          <a:blip r:embed="rId2">
+          <a:blip r:embed="rId3">
             <a:extLst>
               <a:ext uri="{28A0092B-C50C-407E-A947-70E740481C1C}">
                 <a14:useLocalDpi xmlns:a14="http://schemas.microsoft.com/office/drawing/2010/main" val="0"/>
@@ -3640,7 +5074,7 @@
       </p:pic>
       <p:sp>
         <p:nvSpPr>
-          <p:cNvPr id="19" name="Sous-titre 2"/>
+          <p:cNvPr id="12" name="Sous-titre 2"/>
           <p:cNvSpPr txBox="1">
             <a:spLocks/>
           </p:cNvSpPr>
@@ -3831,1151 +5265,6 @@
       </p:sp>
       <p:sp>
         <p:nvSpPr>
-          <p:cNvPr id="20" name="Rectangle 19"/>
-          <p:cNvSpPr/>
-          <p:nvPr userDrawn="1"/>
-        </p:nvSpPr>
-        <p:spPr>
-          <a:xfrm>
-            <a:off x="8546866" y="6481842"/>
-            <a:ext cx="403546" cy="45719"/>
-          </a:xfrm>
-          <a:prstGeom prst="rect">
-            <a:avLst/>
-          </a:prstGeom>
-          <a:solidFill>
-            <a:srgbClr val="009FED"/>
-          </a:solidFill>
-          <a:ln>
-            <a:noFill/>
-          </a:ln>
-        </p:spPr>
-        <p:style>
-          <a:lnRef idx="2">
-            <a:schemeClr val="accent1">
-              <a:shade val="50000"/>
-            </a:schemeClr>
-          </a:lnRef>
-          <a:fillRef idx="1">
-            <a:schemeClr val="accent1"/>
-          </a:fillRef>
-          <a:effectRef idx="0">
-            <a:schemeClr val="accent1"/>
-          </a:effectRef>
-          <a:fontRef idx="minor">
-            <a:schemeClr val="lt1"/>
-          </a:fontRef>
-        </p:style>
-        <p:txBody>
-          <a:bodyPr rtlCol="0" anchor="ctr"/>
-          <a:lstStyle/>
-          <a:p>
-            <a:pPr algn="ctr"/>
-            <a:endParaRPr lang="fr-FR"/>
-          </a:p>
-        </p:txBody>
-      </p:sp>
-      <p:pic>
-        <p:nvPicPr>
-          <p:cNvPr id="21" name="Image 9"/>
-          <p:cNvPicPr>
-            <a:picLocks noChangeAspect="1"/>
-          </p:cNvPicPr>
-          <p:nvPr userDrawn="1"/>
-        </p:nvPicPr>
-        <p:blipFill>
-          <a:blip r:embed="rId3" cstate="print">
-            <a:extLst>
-              <a:ext uri="{28A0092B-C50C-407E-A947-70E740481C1C}">
-                <a14:useLocalDpi xmlns:a14="http://schemas.microsoft.com/office/drawing/2010/main" val="0"/>
-              </a:ext>
-            </a:extLst>
-          </a:blip>
-          <a:stretch>
-            <a:fillRect/>
-          </a:stretch>
-        </p:blipFill>
-        <p:spPr>
-          <a:xfrm>
-            <a:off x="7413136" y="5716000"/>
-            <a:ext cx="1116110" cy="1000915"/>
-          </a:xfrm>
-          <a:prstGeom prst="rect">
-            <a:avLst/>
-          </a:prstGeom>
-        </p:spPr>
-      </p:pic>
-    </p:spTree>
-    <p:extLst>
-      <p:ext uri="{BB962C8B-B14F-4D97-AF65-F5344CB8AC3E}">
-        <p14:creationId xmlns:p14="http://schemas.microsoft.com/office/powerpoint/2010/main" val="1086576"/>
-      </p:ext>
-    </p:extLst>
-  </p:cSld>
-  <p:clrMapOvr>
-    <a:masterClrMapping/>
-  </p:clrMapOvr>
-</p:sldLayout>
-</file>
-
-<file path=ppt/slideLayouts/slideLayout5.xml><?xml version="1.0" encoding="utf-8"?>
-<p:sldLayout xmlns:a="http://schemas.openxmlformats.org/drawingml/2006/main" xmlns:r="http://schemas.openxmlformats.org/officeDocument/2006/relationships" xmlns:p="http://schemas.openxmlformats.org/presentationml/2006/main" preserve="1" userDrawn="1">
-  <p:cSld name="1_Title Slide">
-    <p:spTree>
-      <p:nvGrpSpPr>
-        <p:cNvPr id="1" name=""/>
-        <p:cNvGrpSpPr/>
-        <p:nvPr/>
-      </p:nvGrpSpPr>
-      <p:grpSpPr>
-        <a:xfrm>
-          <a:off x="0" y="0"/>
-          <a:ext cx="0" cy="0"/>
-          <a:chOff x="0" y="0"/>
-          <a:chExt cx="0" cy="0"/>
-        </a:xfrm>
-      </p:grpSpPr>
-      <p:sp>
-        <p:nvSpPr>
-          <p:cNvPr id="9" name="Titre 1"/>
-          <p:cNvSpPr txBox="1">
-            <a:spLocks/>
-          </p:cNvSpPr>
-          <p:nvPr userDrawn="1"/>
-        </p:nvSpPr>
-        <p:spPr>
-          <a:xfrm>
-            <a:off x="685800" y="1484784"/>
-            <a:ext cx="7772400" cy="1470025"/>
-          </a:xfrm>
-          <a:prstGeom prst="rect">
-            <a:avLst/>
-          </a:prstGeom>
-        </p:spPr>
-        <p:txBody>
-          <a:bodyPr>
-            <a:normAutofit/>
-          </a:bodyPr>
-          <a:lstStyle>
-            <a:lvl1pPr algn="ctr" defTabSz="914400" rtl="0" eaLnBrk="1" latinLnBrk="0" hangingPunct="1">
-              <a:spcBef>
-                <a:spcPct val="0"/>
-              </a:spcBef>
-              <a:buNone/>
-              <a:defRPr sz="4000" b="1" kern="1200" baseline="0">
-                <a:solidFill>
-                  <a:schemeClr val="accent1">
-                    <a:lumMod val="75000"/>
-                  </a:schemeClr>
-                </a:solidFill>
-                <a:latin typeface="Gill Sans MT" panose="020B0502020104020203" pitchFamily="34" charset="0"/>
-                <a:ea typeface="+mj-ea"/>
-                <a:cs typeface="+mj-cs"/>
-              </a:defRPr>
-            </a:lvl1pPr>
-          </a:lstStyle>
-          <a:p>
-            <a:endParaRPr lang="en-US" b="1" i="0" dirty="0">
-              <a:solidFill>
-                <a:schemeClr val="accent1">
-                  <a:lumMod val="75000"/>
-                </a:schemeClr>
-              </a:solidFill>
-            </a:endParaRPr>
-          </a:p>
-        </p:txBody>
-      </p:sp>
-      <p:pic>
-        <p:nvPicPr>
-          <p:cNvPr id="14" name="Image 9"/>
-          <p:cNvPicPr>
-            <a:picLocks noChangeAspect="1"/>
-          </p:cNvPicPr>
-          <p:nvPr userDrawn="1"/>
-        </p:nvPicPr>
-        <p:blipFill>
-          <a:blip r:embed="rId2" cstate="print">
-            <a:extLst>
-              <a:ext uri="{28A0092B-C50C-407E-A947-70E740481C1C}">
-                <a14:useLocalDpi xmlns:a14="http://schemas.microsoft.com/office/drawing/2010/main" val="0"/>
-              </a:ext>
-            </a:extLst>
-          </a:blip>
-          <a:stretch>
-            <a:fillRect/>
-          </a:stretch>
-        </p:blipFill>
-        <p:spPr>
-          <a:xfrm>
-            <a:off x="7413136" y="5716000"/>
-            <a:ext cx="1116110" cy="1000915"/>
-          </a:xfrm>
-          <a:prstGeom prst="rect">
-            <a:avLst/>
-          </a:prstGeom>
-        </p:spPr>
-      </p:pic>
-      <p:sp>
-        <p:nvSpPr>
-          <p:cNvPr id="15" name="Title 14"/>
-          <p:cNvSpPr>
-            <a:spLocks noGrp="1"/>
-          </p:cNvSpPr>
-          <p:nvPr>
-            <p:ph type="title" hasCustomPrompt="1"/>
-          </p:nvPr>
-        </p:nvSpPr>
-        <p:spPr>
-          <a:xfrm>
-            <a:off x="628650" y="1568281"/>
-            <a:ext cx="7886700" cy="1325563"/>
-          </a:xfrm>
-          <a:prstGeom prst="rect">
-            <a:avLst/>
-          </a:prstGeom>
-        </p:spPr>
-        <p:txBody>
-          <a:bodyPr/>
-          <a:lstStyle>
-            <a:lvl1pPr algn="ctr">
-              <a:defRPr sz="3600" b="0" baseline="0">
-                <a:solidFill>
-                  <a:schemeClr val="accent1">
-                    <a:lumMod val="75000"/>
-                  </a:schemeClr>
-                </a:solidFill>
-                <a:effectLst/>
-                <a:latin typeface="Gill Sans MT" panose="020B0502020104020203" pitchFamily="34" charset="0"/>
-              </a:defRPr>
-            </a:lvl1pPr>
-          </a:lstStyle>
-          <a:p>
-            <a:r>
-              <a:rPr lang="en-US" b="1" i="0" dirty="0">
-                <a:solidFill>
-                  <a:schemeClr val="accent1">
-                    <a:lumMod val="75000"/>
-                  </a:schemeClr>
-                </a:solidFill>
-              </a:rPr>
-              <a:t>Last Page (Thanks?)</a:t>
-            </a:r>
-            <a:br>
-              <a:rPr lang="en-US" b="1" i="0" dirty="0">
-                <a:solidFill>
-                  <a:schemeClr val="accent1">
-                    <a:lumMod val="75000"/>
-                  </a:schemeClr>
-                </a:solidFill>
-              </a:rPr>
-            </a:br>
-            <a:r>
-              <a:rPr lang="en-US" b="1" i="0" dirty="0">
-                <a:solidFill>
-                  <a:schemeClr val="accent1">
-                    <a:lumMod val="75000"/>
-                  </a:schemeClr>
-                </a:solidFill>
-              </a:rPr>
-              <a:t>Keep it between 36-40 </a:t>
-            </a:r>
-            <a:r>
-              <a:rPr lang="en-US" b="1" i="0" dirty="0" err="1">
-                <a:solidFill>
-                  <a:schemeClr val="accent1">
-                    <a:lumMod val="75000"/>
-                  </a:schemeClr>
-                </a:solidFill>
-              </a:rPr>
-              <a:t>pt</a:t>
-            </a:r>
-            <a:endParaRPr lang="en-US" b="1" i="0" dirty="0">
-              <a:solidFill>
-                <a:schemeClr val="accent1">
-                  <a:lumMod val="75000"/>
-                </a:schemeClr>
-              </a:solidFill>
-            </a:endParaRPr>
-          </a:p>
-        </p:txBody>
-      </p:sp>
-      <p:sp>
-        <p:nvSpPr>
-          <p:cNvPr id="22" name="Text Placeholder 21"/>
-          <p:cNvSpPr>
-            <a:spLocks noGrp="1"/>
-          </p:cNvSpPr>
-          <p:nvPr>
-            <p:ph type="body" sz="quarter" idx="10" hasCustomPrompt="1"/>
-          </p:nvPr>
-        </p:nvSpPr>
-        <p:spPr>
-          <a:xfrm>
-            <a:off x="1363245" y="3011471"/>
-            <a:ext cx="6786563" cy="876300"/>
-          </a:xfrm>
-          <a:prstGeom prst="rect">
-            <a:avLst/>
-          </a:prstGeom>
-        </p:spPr>
-        <p:txBody>
-          <a:bodyPr/>
-          <a:lstStyle>
-            <a:lvl1pPr marL="0" indent="0" algn="ctr">
-              <a:buNone/>
-              <a:defRPr>
-                <a:solidFill>
-                  <a:schemeClr val="bg1">
-                    <a:lumMod val="50000"/>
-                  </a:schemeClr>
-                </a:solidFill>
-              </a:defRPr>
-            </a:lvl1pPr>
-          </a:lstStyle>
-          <a:p>
-            <a:r>
-              <a:rPr lang="en-US" dirty="0"/>
-              <a:t>Names (Keep it between 26-30) </a:t>
-            </a:r>
-          </a:p>
-        </p:txBody>
-      </p:sp>
-      <p:pic>
-        <p:nvPicPr>
-          <p:cNvPr id="16" name="Image 10"/>
-          <p:cNvPicPr>
-            <a:picLocks noChangeAspect="1"/>
-          </p:cNvPicPr>
-          <p:nvPr userDrawn="1"/>
-        </p:nvPicPr>
-        <p:blipFill>
-          <a:blip r:embed="rId3" cstate="print">
-            <a:extLst>
-              <a:ext uri="{28A0092B-C50C-407E-A947-70E740481C1C}">
-                <a14:useLocalDpi xmlns:a14="http://schemas.microsoft.com/office/drawing/2010/main" val="0"/>
-              </a:ext>
-            </a:extLst>
-          </a:blip>
-          <a:stretch>
-            <a:fillRect/>
-          </a:stretch>
-        </p:blipFill>
-        <p:spPr>
-          <a:xfrm>
-            <a:off x="321815" y="5845627"/>
-            <a:ext cx="1682169" cy="832757"/>
-          </a:xfrm>
-          <a:prstGeom prst="rect">
-            <a:avLst/>
-          </a:prstGeom>
-        </p:spPr>
-      </p:pic>
-      <p:pic>
-        <p:nvPicPr>
-          <p:cNvPr id="17" name="Image 11"/>
-          <p:cNvPicPr>
-            <a:picLocks noChangeAspect="1"/>
-          </p:cNvPicPr>
-          <p:nvPr userDrawn="1"/>
-        </p:nvPicPr>
-        <p:blipFill>
-          <a:blip r:embed="rId4" cstate="print">
-            <a:extLst>
-              <a:ext uri="{28A0092B-C50C-407E-A947-70E740481C1C}">
-                <a14:useLocalDpi xmlns:a14="http://schemas.microsoft.com/office/drawing/2010/main" val="0"/>
-              </a:ext>
-            </a:extLst>
-          </a:blip>
-          <a:stretch>
-            <a:fillRect/>
-          </a:stretch>
-        </p:blipFill>
-        <p:spPr>
-          <a:xfrm>
-            <a:off x="3162034" y="5881304"/>
-            <a:ext cx="2051720" cy="823170"/>
-          </a:xfrm>
-          <a:prstGeom prst="rect">
-            <a:avLst/>
-          </a:prstGeom>
-        </p:spPr>
-      </p:pic>
-      <p:pic>
-        <p:nvPicPr>
-          <p:cNvPr id="18" name="Image 4"/>
-          <p:cNvPicPr>
-            <a:picLocks noChangeAspect="1"/>
-          </p:cNvPicPr>
-          <p:nvPr userDrawn="1"/>
-        </p:nvPicPr>
-        <p:blipFill>
-          <a:blip r:embed="rId5" cstate="print">
-            <a:extLst>
-              <a:ext uri="{28A0092B-C50C-407E-A947-70E740481C1C}">
-                <a14:useLocalDpi xmlns:a14="http://schemas.microsoft.com/office/drawing/2010/main" val="0"/>
-              </a:ext>
-            </a:extLst>
-          </a:blip>
-          <a:stretch>
-            <a:fillRect/>
-          </a:stretch>
-        </p:blipFill>
-        <p:spPr>
-          <a:xfrm>
-            <a:off x="2189363" y="5918022"/>
-            <a:ext cx="746714" cy="746714"/>
-          </a:xfrm>
-          <a:prstGeom prst="rect">
-            <a:avLst/>
-          </a:prstGeom>
-        </p:spPr>
-      </p:pic>
-      <p:pic>
-        <p:nvPicPr>
-          <p:cNvPr id="19" name="Picture 2"/>
-          <p:cNvPicPr>
-            <a:picLocks noChangeAspect="1" noChangeArrowheads="1"/>
-          </p:cNvPicPr>
-          <p:nvPr userDrawn="1"/>
-        </p:nvPicPr>
-        <p:blipFill>
-          <a:blip r:embed="rId6" cstate="print">
-            <a:extLst>
-              <a:ext uri="{28A0092B-C50C-407E-A947-70E740481C1C}">
-                <a14:useLocalDpi xmlns:a14="http://schemas.microsoft.com/office/drawing/2010/main" val="0"/>
-              </a:ext>
-            </a:extLst>
-          </a:blip>
-          <a:srcRect/>
-          <a:stretch>
-            <a:fillRect/>
-          </a:stretch>
-        </p:blipFill>
-        <p:spPr bwMode="auto">
-          <a:xfrm>
-            <a:off x="5320858" y="5829811"/>
-            <a:ext cx="1209368" cy="914400"/>
-          </a:xfrm>
-          <a:prstGeom prst="rect">
-            <a:avLst/>
-          </a:prstGeom>
-          <a:noFill/>
-          <a:ln>
-            <a:noFill/>
-          </a:ln>
-          <a:extLst>
-            <a:ext uri="{909E8E84-426E-40DD-AFC4-6F175D3DCCD1}">
-              <a14:hiddenFill xmlns:a14="http://schemas.microsoft.com/office/drawing/2010/main">
-                <a:solidFill>
-                  <a:schemeClr val="accent1"/>
-                </a:solidFill>
-              </a14:hiddenFill>
-            </a:ext>
-            <a:ext uri="{91240B29-F687-4F45-9708-019B960494DF}">
-              <a14:hiddenLine xmlns:a14="http://schemas.microsoft.com/office/drawing/2010/main" w="9525">
-                <a:solidFill>
-                  <a:schemeClr val="tx1"/>
-                </a:solidFill>
-                <a:miter lim="800000"/>
-                <a:headEnd/>
-                <a:tailEnd/>
-              </a14:hiddenLine>
-            </a:ext>
-          </a:extLst>
-        </p:spPr>
-      </p:pic>
-    </p:spTree>
-    <p:extLst>
-      <p:ext uri="{BB962C8B-B14F-4D97-AF65-F5344CB8AC3E}">
-        <p14:creationId xmlns:p14="http://schemas.microsoft.com/office/powerpoint/2010/main" val="1684278916"/>
-      </p:ext>
-    </p:extLst>
-  </p:cSld>
-  <p:clrMapOvr>
-    <a:masterClrMapping/>
-  </p:clrMapOvr>
-</p:sldLayout>
-</file>
-
-<file path=ppt/slideLayouts/slideLayout6.xml><?xml version="1.0" encoding="utf-8"?>
-<p:sldLayout xmlns:a="http://schemas.openxmlformats.org/drawingml/2006/main" xmlns:r="http://schemas.openxmlformats.org/officeDocument/2006/relationships" xmlns:p="http://schemas.openxmlformats.org/presentationml/2006/main" type="txAndObj">
-  <p:cSld name="Title, Text, and Content">
-    <p:spTree>
-      <p:nvGrpSpPr>
-        <p:cNvPr id="1" name=""/>
-        <p:cNvGrpSpPr/>
-        <p:nvPr/>
-      </p:nvGrpSpPr>
-      <p:grpSpPr>
-        <a:xfrm>
-          <a:off x="0" y="0"/>
-          <a:ext cx="0" cy="0"/>
-          <a:chOff x="0" y="0"/>
-          <a:chExt cx="0" cy="0"/>
-        </a:xfrm>
-      </p:grpSpPr>
-      <p:sp>
-        <p:nvSpPr>
-          <p:cNvPr id="2" name="Title 1"/>
-          <p:cNvSpPr>
-            <a:spLocks noGrp="1"/>
-          </p:cNvSpPr>
-          <p:nvPr>
-            <p:ph type="title"/>
-          </p:nvPr>
-        </p:nvSpPr>
-        <p:spPr>
-          <a:xfrm>
-            <a:off x="838200" y="609600"/>
-            <a:ext cx="7620000" cy="1143000"/>
-          </a:xfrm>
-        </p:spPr>
-        <p:txBody>
-          <a:bodyPr/>
-          <a:lstStyle/>
-          <a:p>
-            <a:r>
-              <a:rPr lang="en-US"/>
-              <a:t>Click to edit Master title style</a:t>
-            </a:r>
-          </a:p>
-        </p:txBody>
-      </p:sp>
-      <p:sp>
-        <p:nvSpPr>
-          <p:cNvPr id="3" name="Text Placeholder 2"/>
-          <p:cNvSpPr>
-            <a:spLocks noGrp="1"/>
-          </p:cNvSpPr>
-          <p:nvPr>
-            <p:ph type="body" sz="half" idx="1"/>
-          </p:nvPr>
-        </p:nvSpPr>
-        <p:spPr>
-          <a:xfrm>
-            <a:off x="685800" y="1981200"/>
-            <a:ext cx="3810000" cy="4114800"/>
-          </a:xfrm>
-        </p:spPr>
-        <p:txBody>
-          <a:bodyPr/>
-          <a:lstStyle/>
-          <a:p>
-            <a:pPr lvl="0"/>
-            <a:r>
-              <a:rPr lang="en-US"/>
-              <a:t>Click to edit Master text styles</a:t>
-            </a:r>
-          </a:p>
-          <a:p>
-            <a:pPr lvl="1"/>
-            <a:r>
-              <a:rPr lang="en-US"/>
-              <a:t>Second level</a:t>
-            </a:r>
-          </a:p>
-          <a:p>
-            <a:pPr lvl="2"/>
-            <a:r>
-              <a:rPr lang="en-US"/>
-              <a:t>Third level</a:t>
-            </a:r>
-          </a:p>
-          <a:p>
-            <a:pPr lvl="3"/>
-            <a:r>
-              <a:rPr lang="en-US"/>
-              <a:t>Fourth level</a:t>
-            </a:r>
-          </a:p>
-          <a:p>
-            <a:pPr lvl="4"/>
-            <a:r>
-              <a:rPr lang="en-US"/>
-              <a:t>Fifth level</a:t>
-            </a:r>
-          </a:p>
-        </p:txBody>
-      </p:sp>
-      <p:sp>
-        <p:nvSpPr>
-          <p:cNvPr id="4" name="Content Placeholder 3"/>
-          <p:cNvSpPr>
-            <a:spLocks noGrp="1"/>
-          </p:cNvSpPr>
-          <p:nvPr>
-            <p:ph sz="half" idx="2"/>
-          </p:nvPr>
-        </p:nvSpPr>
-        <p:spPr>
-          <a:xfrm>
-            <a:off x="4648200" y="1981200"/>
-            <a:ext cx="3810000" cy="4114800"/>
-          </a:xfrm>
-        </p:spPr>
-        <p:txBody>
-          <a:bodyPr/>
-          <a:lstStyle/>
-          <a:p>
-            <a:pPr lvl="0"/>
-            <a:r>
-              <a:rPr lang="en-US"/>
-              <a:t>Click to edit Master text styles</a:t>
-            </a:r>
-          </a:p>
-          <a:p>
-            <a:pPr lvl="1"/>
-            <a:r>
-              <a:rPr lang="en-US"/>
-              <a:t>Second level</a:t>
-            </a:r>
-          </a:p>
-          <a:p>
-            <a:pPr lvl="2"/>
-            <a:r>
-              <a:rPr lang="en-US"/>
-              <a:t>Third level</a:t>
-            </a:r>
-          </a:p>
-          <a:p>
-            <a:pPr lvl="3"/>
-            <a:r>
-              <a:rPr lang="en-US"/>
-              <a:t>Fourth level</a:t>
-            </a:r>
-          </a:p>
-          <a:p>
-            <a:pPr lvl="4"/>
-            <a:r>
-              <a:rPr lang="en-US"/>
-              <a:t>Fifth level</a:t>
-            </a:r>
-          </a:p>
-        </p:txBody>
-      </p:sp>
-      <p:sp>
-        <p:nvSpPr>
-          <p:cNvPr id="5" name="Rectangle 100"/>
-          <p:cNvSpPr>
-            <a:spLocks noGrp="1" noChangeArrowheads="1"/>
-          </p:cNvSpPr>
-          <p:nvPr>
-            <p:ph type="dt" sz="half" idx="10"/>
-          </p:nvPr>
-        </p:nvSpPr>
-        <p:spPr>
-          <a:xfrm>
-            <a:off x="685800" y="6248400"/>
-            <a:ext cx="1905000" cy="457200"/>
-          </a:xfrm>
-          <a:prstGeom prst="rect">
-            <a:avLst/>
-          </a:prstGeom>
-          <a:ln/>
-        </p:spPr>
-        <p:txBody>
-          <a:bodyPr/>
-          <a:lstStyle>
-            <a:lvl1pPr>
-              <a:defRPr/>
-            </a:lvl1pPr>
-          </a:lstStyle>
-          <a:p>
-            <a:pPr>
-              <a:defRPr/>
-            </a:pPr>
-            <a:endParaRPr lang="en-GB"/>
-          </a:p>
-        </p:txBody>
-      </p:sp>
-      <p:sp>
-        <p:nvSpPr>
-          <p:cNvPr id="6" name="Rectangle 101"/>
-          <p:cNvSpPr>
-            <a:spLocks noGrp="1" noChangeArrowheads="1"/>
-          </p:cNvSpPr>
-          <p:nvPr>
-            <p:ph type="ftr" sz="quarter" idx="11"/>
-          </p:nvPr>
-        </p:nvSpPr>
-        <p:spPr>
-          <a:xfrm>
-            <a:off x="3124200" y="6248400"/>
-            <a:ext cx="2895600" cy="457200"/>
-          </a:xfrm>
-          <a:prstGeom prst="rect">
-            <a:avLst/>
-          </a:prstGeom>
-          <a:ln/>
-        </p:spPr>
-        <p:txBody>
-          <a:bodyPr/>
-          <a:lstStyle>
-            <a:lvl1pPr>
-              <a:defRPr/>
-            </a:lvl1pPr>
-          </a:lstStyle>
-          <a:p>
-            <a:pPr>
-              <a:defRPr/>
-            </a:pPr>
-            <a:endParaRPr lang="en-GB"/>
-          </a:p>
-        </p:txBody>
-      </p:sp>
-      <p:sp>
-        <p:nvSpPr>
-          <p:cNvPr id="7" name="Rectangle 102"/>
-          <p:cNvSpPr>
-            <a:spLocks noGrp="1" noChangeArrowheads="1"/>
-          </p:cNvSpPr>
-          <p:nvPr>
-            <p:ph type="sldNum" sz="quarter" idx="12"/>
-          </p:nvPr>
-        </p:nvSpPr>
-        <p:spPr>
-          <a:xfrm>
-            <a:off x="6553200" y="6248400"/>
-            <a:ext cx="1905000" cy="457200"/>
-          </a:xfrm>
-          <a:prstGeom prst="rect">
-            <a:avLst/>
-          </a:prstGeom>
-          <a:ln/>
-        </p:spPr>
-        <p:txBody>
-          <a:bodyPr/>
-          <a:lstStyle>
-            <a:lvl1pPr>
-              <a:defRPr/>
-            </a:lvl1pPr>
-          </a:lstStyle>
-          <a:p>
-            <a:fld id="{B9BA64CD-CDA9-2D43-AC4B-53A9D4152E2D}" type="slidenum">
-              <a:rPr lang="en-GB" altLang="en-US"/>
-              <a:pPr/>
-              <a:t>‹#›</a:t>
-            </a:fld>
-            <a:endParaRPr lang="en-GB" altLang="en-US"/>
-          </a:p>
-        </p:txBody>
-      </p:sp>
-    </p:spTree>
-    <p:extLst>
-      <p:ext uri="{BB962C8B-B14F-4D97-AF65-F5344CB8AC3E}">
-        <p14:creationId xmlns:p14="http://schemas.microsoft.com/office/powerpoint/2010/main" val="3260564999"/>
-      </p:ext>
-    </p:extLst>
-  </p:cSld>
-  <p:clrMapOvr>
-    <a:masterClrMapping/>
-  </p:clrMapOvr>
-</p:sldLayout>
-</file>
-
-<file path=ppt/slideLayouts/slideLayout7.xml><?xml version="1.0" encoding="utf-8"?>
-<p:sldLayout xmlns:a="http://schemas.openxmlformats.org/drawingml/2006/main" xmlns:r="http://schemas.openxmlformats.org/officeDocument/2006/relationships" xmlns:p="http://schemas.openxmlformats.org/presentationml/2006/main" preserve="1" userDrawn="1">
-  <p:cSld name="Title and Content">
-    <p:spTree>
-      <p:nvGrpSpPr>
-        <p:cNvPr id="1" name=""/>
-        <p:cNvGrpSpPr/>
-        <p:nvPr/>
-      </p:nvGrpSpPr>
-      <p:grpSpPr>
-        <a:xfrm>
-          <a:off x="0" y="0"/>
-          <a:ext cx="0" cy="0"/>
-          <a:chOff x="0" y="0"/>
-          <a:chExt cx="0" cy="0"/>
-        </a:xfrm>
-      </p:grpSpPr>
-    </p:spTree>
-    <p:extLst>
-      <p:ext uri="{BB962C8B-B14F-4D97-AF65-F5344CB8AC3E}">
-        <p14:creationId xmlns:p14="http://schemas.microsoft.com/office/powerpoint/2010/main" val="746944741"/>
-      </p:ext>
-    </p:extLst>
-  </p:cSld>
-  <p:clrMapOvr>
-    <a:masterClrMapping/>
-  </p:clrMapOvr>
-  <mc:AlternateContent xmlns:mc="http://schemas.openxmlformats.org/markup-compatibility/2006" xmlns:p14="http://schemas.microsoft.com/office/powerpoint/2010/main">
-    <mc:Choice Requires="p14">
-      <p:transition p14:dur="100">
-        <p:cut/>
-      </p:transition>
-    </mc:Choice>
-    <mc:Fallback xmlns="">
-      <p:transition>
-        <p:cut/>
-      </p:transition>
-    </mc:Fallback>
-  </mc:AlternateContent>
-</p:sldLayout>
-</file>
-
-<file path=ppt/slideLayouts/slideLayout8.xml><?xml version="1.0" encoding="utf-8"?>
-<p:sldLayout xmlns:a="http://schemas.openxmlformats.org/drawingml/2006/main" xmlns:r="http://schemas.openxmlformats.org/officeDocument/2006/relationships" xmlns:p="http://schemas.openxmlformats.org/presentationml/2006/main" preserve="1" userDrawn="1">
-  <p:cSld name="Title Slide">
-    <p:spTree>
-      <p:nvGrpSpPr>
-        <p:cNvPr id="1" name=""/>
-        <p:cNvGrpSpPr/>
-        <p:nvPr/>
-      </p:nvGrpSpPr>
-      <p:grpSpPr>
-        <a:xfrm>
-          <a:off x="0" y="0"/>
-          <a:ext cx="0" cy="0"/>
-          <a:chOff x="0" y="0"/>
-          <a:chExt cx="0" cy="0"/>
-        </a:xfrm>
-      </p:grpSpPr>
-      <p:pic>
-        <p:nvPicPr>
-          <p:cNvPr id="7" name="Image 9"/>
-          <p:cNvPicPr>
-            <a:picLocks noChangeAspect="1"/>
-          </p:cNvPicPr>
-          <p:nvPr userDrawn="1"/>
-        </p:nvPicPr>
-        <p:blipFill>
-          <a:blip r:embed="rId2" cstate="print">
-            <a:extLst>
-              <a:ext uri="{28A0092B-C50C-407E-A947-70E740481C1C}">
-                <a14:useLocalDpi xmlns:a14="http://schemas.microsoft.com/office/drawing/2010/main" val="0"/>
-              </a:ext>
-            </a:extLst>
-          </a:blip>
-          <a:stretch>
-            <a:fillRect/>
-          </a:stretch>
-        </p:blipFill>
-        <p:spPr>
-          <a:xfrm>
-            <a:off x="7429178" y="5716000"/>
-            <a:ext cx="1116110" cy="1000915"/>
-          </a:xfrm>
-          <a:prstGeom prst="rect">
-            <a:avLst/>
-          </a:prstGeom>
-        </p:spPr>
-      </p:pic>
-      <p:sp>
-        <p:nvSpPr>
-          <p:cNvPr id="8" name="Rectangle 7"/>
-          <p:cNvSpPr/>
-          <p:nvPr userDrawn="1"/>
-        </p:nvSpPr>
-        <p:spPr>
-          <a:xfrm>
-            <a:off x="158253" y="6481842"/>
-            <a:ext cx="7254883" cy="45719"/>
-          </a:xfrm>
-          <a:prstGeom prst="rect">
-            <a:avLst/>
-          </a:prstGeom>
-          <a:solidFill>
-            <a:srgbClr val="009FED"/>
-          </a:solidFill>
-          <a:ln>
-            <a:noFill/>
-          </a:ln>
-        </p:spPr>
-        <p:style>
-          <a:lnRef idx="2">
-            <a:schemeClr val="accent1">
-              <a:shade val="50000"/>
-            </a:schemeClr>
-          </a:lnRef>
-          <a:fillRef idx="1">
-            <a:schemeClr val="accent1"/>
-          </a:fillRef>
-          <a:effectRef idx="0">
-            <a:schemeClr val="accent1"/>
-          </a:effectRef>
-          <a:fontRef idx="minor">
-            <a:schemeClr val="lt1"/>
-          </a:fontRef>
-        </p:style>
-        <p:txBody>
-          <a:bodyPr rtlCol="0" anchor="ctr"/>
-          <a:lstStyle/>
-          <a:p>
-            <a:pPr algn="ctr"/>
-            <a:endParaRPr lang="fr-FR"/>
-          </a:p>
-        </p:txBody>
-      </p:sp>
-      <p:sp>
-        <p:nvSpPr>
-          <p:cNvPr id="9" name="ZoneTexte 18"/>
-          <p:cNvSpPr txBox="1"/>
-          <p:nvPr userDrawn="1"/>
-        </p:nvSpPr>
-        <p:spPr>
-          <a:xfrm>
-            <a:off x="8616888" y="6207930"/>
-            <a:ext cx="580606" cy="307777"/>
-          </a:xfrm>
-          <a:prstGeom prst="rect">
-            <a:avLst/>
-          </a:prstGeom>
-          <a:noFill/>
-        </p:spPr>
-        <p:txBody>
-          <a:bodyPr wrap="square" rtlCol="0">
-            <a:spAutoFit/>
-          </a:bodyPr>
-          <a:lstStyle/>
-          <a:p>
-            <a:fld id="{32D39788-B455-4145-908E-9B1CE40F9C22}" type="slidenum">
-              <a:rPr lang="en-US" sz="1400">
-                <a:solidFill>
-                  <a:prstClr val="white">
-                    <a:lumMod val="50000"/>
-                  </a:prstClr>
-                </a:solidFill>
-                <a:latin typeface="Gill Sans MT" panose="020B0502020104020203" pitchFamily="34" charset="0"/>
-              </a:rPr>
-              <a:pPr/>
-              <a:t>‹#›</a:t>
-            </a:fld>
-            <a:endParaRPr lang="en-US" sz="1400" dirty="0">
-              <a:solidFill>
-                <a:prstClr val="white">
-                  <a:lumMod val="50000"/>
-                </a:prstClr>
-              </a:solidFill>
-              <a:latin typeface="Gill Sans MT" panose="020B0502020104020203" pitchFamily="34" charset="0"/>
-            </a:endParaRPr>
-          </a:p>
-        </p:txBody>
-      </p:sp>
-      <p:pic>
-        <p:nvPicPr>
-          <p:cNvPr id="11" name="Picture 10"/>
-          <p:cNvPicPr>
-            <a:picLocks noChangeAspect="1"/>
-          </p:cNvPicPr>
-          <p:nvPr userDrawn="1"/>
-        </p:nvPicPr>
-        <p:blipFill>
-          <a:blip r:embed="rId3">
-            <a:extLst>
-              <a:ext uri="{28A0092B-C50C-407E-A947-70E740481C1C}">
-                <a14:useLocalDpi xmlns:a14="http://schemas.microsoft.com/office/drawing/2010/main" val="0"/>
-              </a:ext>
-            </a:extLst>
-          </a:blip>
-          <a:stretch>
-            <a:fillRect/>
-          </a:stretch>
-        </p:blipFill>
-        <p:spPr>
-          <a:xfrm>
-            <a:off x="171901" y="6029441"/>
-            <a:ext cx="1260488" cy="625677"/>
-          </a:xfrm>
-          <a:prstGeom prst="rect">
-            <a:avLst/>
-          </a:prstGeom>
-        </p:spPr>
-      </p:pic>
-      <p:sp>
-        <p:nvSpPr>
-          <p:cNvPr id="12" name="Sous-titre 2"/>
-          <p:cNvSpPr txBox="1">
-            <a:spLocks/>
-          </p:cNvSpPr>
-          <p:nvPr userDrawn="1"/>
-        </p:nvSpPr>
-        <p:spPr>
-          <a:xfrm>
-            <a:off x="3536200" y="6238811"/>
-            <a:ext cx="3953010" cy="267829"/>
-          </a:xfrm>
-          <a:prstGeom prst="rect">
-            <a:avLst/>
-          </a:prstGeom>
-        </p:spPr>
-        <p:txBody>
-          <a:bodyPr>
-            <a:noAutofit/>
-          </a:bodyPr>
-          <a:lstStyle>
-            <a:lvl1pPr marL="0" indent="0" algn="ctr" defTabSz="914400" rtl="0" eaLnBrk="1" latinLnBrk="0" hangingPunct="1">
-              <a:spcBef>
-                <a:spcPct val="20000"/>
-              </a:spcBef>
-              <a:buFont typeface="Arial" panose="020B0604020202020204" pitchFamily="34" charset="0"/>
-              <a:buNone/>
-              <a:defRPr sz="2800" kern="1200" baseline="0">
-                <a:solidFill>
-                  <a:schemeClr val="tx1">
-                    <a:lumMod val="65000"/>
-                    <a:lumOff val="35000"/>
-                  </a:schemeClr>
-                </a:solidFill>
-                <a:latin typeface="Gill Sans MT" panose="020B0502020104020203" pitchFamily="34" charset="0"/>
-                <a:ea typeface="+mn-ea"/>
-                <a:cs typeface="+mn-cs"/>
-              </a:defRPr>
-            </a:lvl1pPr>
-            <a:lvl2pPr marL="457200" indent="0" algn="ctr" defTabSz="914400" rtl="0" eaLnBrk="1" latinLnBrk="0" hangingPunct="1">
-              <a:spcBef>
-                <a:spcPct val="20000"/>
-              </a:spcBef>
-              <a:buFont typeface="Arial" panose="020B0604020202020204" pitchFamily="34" charset="0"/>
-              <a:buNone/>
-              <a:defRPr sz="2800" kern="1200">
-                <a:solidFill>
-                  <a:schemeClr val="tx1">
-                    <a:tint val="75000"/>
-                  </a:schemeClr>
-                </a:solidFill>
-                <a:latin typeface="+mn-lt"/>
-                <a:ea typeface="+mn-ea"/>
-                <a:cs typeface="+mn-cs"/>
-              </a:defRPr>
-            </a:lvl2pPr>
-            <a:lvl3pPr marL="914400" indent="0" algn="ctr" defTabSz="914400" rtl="0" eaLnBrk="1" latinLnBrk="0" hangingPunct="1">
-              <a:spcBef>
-                <a:spcPct val="20000"/>
-              </a:spcBef>
-              <a:buFont typeface="Arial" panose="020B0604020202020204" pitchFamily="34" charset="0"/>
-              <a:buNone/>
-              <a:defRPr sz="2400" kern="1200">
-                <a:solidFill>
-                  <a:schemeClr val="tx1">
-                    <a:tint val="75000"/>
-                  </a:schemeClr>
-                </a:solidFill>
-                <a:latin typeface="+mn-lt"/>
-                <a:ea typeface="+mn-ea"/>
-                <a:cs typeface="+mn-cs"/>
-              </a:defRPr>
-            </a:lvl3pPr>
-            <a:lvl4pPr marL="1371600" indent="0" algn="ctr" defTabSz="914400" rtl="0" eaLnBrk="1" latinLnBrk="0" hangingPunct="1">
-              <a:spcBef>
-                <a:spcPct val="20000"/>
-              </a:spcBef>
-              <a:buFont typeface="Arial" panose="020B0604020202020204" pitchFamily="34" charset="0"/>
-              <a:buNone/>
-              <a:defRPr sz="2000" kern="1200">
-                <a:solidFill>
-                  <a:schemeClr val="tx1">
-                    <a:tint val="75000"/>
-                  </a:schemeClr>
-                </a:solidFill>
-                <a:latin typeface="+mn-lt"/>
-                <a:ea typeface="+mn-ea"/>
-                <a:cs typeface="+mn-cs"/>
-              </a:defRPr>
-            </a:lvl4pPr>
-            <a:lvl5pPr marL="1828800" indent="0" algn="ctr" defTabSz="914400" rtl="0" eaLnBrk="1" latinLnBrk="0" hangingPunct="1">
-              <a:spcBef>
-                <a:spcPct val="20000"/>
-              </a:spcBef>
-              <a:buFont typeface="Arial" panose="020B0604020202020204" pitchFamily="34" charset="0"/>
-              <a:buNone/>
-              <a:defRPr sz="2000" kern="1200">
-                <a:solidFill>
-                  <a:schemeClr val="tx1">
-                    <a:tint val="75000"/>
-                  </a:schemeClr>
-                </a:solidFill>
-                <a:latin typeface="+mn-lt"/>
-                <a:ea typeface="+mn-ea"/>
-                <a:cs typeface="+mn-cs"/>
-              </a:defRPr>
-            </a:lvl5pPr>
-            <a:lvl6pPr marL="2286000" indent="0" algn="ctr" defTabSz="914400" rtl="0" eaLnBrk="1" latinLnBrk="0" hangingPunct="1">
-              <a:spcBef>
-                <a:spcPct val="20000"/>
-              </a:spcBef>
-              <a:buFont typeface="Arial" panose="020B0604020202020204" pitchFamily="34" charset="0"/>
-              <a:buNone/>
-              <a:defRPr sz="2000" kern="1200">
-                <a:solidFill>
-                  <a:schemeClr val="tx1">
-                    <a:tint val="75000"/>
-                  </a:schemeClr>
-                </a:solidFill>
-                <a:latin typeface="+mn-lt"/>
-                <a:ea typeface="+mn-ea"/>
-                <a:cs typeface="+mn-cs"/>
-              </a:defRPr>
-            </a:lvl6pPr>
-            <a:lvl7pPr marL="2743200" indent="0" algn="ctr" defTabSz="914400" rtl="0" eaLnBrk="1" latinLnBrk="0" hangingPunct="1">
-              <a:spcBef>
-                <a:spcPct val="20000"/>
-              </a:spcBef>
-              <a:buFont typeface="Arial" panose="020B0604020202020204" pitchFamily="34" charset="0"/>
-              <a:buNone/>
-              <a:defRPr sz="2000" kern="1200">
-                <a:solidFill>
-                  <a:schemeClr val="tx1">
-                    <a:tint val="75000"/>
-                  </a:schemeClr>
-                </a:solidFill>
-                <a:latin typeface="+mn-lt"/>
-                <a:ea typeface="+mn-ea"/>
-                <a:cs typeface="+mn-cs"/>
-              </a:defRPr>
-            </a:lvl7pPr>
-            <a:lvl8pPr marL="3200400" indent="0" algn="ctr" defTabSz="914400" rtl="0" eaLnBrk="1" latinLnBrk="0" hangingPunct="1">
-              <a:spcBef>
-                <a:spcPct val="20000"/>
-              </a:spcBef>
-              <a:buFont typeface="Arial" panose="020B0604020202020204" pitchFamily="34" charset="0"/>
-              <a:buNone/>
-              <a:defRPr sz="2000" kern="1200">
-                <a:solidFill>
-                  <a:schemeClr val="tx1">
-                    <a:tint val="75000"/>
-                  </a:schemeClr>
-                </a:solidFill>
-                <a:latin typeface="+mn-lt"/>
-                <a:ea typeface="+mn-ea"/>
-                <a:cs typeface="+mn-cs"/>
-              </a:defRPr>
-            </a:lvl8pPr>
-            <a:lvl9pPr marL="3657600" indent="0" algn="ctr" defTabSz="914400" rtl="0" eaLnBrk="1" latinLnBrk="0" hangingPunct="1">
-              <a:spcBef>
-                <a:spcPct val="20000"/>
-              </a:spcBef>
-              <a:buFont typeface="Arial" panose="020B0604020202020204" pitchFamily="34" charset="0"/>
-              <a:buNone/>
-              <a:defRPr sz="2000" kern="1200">
-                <a:solidFill>
-                  <a:schemeClr val="tx1">
-                    <a:tint val="75000"/>
-                  </a:schemeClr>
-                </a:solidFill>
-                <a:latin typeface="+mn-lt"/>
-                <a:ea typeface="+mn-ea"/>
-                <a:cs typeface="+mn-cs"/>
-              </a:defRPr>
-            </a:lvl9pPr>
-          </a:lstStyle>
-          <a:p>
-            <a:pPr algn="r"/>
-            <a:r>
-              <a:rPr lang="en-US" sz="1200" dirty="0"/>
-              <a:t>Title or relevant info to keep</a:t>
-            </a:r>
-            <a:r>
-              <a:rPr lang="en-US" sz="1200" baseline="0" dirty="0"/>
-              <a:t> in all the pages</a:t>
-            </a:r>
-            <a:endParaRPr lang="en-US" sz="1200" dirty="0"/>
-          </a:p>
-        </p:txBody>
-      </p:sp>
-      <p:sp>
-        <p:nvSpPr>
           <p:cNvPr id="13" name="Rectangle 12"/>
           <p:cNvSpPr/>
           <p:nvPr userDrawn="1"/>
@@ -5232,6 +5521,66 @@
           </a:p>
         </p:txBody>
       </p:sp>
+      <p:pic>
+        <p:nvPicPr>
+          <p:cNvPr id="5" name="Picture 4" descr="EIT RM+connecting_cmyk.eps"/>
+          <p:cNvPicPr>
+            <a:picLocks noChangeAspect="1"/>
+          </p:cNvPicPr>
+          <p:nvPr userDrawn="1"/>
+        </p:nvPicPr>
+        <p:blipFill>
+          <a:blip r:embed="rId2">
+            <a:extLst>
+              <a:ext uri="{28A0092B-C50C-407E-A947-70E740481C1C}">
+                <a14:useLocalDpi xmlns:a14="http://schemas.microsoft.com/office/drawing/2010/main" val="0"/>
+              </a:ext>
+            </a:extLst>
+          </a:blip>
+          <a:stretch>
+            <a:fillRect/>
+          </a:stretch>
+        </p:blipFill>
+        <p:spPr>
+          <a:xfrm>
+            <a:off x="0" y="6472198"/>
+            <a:ext cx="1368388" cy="465184"/>
+          </a:xfrm>
+          <a:prstGeom prst="rect">
+            <a:avLst/>
+          </a:prstGeom>
+        </p:spPr>
+      </p:pic>
+      <p:pic>
+        <p:nvPicPr>
+          <p:cNvPr id="7" name="Picture 6" descr="EU Flag Left.eps"/>
+          <p:cNvPicPr>
+            <a:picLocks noChangeAspect="1"/>
+          </p:cNvPicPr>
+          <p:nvPr userDrawn="1"/>
+        </p:nvPicPr>
+        <p:blipFill>
+          <a:blip r:embed="rId3">
+            <a:extLst>
+              <a:ext uri="{28A0092B-C50C-407E-A947-70E740481C1C}">
+                <a14:useLocalDpi xmlns:a14="http://schemas.microsoft.com/office/drawing/2010/main" val="0"/>
+              </a:ext>
+            </a:extLst>
+          </a:blip>
+          <a:stretch>
+            <a:fillRect/>
+          </a:stretch>
+        </p:blipFill>
+        <p:spPr>
+          <a:xfrm>
+            <a:off x="1428793" y="6599683"/>
+            <a:ext cx="3111545" cy="258317"/>
+          </a:xfrm>
+          <a:prstGeom prst="rect">
+            <a:avLst/>
+          </a:prstGeom>
+        </p:spPr>
+      </p:pic>
     </p:spTree>
     <p:extLst>
       <p:ext uri="{BB962C8B-B14F-4D97-AF65-F5344CB8AC3E}">
@@ -5945,6 +6294,66 @@
           </a:p>
         </p:txBody>
       </p:sp>
+      <p:pic>
+        <p:nvPicPr>
+          <p:cNvPr id="8" name="Picture 7" descr="EIT RM+connecting_cmyk.eps"/>
+          <p:cNvPicPr>
+            <a:picLocks noChangeAspect="1"/>
+          </p:cNvPicPr>
+          <p:nvPr userDrawn="1"/>
+        </p:nvPicPr>
+        <p:blipFill>
+          <a:blip r:embed="rId5">
+            <a:extLst>
+              <a:ext uri="{28A0092B-C50C-407E-A947-70E740481C1C}">
+                <a14:useLocalDpi xmlns:a14="http://schemas.microsoft.com/office/drawing/2010/main" val="0"/>
+              </a:ext>
+            </a:extLst>
+          </a:blip>
+          <a:stretch>
+            <a:fillRect/>
+          </a:stretch>
+        </p:blipFill>
+        <p:spPr>
+          <a:xfrm>
+            <a:off x="0" y="6472198"/>
+            <a:ext cx="1368388" cy="465184"/>
+          </a:xfrm>
+          <a:prstGeom prst="rect">
+            <a:avLst/>
+          </a:prstGeom>
+        </p:spPr>
+      </p:pic>
+      <p:pic>
+        <p:nvPicPr>
+          <p:cNvPr id="9" name="Picture 8" descr="EU Flag Left.eps"/>
+          <p:cNvPicPr>
+            <a:picLocks noChangeAspect="1"/>
+          </p:cNvPicPr>
+          <p:nvPr userDrawn="1"/>
+        </p:nvPicPr>
+        <p:blipFill>
+          <a:blip r:embed="rId6">
+            <a:extLst>
+              <a:ext uri="{28A0092B-C50C-407E-A947-70E740481C1C}">
+                <a14:useLocalDpi xmlns:a14="http://schemas.microsoft.com/office/drawing/2010/main" val="0"/>
+              </a:ext>
+            </a:extLst>
+          </a:blip>
+          <a:stretch>
+            <a:fillRect/>
+          </a:stretch>
+        </p:blipFill>
+        <p:spPr>
+          <a:xfrm>
+            <a:off x="1428793" y="6599683"/>
+            <a:ext cx="3111545" cy="258317"/>
+          </a:xfrm>
+          <a:prstGeom prst="rect">
+            <a:avLst/>
+          </a:prstGeom>
+        </p:spPr>
+      </p:pic>
     </p:spTree>
     <p:extLst>
       <p:ext uri="{BB962C8B-B14F-4D97-AF65-F5344CB8AC3E}">
@@ -7689,6 +8098,66 @@
           </a:p>
         </p:txBody>
       </p:sp>
+      <p:pic>
+        <p:nvPicPr>
+          <p:cNvPr id="10" name="Picture 9" descr="EIT RM+connecting_cmyk.eps"/>
+          <p:cNvPicPr>
+            <a:picLocks noChangeAspect="1"/>
+          </p:cNvPicPr>
+          <p:nvPr userDrawn="1"/>
+        </p:nvPicPr>
+        <p:blipFill>
+          <a:blip r:embed="rId5">
+            <a:extLst>
+              <a:ext uri="{28A0092B-C50C-407E-A947-70E740481C1C}">
+                <a14:useLocalDpi xmlns:a14="http://schemas.microsoft.com/office/drawing/2010/main" val="0"/>
+              </a:ext>
+            </a:extLst>
+          </a:blip>
+          <a:stretch>
+            <a:fillRect/>
+          </a:stretch>
+        </p:blipFill>
+        <p:spPr>
+          <a:xfrm>
+            <a:off x="0" y="6472198"/>
+            <a:ext cx="1368388" cy="465184"/>
+          </a:xfrm>
+          <a:prstGeom prst="rect">
+            <a:avLst/>
+          </a:prstGeom>
+        </p:spPr>
+      </p:pic>
+      <p:pic>
+        <p:nvPicPr>
+          <p:cNvPr id="16" name="Picture 15" descr="EU Flag Left.eps"/>
+          <p:cNvPicPr>
+            <a:picLocks noChangeAspect="1"/>
+          </p:cNvPicPr>
+          <p:nvPr userDrawn="1"/>
+        </p:nvPicPr>
+        <p:blipFill>
+          <a:blip r:embed="rId6">
+            <a:extLst>
+              <a:ext uri="{28A0092B-C50C-407E-A947-70E740481C1C}">
+                <a14:useLocalDpi xmlns:a14="http://schemas.microsoft.com/office/drawing/2010/main" val="0"/>
+              </a:ext>
+            </a:extLst>
+          </a:blip>
+          <a:stretch>
+            <a:fillRect/>
+          </a:stretch>
+        </p:blipFill>
+        <p:spPr>
+          <a:xfrm>
+            <a:off x="1428793" y="6599683"/>
+            <a:ext cx="3111545" cy="258317"/>
+          </a:xfrm>
+          <a:prstGeom prst="rect">
+            <a:avLst/>
+          </a:prstGeom>
+        </p:spPr>
+      </p:pic>
     </p:spTree>
     <p:extLst>
       <p:ext uri="{BB962C8B-B14F-4D97-AF65-F5344CB8AC3E}">
@@ -8010,6 +8479,10 @@
               </a:rPr>
               <a:t>Material Flow Analysis</a:t>
             </a:r>
+            <a:r>
+              <a:rPr lang="en-GB" dirty="0"/>
+              <a:t/>
+            </a:r>
             <a:br>
               <a:rPr lang="en-GB" dirty="0"/>
             </a:br>
@@ -8047,36 +8520,6 @@
           </a:p>
         </p:txBody>
       </p:sp>
-      <p:pic>
-        <p:nvPicPr>
-          <p:cNvPr id="4" name="Image 3"/>
-          <p:cNvPicPr>
-            <a:picLocks noChangeAspect="1"/>
-          </p:cNvPicPr>
-          <p:nvPr/>
-        </p:nvPicPr>
-        <p:blipFill>
-          <a:blip r:embed="rId2" cstate="print">
-            <a:extLst>
-              <a:ext uri="{28A0092B-C50C-407E-A947-70E740481C1C}">
-                <a14:useLocalDpi xmlns:a14="http://schemas.microsoft.com/office/drawing/2010/main" val="0"/>
-              </a:ext>
-            </a:extLst>
-          </a:blip>
-          <a:stretch>
-            <a:fillRect/>
-          </a:stretch>
-        </p:blipFill>
-        <p:spPr>
-          <a:xfrm>
-            <a:off x="2721809" y="44877"/>
-            <a:ext cx="3487061" cy="1178061"/>
-          </a:xfrm>
-          <a:prstGeom prst="rect">
-            <a:avLst/>
-          </a:prstGeom>
-        </p:spPr>
-      </p:pic>
     </p:spTree>
     <p:extLst>
       <p:ext uri="{BB962C8B-B14F-4D97-AF65-F5344CB8AC3E}">
@@ -8932,7 +9375,7 @@
   <p:timing>
     <p:tnLst>
       <p:par>
-        <p:cTn id="1" dur="indefinite" restart="never" nodeType="tmRoot">
+        <p:cTn xmlns:p14="http://schemas.microsoft.com/office/powerpoint/2010/main" id="1" dur="indefinite" restart="never" nodeType="tmRoot">
           <p:childTnLst>
             <p:seq concurrent="1" nextAc="seek">
               <p:cTn id="2" dur="indefinite" nodeType="mainSeq">
@@ -10023,7 +10466,7 @@
   <p:timing>
     <p:tnLst>
       <p:par>
-        <p:cTn id="1" dur="indefinite" restart="never" nodeType="tmRoot">
+        <p:cTn xmlns:p14="http://schemas.microsoft.com/office/powerpoint/2010/main" id="1" dur="indefinite" restart="never" nodeType="tmRoot">
           <p:childTnLst>
             <p:seq concurrent="1" nextAc="seek">
               <p:cTn id="2" dur="indefinite" nodeType="mainSeq">
@@ -13504,7 +13947,7 @@
   <p:timing>
     <p:tnLst>
       <p:par>
-        <p:cTn id="1" dur="indefinite" restart="never" nodeType="tmRoot">
+        <p:cTn xmlns:p14="http://schemas.microsoft.com/office/powerpoint/2010/main" id="1" dur="indefinite" restart="never" nodeType="tmRoot">
           <p:childTnLst>
             <p:seq concurrent="1" nextAc="seek">
               <p:cTn id="2" dur="indefinite" nodeType="mainSeq">
@@ -16377,7 +16820,7 @@
   <p:timing>
     <p:tnLst>
       <p:par>
-        <p:cTn id="1" dur="indefinite" restart="never" nodeType="tmRoot">
+        <p:cTn xmlns:p14="http://schemas.microsoft.com/office/powerpoint/2010/main" id="1" dur="indefinite" restart="never" nodeType="tmRoot">
           <p:childTnLst>
             <p:seq concurrent="1" nextAc="seek">
               <p:cTn id="2" dur="indefinite" nodeType="mainSeq">
@@ -16836,7 +17279,7 @@
           </a:prstGeom>
           <a:noFill/>
           <a:extLst>
-            <a:ext uri="{909E8E84-426E-40DD-AFC4-6F175D3DCCD1}">
+            <a:ext uri="{909E8E84-426E-40dd-AFC4-6F175D3DCCD1}">
               <a14:hiddenFill xmlns:a14="http://schemas.microsoft.com/office/drawing/2010/main">
                 <a:solidFill>
                   <a:srgbClr val="FFFFFF"/>
@@ -17049,7 +17492,7 @@
           <p:cNvPr id="6" name="Connecteur droit avec flèche 5">
             <a:extLst>
               <a:ext uri="{FF2B5EF4-FFF2-40B4-BE49-F238E27FC236}">
-                <a16:creationId xmlns:a16="http://schemas.microsoft.com/office/drawing/2014/main" id="{67F5F1AE-5CFE-4ECC-90B5-73D9AD52289C}"/>
+                <a16:creationId xmlns:a16="http://schemas.microsoft.com/office/drawing/2014/main" xmlns="" id="{67F5F1AE-5CFE-4ECC-90B5-73D9AD52289C}"/>
               </a:ext>
             </a:extLst>
           </p:cNvPr>
@@ -17091,7 +17534,7 @@
           <p:cNvPr id="3" name="Ellipse 2">
             <a:extLst>
               <a:ext uri="{FF2B5EF4-FFF2-40B4-BE49-F238E27FC236}">
-                <a16:creationId xmlns:a16="http://schemas.microsoft.com/office/drawing/2014/main" id="{13BEDA82-6BCA-469A-92CA-45B15BB6ECE3}"/>
+                <a16:creationId xmlns:a16="http://schemas.microsoft.com/office/drawing/2014/main" xmlns="" id="{13BEDA82-6BCA-469A-92CA-45B15BB6ECE3}"/>
               </a:ext>
             </a:extLst>
           </p:cNvPr>
@@ -17165,7 +17608,7 @@
   <p:timing>
     <p:tnLst>
       <p:par>
-        <p:cTn id="1" dur="indefinite" restart="never" nodeType="tmRoot">
+        <p:cTn xmlns:p14="http://schemas.microsoft.com/office/powerpoint/2010/main" id="1" dur="indefinite" restart="never" nodeType="tmRoot">
           <p:childTnLst>
             <p:seq concurrent="1" nextAc="seek">
               <p:cTn id="2" dur="indefinite" nodeType="mainSeq">
@@ -17455,7 +17898,7 @@
                   <a:t>= </a:t>
                 </a:r>
                 <a14:m>
-                  <m:oMath xmlns:m="http://schemas.openxmlformats.org/officeDocument/2006/math">
+                  <m:oMath xmlns:m="http://schemas.openxmlformats.org/officeDocument/2006/math" xmlns="">
                     <m:f>
                       <m:fPr>
                         <m:type m:val="skw"/>
@@ -17656,7 +18099,7 @@
                   <a:t>Recycled content of ingots flow </a:t>
                 </a:r>
                 <a14:m>
-                  <m:oMath xmlns:m="http://schemas.openxmlformats.org/officeDocument/2006/math">
+                  <m:oMath xmlns:m="http://schemas.openxmlformats.org/officeDocument/2006/math" xmlns="">
                     <m:r>
                       <a:rPr lang="fr-FR" sz="2000" b="1" i="1">
                         <a:latin typeface="Cambria Math" panose="02040503050406030204" pitchFamily="18" charset="0"/>
@@ -18798,7 +19241,7 @@
   <p:timing>
     <p:tnLst>
       <p:par>
-        <p:cTn id="1" dur="indefinite" restart="never" nodeType="tmRoot">
+        <p:cTn xmlns:p14="http://schemas.microsoft.com/office/powerpoint/2010/main" id="1" dur="indefinite" restart="never" nodeType="tmRoot">
           <p:childTnLst>
             <p:seq concurrent="1" nextAc="seek">
               <p:cTn id="2" dur="indefinite" nodeType="mainSeq">
@@ -19535,14 +19978,14 @@
                 <a:gridCol w="4048102">
                   <a:extLst>
                     <a:ext uri="{9D8B030D-6E8A-4147-A177-3AD203B41FA5}">
-                      <a16:colId xmlns:a16="http://schemas.microsoft.com/office/drawing/2014/main" val="20000"/>
+                      <a16:colId xmlns:a16="http://schemas.microsoft.com/office/drawing/2014/main" xmlns="" val="20000"/>
                     </a:ext>
                   </a:extLst>
                 </a:gridCol>
                 <a:gridCol w="4048102">
                   <a:extLst>
                     <a:ext uri="{9D8B030D-6E8A-4147-A177-3AD203B41FA5}">
-                      <a16:colId xmlns:a16="http://schemas.microsoft.com/office/drawing/2014/main" val="20001"/>
+                      <a16:colId xmlns:a16="http://schemas.microsoft.com/office/drawing/2014/main" xmlns="" val="20001"/>
                     </a:ext>
                   </a:extLst>
                 </a:gridCol>
@@ -19578,7 +20021,7 @@
                 </a:tc>
                 <a:extLst>
                   <a:ext uri="{0D108BD9-81ED-4DB2-BD59-A6C34878D82A}">
-                    <a16:rowId xmlns:a16="http://schemas.microsoft.com/office/drawing/2014/main" val="10000"/>
+                    <a16:rowId xmlns:a16="http://schemas.microsoft.com/office/drawing/2014/main" xmlns="" val="10000"/>
                   </a:ext>
                 </a:extLst>
               </a:tr>
@@ -19783,7 +20226,7 @@
                 </a:tc>
                 <a:extLst>
                   <a:ext uri="{0D108BD9-81ED-4DB2-BD59-A6C34878D82A}">
-                    <a16:rowId xmlns:a16="http://schemas.microsoft.com/office/drawing/2014/main" val="10001"/>
+                    <a16:rowId xmlns:a16="http://schemas.microsoft.com/office/drawing/2014/main" xmlns="" val="10001"/>
                   </a:ext>
                 </a:extLst>
               </a:tr>
@@ -19990,7 +20433,7 @@
                 </a:tc>
                 <a:extLst>
                   <a:ext uri="{0D108BD9-81ED-4DB2-BD59-A6C34878D82A}">
-                    <a16:rowId xmlns:a16="http://schemas.microsoft.com/office/drawing/2014/main" val="10002"/>
+                    <a16:rowId xmlns:a16="http://schemas.microsoft.com/office/drawing/2014/main" xmlns="" val="10002"/>
                   </a:ext>
                 </a:extLst>
               </a:tr>
@@ -20213,14 +20656,14 @@
                 <a:gridCol w="4188963">
                   <a:extLst>
                     <a:ext uri="{9D8B030D-6E8A-4147-A177-3AD203B41FA5}">
-                      <a16:colId xmlns:a16="http://schemas.microsoft.com/office/drawing/2014/main" val="20000"/>
+                      <a16:colId xmlns:a16="http://schemas.microsoft.com/office/drawing/2014/main" xmlns="" val="20000"/>
                     </a:ext>
                   </a:extLst>
                 </a:gridCol>
                 <a:gridCol w="4464423">
                   <a:extLst>
                     <a:ext uri="{9D8B030D-6E8A-4147-A177-3AD203B41FA5}">
-                      <a16:colId xmlns:a16="http://schemas.microsoft.com/office/drawing/2014/main" val="20001"/>
+                      <a16:colId xmlns:a16="http://schemas.microsoft.com/office/drawing/2014/main" xmlns="" val="20001"/>
                     </a:ext>
                   </a:extLst>
                 </a:gridCol>
@@ -20256,7 +20699,7 @@
                 </a:tc>
                 <a:extLst>
                   <a:ext uri="{0D108BD9-81ED-4DB2-BD59-A6C34878D82A}">
-                    <a16:rowId xmlns:a16="http://schemas.microsoft.com/office/drawing/2014/main" val="10000"/>
+                    <a16:rowId xmlns:a16="http://schemas.microsoft.com/office/drawing/2014/main" xmlns="" val="10000"/>
                   </a:ext>
                 </a:extLst>
               </a:tr>
@@ -20407,7 +20850,7 @@
                 </a:tc>
                 <a:extLst>
                   <a:ext uri="{0D108BD9-81ED-4DB2-BD59-A6C34878D82A}">
-                    <a16:rowId xmlns:a16="http://schemas.microsoft.com/office/drawing/2014/main" val="10001"/>
+                    <a16:rowId xmlns:a16="http://schemas.microsoft.com/office/drawing/2014/main" xmlns="" val="10001"/>
                   </a:ext>
                 </a:extLst>
               </a:tr>
@@ -20706,7 +21149,7 @@
                 </a:tc>
                 <a:extLst>
                   <a:ext uri="{0D108BD9-81ED-4DB2-BD59-A6C34878D82A}">
-                    <a16:rowId xmlns:a16="http://schemas.microsoft.com/office/drawing/2014/main" val="10002"/>
+                    <a16:rowId xmlns:a16="http://schemas.microsoft.com/office/drawing/2014/main" xmlns="" val="10002"/>
                   </a:ext>
                 </a:extLst>
               </a:tr>
@@ -20779,7 +21222,7 @@
                 </a:tc>
                 <a:extLst>
                   <a:ext uri="{0D108BD9-81ED-4DB2-BD59-A6C34878D82A}">
-                    <a16:rowId xmlns:a16="http://schemas.microsoft.com/office/drawing/2014/main" val="10003"/>
+                    <a16:rowId xmlns:a16="http://schemas.microsoft.com/office/drawing/2014/main" xmlns="" val="10003"/>
                   </a:ext>
                 </a:extLst>
               </a:tr>
@@ -20990,7 +21433,7 @@
         </p:nvGraphicFramePr>
         <p:xfrm>
           <a:off x="431404" y="1372098"/>
-          <a:ext cx="8096204" cy="3276554"/>
+          <a:ext cx="8096204" cy="3276553"/>
         </p:xfrm>
         <a:graphic>
           <a:graphicData uri="http://schemas.openxmlformats.org/drawingml/2006/table">
@@ -21002,14 +21445,14 @@
                 <a:gridCol w="4048102">
                   <a:extLst>
                     <a:ext uri="{9D8B030D-6E8A-4147-A177-3AD203B41FA5}">
-                      <a16:colId xmlns:a16="http://schemas.microsoft.com/office/drawing/2014/main" val="20000"/>
+                      <a16:colId xmlns:a16="http://schemas.microsoft.com/office/drawing/2014/main" xmlns="" val="20000"/>
                     </a:ext>
                   </a:extLst>
                 </a:gridCol>
                 <a:gridCol w="4048102">
                   <a:extLst>
                     <a:ext uri="{9D8B030D-6E8A-4147-A177-3AD203B41FA5}">
-                      <a16:colId xmlns:a16="http://schemas.microsoft.com/office/drawing/2014/main" val="20001"/>
+                      <a16:colId xmlns:a16="http://schemas.microsoft.com/office/drawing/2014/main" xmlns="" val="20001"/>
                     </a:ext>
                   </a:extLst>
                 </a:gridCol>
@@ -21045,7 +21488,7 @@
                 </a:tc>
                 <a:extLst>
                   <a:ext uri="{0D108BD9-81ED-4DB2-BD59-A6C34878D82A}">
-                    <a16:rowId xmlns:a16="http://schemas.microsoft.com/office/drawing/2014/main" val="10000"/>
+                    <a16:rowId xmlns:a16="http://schemas.microsoft.com/office/drawing/2014/main" xmlns="" val="10000"/>
                   </a:ext>
                 </a:extLst>
               </a:tr>
@@ -21189,7 +21632,7 @@
                 </a:tc>
                 <a:extLst>
                   <a:ext uri="{0D108BD9-81ED-4DB2-BD59-A6C34878D82A}">
-                    <a16:rowId xmlns:a16="http://schemas.microsoft.com/office/drawing/2014/main" val="10001"/>
+                    <a16:rowId xmlns:a16="http://schemas.microsoft.com/office/drawing/2014/main" xmlns="" val="10001"/>
                   </a:ext>
                 </a:extLst>
               </a:tr>
@@ -21383,7 +21826,7 @@
                 </a:tc>
                 <a:extLst>
                   <a:ext uri="{0D108BD9-81ED-4DB2-BD59-A6C34878D82A}">
-                    <a16:rowId xmlns:a16="http://schemas.microsoft.com/office/drawing/2014/main" val="10002"/>
+                    <a16:rowId xmlns:a16="http://schemas.microsoft.com/office/drawing/2014/main" xmlns="" val="10002"/>
                   </a:ext>
                 </a:extLst>
               </a:tr>
@@ -21562,7 +22005,7 @@
                 </a:tc>
                 <a:extLst>
                   <a:ext uri="{0D108BD9-81ED-4DB2-BD59-A6C34878D82A}">
-                    <a16:rowId xmlns:a16="http://schemas.microsoft.com/office/drawing/2014/main" val="10003"/>
+                    <a16:rowId xmlns:a16="http://schemas.microsoft.com/office/drawing/2014/main" xmlns="" val="10003"/>
                   </a:ext>
                 </a:extLst>
               </a:tr>
@@ -21708,6 +22151,10 @@
             <a:r>
               <a:rPr lang="en-GB" sz="2800" dirty="0"/>
               <a:t>Procedures, applications &amp; perspectives</a:t>
+            </a:r>
+            <a:r>
+              <a:rPr lang="en-US" sz="2800" dirty="0"/>
+              <a:t/>
             </a:r>
             <a:br>
               <a:rPr lang="en-US" sz="2800" dirty="0"/>
@@ -22890,7 +23337,7 @@
   <p:timing>
     <p:tnLst>
       <p:par>
-        <p:cTn id="1" dur="indefinite" restart="never" nodeType="tmRoot">
+        <p:cTn xmlns:p14="http://schemas.microsoft.com/office/powerpoint/2010/main" id="1" dur="indefinite" restart="never" nodeType="tmRoot">
           <p:childTnLst>
             <p:seq concurrent="1" nextAc="seek">
               <p:cTn id="2" dur="indefinite" nodeType="mainSeq">
@@ -23390,7 +23837,7 @@
           <p:cNvPr id="2" name="ZoneTexte 1">
             <a:extLst>
               <a:ext uri="{FF2B5EF4-FFF2-40B4-BE49-F238E27FC236}">
-                <a16:creationId xmlns:a16="http://schemas.microsoft.com/office/drawing/2014/main" id="{C7200F7D-2456-4FA2-9D66-515ACC791751}"/>
+                <a16:creationId xmlns:a16="http://schemas.microsoft.com/office/drawing/2014/main" xmlns="" id="{C7200F7D-2456-4FA2-9D66-515ACC791751}"/>
               </a:ext>
             </a:extLst>
           </p:cNvPr>
@@ -23490,7 +23937,7 @@
           <p:cNvPr id="3" name="Image 2">
             <a:extLst>
               <a:ext uri="{FF2B5EF4-FFF2-40B4-BE49-F238E27FC236}">
-                <a16:creationId xmlns:a16="http://schemas.microsoft.com/office/drawing/2014/main" id="{3CDC23EE-7281-4294-A12F-11541EF34004}"/>
+                <a16:creationId xmlns:a16="http://schemas.microsoft.com/office/drawing/2014/main" xmlns="" id="{3CDC23EE-7281-4294-A12F-11541EF34004}"/>
               </a:ext>
             </a:extLst>
           </p:cNvPr>
@@ -23606,7 +24053,7 @@
           <p:cNvPr id="4" name="Image 3">
             <a:extLst>
               <a:ext uri="{FF2B5EF4-FFF2-40B4-BE49-F238E27FC236}">
-                <a16:creationId xmlns:a16="http://schemas.microsoft.com/office/drawing/2014/main" id="{6B69BBB7-28D2-434E-8BBA-66236CFA1311}"/>
+                <a16:creationId xmlns:a16="http://schemas.microsoft.com/office/drawing/2014/main" xmlns="" id="{6B69BBB7-28D2-434E-8BBA-66236CFA1311}"/>
               </a:ext>
             </a:extLst>
           </p:cNvPr>
@@ -23646,7 +24093,7 @@
           <p:cNvPr id="2" name="ZoneTexte 1">
             <a:extLst>
               <a:ext uri="{FF2B5EF4-FFF2-40B4-BE49-F238E27FC236}">
-                <a16:creationId xmlns:a16="http://schemas.microsoft.com/office/drawing/2014/main" id="{C7200F7D-2456-4FA2-9D66-515ACC791751}"/>
+                <a16:creationId xmlns:a16="http://schemas.microsoft.com/office/drawing/2014/main" xmlns="" id="{C7200F7D-2456-4FA2-9D66-515ACC791751}"/>
               </a:ext>
             </a:extLst>
           </p:cNvPr>
@@ -23811,7 +24258,7 @@
           <p:cNvPr id="6" name="Image 5">
             <a:extLst>
               <a:ext uri="{FF2B5EF4-FFF2-40B4-BE49-F238E27FC236}">
-                <a16:creationId xmlns:a16="http://schemas.microsoft.com/office/drawing/2014/main" id="{9B2E2A47-45C3-4D4C-8CB1-5FDF74CEF42B}"/>
+                <a16:creationId xmlns:a16="http://schemas.microsoft.com/office/drawing/2014/main" xmlns="" id="{9B2E2A47-45C3-4D4C-8CB1-5FDF74CEF42B}"/>
               </a:ext>
             </a:extLst>
           </p:cNvPr>
@@ -24180,14 +24627,14 @@
             <a:noFill/>
           </a:ln>
           <a:extLst>
-            <a:ext uri="{909E8E84-426E-40DD-AFC4-6F175D3DCCD1}">
+            <a:ext uri="{909E8E84-426E-40dd-AFC4-6F175D3DCCD1}">
               <a14:hiddenFill xmlns:a14="http://schemas.microsoft.com/office/drawing/2010/main">
                 <a:solidFill>
                   <a:srgbClr val="FFFFFF"/>
                 </a:solidFill>
               </a14:hiddenFill>
             </a:ext>
-            <a:ext uri="{91240B29-F687-4F45-9708-019B960494DF}">
+            <a:ext uri="{91240B29-F687-4f45-9708-019B960494DF}">
               <a14:hiddenLine xmlns:a14="http://schemas.microsoft.com/office/drawing/2010/main" w="9525">
                 <a:solidFill>
                   <a:srgbClr val="000000"/>
@@ -24331,6 +24778,12 @@
               </a:rPr>
               <a:t>Ecology</a:t>
             </a:r>
+            <a:r>
+              <a:rPr lang="nl-NL" altLang="en-US" sz="1100" i="1" dirty="0">
+                <a:latin typeface="Arial Narrow" panose="020B0606020202030204" pitchFamily="34" charset="0"/>
+              </a:rPr>
+              <a:t/>
+            </a:r>
             <a:br>
               <a:rPr lang="nl-NL" altLang="en-US" sz="1100" i="1" dirty="0">
                 <a:latin typeface="Arial Narrow" panose="020B0606020202030204" pitchFamily="34" charset="0"/>
@@ -24353,7 +24806,7 @@
           <p:cNvPr id="6" name="Picture 4">
             <a:extLst>
               <a:ext uri="{FF2B5EF4-FFF2-40B4-BE49-F238E27FC236}">
-                <a16:creationId xmlns:a16="http://schemas.microsoft.com/office/drawing/2014/main" id="{688A87E5-BA99-4E77-AD4E-8DAB9D06359C}"/>
+                <a16:creationId xmlns:a16="http://schemas.microsoft.com/office/drawing/2014/main" xmlns="" id="{688A87E5-BA99-4E77-AD4E-8DAB9D06359C}"/>
               </a:ext>
             </a:extLst>
           </p:cNvPr>
@@ -24393,7 +24846,7 @@
   <p:clrMapOvr>
     <a:masterClrMapping/>
   </p:clrMapOvr>
-  <p:transition/>
+  <p:transition xmlns:p14="http://schemas.microsoft.com/office/powerpoint/2010/main"/>
 </p:sld>
 </file>
 
@@ -24473,14 +24926,14 @@
             <a:noFill/>
           </a:ln>
           <a:extLst>
-            <a:ext uri="{909E8E84-426E-40DD-AFC4-6F175D3DCCD1}">
+            <a:ext uri="{909E8E84-426E-40dd-AFC4-6F175D3DCCD1}">
               <a14:hiddenFill xmlns:a14="http://schemas.microsoft.com/office/drawing/2010/main">
                 <a:solidFill>
                   <a:srgbClr val="FFFFFF"/>
                 </a:solidFill>
               </a14:hiddenFill>
             </a:ext>
-            <a:ext uri="{91240B29-F687-4F45-9708-019B960494DF}">
+            <a:ext uri="{91240B29-F687-4f45-9708-019B960494DF}">
               <a14:hiddenLine xmlns:a14="http://schemas.microsoft.com/office/drawing/2010/main" w="9525">
                 <a:solidFill>
                   <a:srgbClr val="000000"/>
@@ -24635,7 +25088,7 @@
           <p:cNvPr id="6" name="Picture 4">
             <a:extLst>
               <a:ext uri="{FF2B5EF4-FFF2-40B4-BE49-F238E27FC236}">
-                <a16:creationId xmlns:a16="http://schemas.microsoft.com/office/drawing/2014/main" id="{688A87E5-BA99-4E77-AD4E-8DAB9D06359C}"/>
+                <a16:creationId xmlns:a16="http://schemas.microsoft.com/office/drawing/2014/main" xmlns="" id="{688A87E5-BA99-4E77-AD4E-8DAB9D06359C}"/>
               </a:ext>
             </a:extLst>
           </p:cNvPr>
@@ -24670,7 +25123,7 @@
           <p:cNvPr id="4" name="Image 3">
             <a:extLst>
               <a:ext uri="{FF2B5EF4-FFF2-40B4-BE49-F238E27FC236}">
-                <a16:creationId xmlns:a16="http://schemas.microsoft.com/office/drawing/2014/main" id="{33690A59-FC4D-4509-834F-CFBEEC8F476C}"/>
+                <a16:creationId xmlns:a16="http://schemas.microsoft.com/office/drawing/2014/main" xmlns="" id="{33690A59-FC4D-4509-834F-CFBEEC8F476C}"/>
               </a:ext>
             </a:extLst>
           </p:cNvPr>
@@ -24701,7 +25154,7 @@
               <p:cNvPr id="10" name="Rectangle 4">
                 <a:extLst>
                   <a:ext uri="{FF2B5EF4-FFF2-40B4-BE49-F238E27FC236}">
-                    <a16:creationId xmlns:a16="http://schemas.microsoft.com/office/drawing/2014/main" id="{99B7F888-E9F4-4A28-B796-39E64655F813}"/>
+                    <a16:creationId xmlns:a16="http://schemas.microsoft.com/office/drawing/2014/main" xmlns="" id="{99B7F888-E9F4-4A28-B796-39E64655F813}"/>
                   </a:ext>
                 </a:extLst>
               </p:cNvPr>
@@ -24727,7 +25180,7 @@
             </p:spPr>
             <p:txBody>
               <a:bodyPr lIns="0" tIns="0" rIns="0" bIns="0">
-                <a:normAutofit/>
+                <a:normAutofit fontScale="85000" lnSpcReduction="10000"/>
               </a:bodyPr>
               <a:lstStyle>
                 <a:lvl1pPr marL="228600" indent="-228600" algn="l" defTabSz="914400" rtl="0" eaLnBrk="1" latinLnBrk="0" hangingPunct="1">
@@ -24898,248 +25351,7 @@
                   <a:buFontTx/>
                   <a:buNone/>
                 </a:pPr>
-                <a14:m>
-                  <m:oMathPara xmlns:m="http://schemas.openxmlformats.org/officeDocument/2006/math">
-                    <m:oMathParaPr>
-                      <m:jc m:val="centerGroup"/>
-                    </m:oMathParaPr>
-                    <m:oMath xmlns:m="http://schemas.openxmlformats.org/officeDocument/2006/math">
-                      <m:r>
-                        <m:rPr>
-                          <m:sty m:val="p"/>
-                        </m:rPr>
-                        <a:rPr lang="fr-FR" altLang="en-US" sz="2000" b="0" i="0" smtClean="0">
-                          <a:effectLst>
-                            <a:outerShdw blurRad="38100" dist="38100" dir="2700000" algn="tl">
-                              <a:srgbClr val="000000">
-                                <a:alpha val="43137"/>
-                              </a:srgbClr>
-                            </a:outerShdw>
-                          </a:effectLst>
-                          <a:latin typeface="Cambria Math" panose="02040503050406030204" pitchFamily="18" charset="0"/>
-                        </a:rPr>
-                        <m:t>Impact</m:t>
-                      </m:r>
-                      <m:r>
-                        <a:rPr lang="fr-FR" altLang="en-US" sz="2000" b="0" i="0" smtClean="0">
-                          <a:effectLst>
-                            <a:outerShdw blurRad="38100" dist="38100" dir="2700000" algn="tl">
-                              <a:srgbClr val="000000">
-                                <a:alpha val="43137"/>
-                              </a:srgbClr>
-                            </a:outerShdw>
-                          </a:effectLst>
-                          <a:latin typeface="Cambria Math" panose="02040503050406030204" pitchFamily="18" charset="0"/>
-                        </a:rPr>
-                        <m:t>=</m:t>
-                      </m:r>
-                      <m:r>
-                        <m:rPr>
-                          <m:nor/>
-                        </m:rPr>
-                        <a:rPr lang="en-GB" altLang="en-US" sz="2000" dirty="0">
-                          <a:effectLst>
-                            <a:outerShdw blurRad="38100" dist="38100" dir="2700000" algn="tl">
-                              <a:srgbClr val="000000">
-                                <a:alpha val="43137"/>
-                              </a:srgbClr>
-                            </a:outerShdw>
-                          </a:effectLst>
-                          <a:latin typeface="Cambria Math" panose="02040503050406030204" pitchFamily="18" charset="0"/>
-                          <a:ea typeface="Cambria Math" panose="02040503050406030204" pitchFamily="18" charset="0"/>
-                        </a:rPr>
-                        <m:t>[</m:t>
-                      </m:r>
-                      <m:r>
-                        <m:rPr>
-                          <m:nor/>
-                        </m:rPr>
-                        <a:rPr lang="en-GB" altLang="en-US" sz="2000" dirty="0">
-                          <a:effectLst>
-                            <a:outerShdw blurRad="38100" dist="38100" dir="2700000" algn="tl">
-                              <a:srgbClr val="000000">
-                                <a:alpha val="43137"/>
-                              </a:srgbClr>
-                            </a:outerShdw>
-                          </a:effectLst>
-                          <a:latin typeface="Cambria Math" panose="02040503050406030204" pitchFamily="18" charset="0"/>
-                          <a:ea typeface="Cambria Math" panose="02040503050406030204" pitchFamily="18" charset="0"/>
-                        </a:rPr>
-                        <m:t>Impact</m:t>
-                      </m:r>
-                      <m:r>
-                        <m:rPr>
-                          <m:nor/>
-                        </m:rPr>
-                        <a:rPr lang="en-GB" altLang="en-US" sz="2000" dirty="0">
-                          <a:effectLst>
-                            <a:outerShdw blurRad="38100" dist="38100" dir="2700000" algn="tl">
-                              <a:srgbClr val="000000">
-                                <a:alpha val="43137"/>
-                              </a:srgbClr>
-                            </a:outerShdw>
-                          </a:effectLst>
-                          <a:latin typeface="Cambria Math" panose="02040503050406030204" pitchFamily="18" charset="0"/>
-                          <a:ea typeface="Cambria Math" panose="02040503050406030204" pitchFamily="18" charset="0"/>
-                        </a:rPr>
-                        <m:t>/ € </m:t>
-                      </m:r>
-                      <m:r>
-                        <m:rPr>
-                          <m:nor/>
-                        </m:rPr>
-                        <a:rPr lang="en-GB" altLang="en-US" sz="2000" dirty="0">
-                          <a:effectLst>
-                            <a:outerShdw blurRad="38100" dist="38100" dir="2700000" algn="tl">
-                              <a:srgbClr val="000000">
-                                <a:alpha val="43137"/>
-                              </a:srgbClr>
-                            </a:outerShdw>
-                          </a:effectLst>
-                          <a:latin typeface="Cambria Math" panose="02040503050406030204" pitchFamily="18" charset="0"/>
-                          <a:ea typeface="Cambria Math" panose="02040503050406030204" pitchFamily="18" charset="0"/>
-                        </a:rPr>
-                        <m:t>per</m:t>
-                      </m:r>
-                      <m:r>
-                        <m:rPr>
-                          <m:nor/>
-                        </m:rPr>
-                        <a:rPr lang="en-GB" altLang="en-US" sz="2000" dirty="0">
-                          <a:effectLst>
-                            <a:outerShdw blurRad="38100" dist="38100" dir="2700000" algn="tl">
-                              <a:srgbClr val="000000">
-                                <a:alpha val="43137"/>
-                              </a:srgbClr>
-                            </a:outerShdw>
-                          </a:effectLst>
-                          <a:latin typeface="Cambria Math" panose="02040503050406030204" pitchFamily="18" charset="0"/>
-                          <a:ea typeface="Cambria Math" panose="02040503050406030204" pitchFamily="18" charset="0"/>
-                        </a:rPr>
-                        <m:t> </m:t>
-                      </m:r>
-                      <m:r>
-                        <m:rPr>
-                          <m:nor/>
-                        </m:rPr>
-                        <a:rPr lang="en-GB" altLang="en-US" sz="2000" dirty="0">
-                          <a:effectLst>
-                            <a:outerShdw blurRad="38100" dist="38100" dir="2700000" algn="tl">
-                              <a:srgbClr val="000000">
-                                <a:alpha val="43137"/>
-                              </a:srgbClr>
-                            </a:outerShdw>
-                          </a:effectLst>
-                          <a:latin typeface="Cambria Math" panose="02040503050406030204" pitchFamily="18" charset="0"/>
-                          <a:ea typeface="Cambria Math" panose="02040503050406030204" pitchFamily="18" charset="0"/>
-                        </a:rPr>
-                        <m:t>product</m:t>
-                      </m:r>
-                      <m:r>
-                        <m:rPr>
-                          <m:nor/>
-                        </m:rPr>
-                        <a:rPr lang="en-GB" altLang="en-US" sz="2000" dirty="0">
-                          <a:effectLst>
-                            <a:outerShdw blurRad="38100" dist="38100" dir="2700000" algn="tl">
-                              <a:srgbClr val="000000">
-                                <a:alpha val="43137"/>
-                              </a:srgbClr>
-                            </a:outerShdw>
-                          </a:effectLst>
-                          <a:latin typeface="Cambria Math" panose="02040503050406030204" pitchFamily="18" charset="0"/>
-                          <a:ea typeface="Cambria Math" panose="02040503050406030204" pitchFamily="18" charset="0"/>
-                        </a:rPr>
-                        <m:t>] </m:t>
-                      </m:r>
-                      <m:r>
-                        <m:rPr>
-                          <m:nor/>
-                        </m:rPr>
-                        <a:rPr lang="en-GB" altLang="en-US" sz="2000" dirty="0">
-                          <a:effectLst>
-                            <a:outerShdw blurRad="38100" dist="38100" dir="2700000" algn="tl">
-                              <a:srgbClr val="000000">
-                                <a:alpha val="43137"/>
-                              </a:srgbClr>
-                            </a:outerShdw>
-                          </a:effectLst>
-                          <a:latin typeface="Cambria Math" panose="02040503050406030204" pitchFamily="18" charset="0"/>
-                          <a:ea typeface="Cambria Math" panose="02040503050406030204" pitchFamily="18" charset="0"/>
-                        </a:rPr>
-                        <m:t>x</m:t>
-                      </m:r>
-                      <m:r>
-                        <m:rPr>
-                          <m:nor/>
-                        </m:rPr>
-                        <a:rPr lang="en-GB" altLang="en-US" sz="2000" dirty="0">
-                          <a:effectLst>
-                            <a:outerShdw blurRad="38100" dist="38100" dir="2700000" algn="tl">
-                              <a:srgbClr val="000000">
-                                <a:alpha val="43137"/>
-                              </a:srgbClr>
-                            </a:outerShdw>
-                          </a:effectLst>
-                          <a:latin typeface="Cambria Math" panose="02040503050406030204" pitchFamily="18" charset="0"/>
-                          <a:ea typeface="Cambria Math" panose="02040503050406030204" pitchFamily="18" charset="0"/>
-                        </a:rPr>
-                        <m:t> </m:t>
-                      </m:r>
-                      <m:r>
-                        <m:rPr>
-                          <m:nor/>
-                        </m:rPr>
-                        <a:rPr lang="en-GB" altLang="en-US" sz="2000" dirty="0">
-                          <a:effectLst>
-                            <a:outerShdw blurRad="38100" dist="38100" dir="2700000" algn="tl">
-                              <a:srgbClr val="000000">
-                                <a:alpha val="43137"/>
-                              </a:srgbClr>
-                            </a:outerShdw>
-                          </a:effectLst>
-                          <a:latin typeface="Cambria Math" panose="02040503050406030204" pitchFamily="18" charset="0"/>
-                          <a:ea typeface="Cambria Math" panose="02040503050406030204" pitchFamily="18" charset="0"/>
-                        </a:rPr>
-                        <m:t>total</m:t>
-                      </m:r>
-                      <m:r>
-                        <m:rPr>
-                          <m:nor/>
-                        </m:rPr>
-                        <a:rPr lang="en-GB" altLang="en-US" sz="2000" dirty="0">
-                          <a:effectLst>
-                            <a:outerShdw blurRad="38100" dist="38100" dir="2700000" algn="tl">
-                              <a:srgbClr val="000000">
-                                <a:alpha val="43137"/>
-                              </a:srgbClr>
-                            </a:outerShdw>
-                          </a:effectLst>
-                          <a:latin typeface="Cambria Math" panose="02040503050406030204" pitchFamily="18" charset="0"/>
-                          <a:ea typeface="Cambria Math" panose="02040503050406030204" pitchFamily="18" charset="0"/>
-                        </a:rPr>
-                        <m:t> </m:t>
-                      </m:r>
-                      <m:r>
-                        <m:rPr>
-                          <m:nor/>
-                        </m:rPr>
-                        <a:rPr lang="en-GB" altLang="en-US" sz="2000" dirty="0">
-                          <a:effectLst>
-                            <a:outerShdw blurRad="38100" dist="38100" dir="2700000" algn="tl">
-                              <a:srgbClr val="000000">
-                                <a:alpha val="43137"/>
-                              </a:srgbClr>
-                            </a:outerShdw>
-                          </a:effectLst>
-                          <a:latin typeface="Cambria Math" panose="02040503050406030204" pitchFamily="18" charset="0"/>
-                          <a:ea typeface="Cambria Math" panose="02040503050406030204" pitchFamily="18" charset="0"/>
-                        </a:rPr>
-                        <m:t>expenditure</m:t>
-                      </m:r>
-                    </m:oMath>
-                  </m:oMathPara>
-                </a14:m>
+                <a14:m/>
                 <a:endParaRPr lang="en-GB" altLang="en-US" sz="2000" dirty="0">
                   <a:effectLst>
                     <a:outerShdw blurRad="38100" dist="38100" dir="2700000" algn="tl">
@@ -25221,7 +25433,7 @@
           <p:cNvPr id="5" name="Rectangle 4">
             <a:extLst>
               <a:ext uri="{FF2B5EF4-FFF2-40B4-BE49-F238E27FC236}">
-                <a16:creationId xmlns:a16="http://schemas.microsoft.com/office/drawing/2014/main" id="{2425FB17-0500-49CF-8104-FE178C05828A}"/>
+                <a16:creationId xmlns:a16="http://schemas.microsoft.com/office/drawing/2014/main" xmlns="" id="{2425FB17-0500-49CF-8104-FE178C05828A}"/>
               </a:ext>
             </a:extLst>
           </p:cNvPr>
@@ -25297,7 +25509,7 @@
   <p:clrMapOvr>
     <a:masterClrMapping/>
   </p:clrMapOvr>
-  <p:transition/>
+  <p:transition xmlns:p14="http://schemas.microsoft.com/office/powerpoint/2010/main"/>
 </p:sld>
 </file>
 
@@ -25356,7 +25568,7 @@
           <p:cNvPr id="6" name="Picture 4">
             <a:extLst>
               <a:ext uri="{FF2B5EF4-FFF2-40B4-BE49-F238E27FC236}">
-                <a16:creationId xmlns:a16="http://schemas.microsoft.com/office/drawing/2014/main" id="{688A87E5-BA99-4E77-AD4E-8DAB9D06359C}"/>
+                <a16:creationId xmlns:a16="http://schemas.microsoft.com/office/drawing/2014/main" xmlns="" id="{688A87E5-BA99-4E77-AD4E-8DAB9D06359C}"/>
               </a:ext>
             </a:extLst>
           </p:cNvPr>
@@ -25391,7 +25603,7 @@
           <p:cNvPr id="10" name="Image 9">
             <a:extLst>
               <a:ext uri="{FF2B5EF4-FFF2-40B4-BE49-F238E27FC236}">
-                <a16:creationId xmlns:a16="http://schemas.microsoft.com/office/drawing/2014/main" id="{6FBD3679-932E-47B2-BEA0-4AED68024238}"/>
+                <a16:creationId xmlns:a16="http://schemas.microsoft.com/office/drawing/2014/main" xmlns="" id="{6FBD3679-932E-47B2-BEA0-4AED68024238}"/>
               </a:ext>
             </a:extLst>
           </p:cNvPr>
@@ -25440,7 +25652,7 @@
   <p:clrMapOvr>
     <a:masterClrMapping/>
   </p:clrMapOvr>
-  <p:transition/>
+  <p:transition xmlns:p14="http://schemas.microsoft.com/office/powerpoint/2010/main"/>
 </p:sld>
 </file>
 
@@ -25612,7 +25824,7 @@
           <p:cNvPr id="6" name="Picture 4">
             <a:extLst>
               <a:ext uri="{FF2B5EF4-FFF2-40B4-BE49-F238E27FC236}">
-                <a16:creationId xmlns:a16="http://schemas.microsoft.com/office/drawing/2014/main" id="{688A87E5-BA99-4E77-AD4E-8DAB9D06359C}"/>
+                <a16:creationId xmlns:a16="http://schemas.microsoft.com/office/drawing/2014/main" xmlns="" id="{688A87E5-BA99-4E77-AD4E-8DAB9D06359C}"/>
               </a:ext>
             </a:extLst>
           </p:cNvPr>
@@ -25647,7 +25859,7 @@
           <p:cNvPr id="5" name="Rectangle 3">
             <a:extLst>
               <a:ext uri="{FF2B5EF4-FFF2-40B4-BE49-F238E27FC236}">
-                <a16:creationId xmlns:a16="http://schemas.microsoft.com/office/drawing/2014/main" id="{2574A1ED-E3A5-40B8-BADE-71294A630C29}"/>
+                <a16:creationId xmlns:a16="http://schemas.microsoft.com/office/drawing/2014/main" xmlns="" id="{2574A1ED-E3A5-40B8-BADE-71294A630C29}"/>
               </a:ext>
             </a:extLst>
           </p:cNvPr>
@@ -25854,7 +26066,7 @@
           <p:cNvPr id="2" name="ZoneTexte 1">
             <a:extLst>
               <a:ext uri="{FF2B5EF4-FFF2-40B4-BE49-F238E27FC236}">
-                <a16:creationId xmlns:a16="http://schemas.microsoft.com/office/drawing/2014/main" id="{8B615F15-0ADF-4302-88F2-5E50A553EC8F}"/>
+                <a16:creationId xmlns:a16="http://schemas.microsoft.com/office/drawing/2014/main" xmlns="" id="{8B615F15-0ADF-4302-88F2-5E50A553EC8F}"/>
               </a:ext>
             </a:extLst>
           </p:cNvPr>
@@ -25902,7 +26114,7 @@
           <p:cNvPr id="7" name="ZoneTexte 6">
             <a:extLst>
               <a:ext uri="{FF2B5EF4-FFF2-40B4-BE49-F238E27FC236}">
-                <a16:creationId xmlns:a16="http://schemas.microsoft.com/office/drawing/2014/main" id="{439F31E0-0046-4AF8-9F34-65080D049AD5}"/>
+                <a16:creationId xmlns:a16="http://schemas.microsoft.com/office/drawing/2014/main" xmlns="" id="{439F31E0-0046-4AF8-9F34-65080D049AD5}"/>
               </a:ext>
             </a:extLst>
           </p:cNvPr>
@@ -25945,7 +26157,7 @@
           <p:cNvPr id="8" name="ZoneTexte 7">
             <a:extLst>
               <a:ext uri="{FF2B5EF4-FFF2-40B4-BE49-F238E27FC236}">
-                <a16:creationId xmlns:a16="http://schemas.microsoft.com/office/drawing/2014/main" id="{E71E2538-D4BF-4AE5-BE4A-DD634DCFD896}"/>
+                <a16:creationId xmlns:a16="http://schemas.microsoft.com/office/drawing/2014/main" xmlns="" id="{E71E2538-D4BF-4AE5-BE4A-DD634DCFD896}"/>
               </a:ext>
             </a:extLst>
           </p:cNvPr>
@@ -25988,7 +26200,7 @@
           <p:cNvPr id="9" name="ZoneTexte 8">
             <a:extLst>
               <a:ext uri="{FF2B5EF4-FFF2-40B4-BE49-F238E27FC236}">
-                <a16:creationId xmlns:a16="http://schemas.microsoft.com/office/drawing/2014/main" id="{E3DD1DF2-5188-4AC8-8532-A170D210B909}"/>
+                <a16:creationId xmlns:a16="http://schemas.microsoft.com/office/drawing/2014/main" xmlns="" id="{E3DD1DF2-5188-4AC8-8532-A170D210B909}"/>
               </a:ext>
             </a:extLst>
           </p:cNvPr>
@@ -26031,7 +26243,7 @@
           <p:cNvPr id="3" name="Rectangle : coins arrondis 2">
             <a:extLst>
               <a:ext uri="{FF2B5EF4-FFF2-40B4-BE49-F238E27FC236}">
-                <a16:creationId xmlns:a16="http://schemas.microsoft.com/office/drawing/2014/main" id="{9E801706-8815-4143-80C6-EE2481443D9D}"/>
+                <a16:creationId xmlns:a16="http://schemas.microsoft.com/office/drawing/2014/main" xmlns="" id="{9E801706-8815-4143-80C6-EE2481443D9D}"/>
               </a:ext>
             </a:extLst>
           </p:cNvPr>
@@ -26089,7 +26301,7 @@
           <p:cNvPr id="11" name="ZoneTexte 10">
             <a:extLst>
               <a:ext uri="{FF2B5EF4-FFF2-40B4-BE49-F238E27FC236}">
-                <a16:creationId xmlns:a16="http://schemas.microsoft.com/office/drawing/2014/main" id="{BC618C3A-BE02-40C6-8DF0-C0FD163D785E}"/>
+                <a16:creationId xmlns:a16="http://schemas.microsoft.com/office/drawing/2014/main" xmlns="" id="{BC618C3A-BE02-40C6-8DF0-C0FD163D785E}"/>
               </a:ext>
             </a:extLst>
           </p:cNvPr>
@@ -26146,7 +26358,7 @@
           <p:cNvPr id="12" name="Rectangle : coins arrondis 11">
             <a:extLst>
               <a:ext uri="{FF2B5EF4-FFF2-40B4-BE49-F238E27FC236}">
-                <a16:creationId xmlns:a16="http://schemas.microsoft.com/office/drawing/2014/main" id="{478A311E-B4F7-4BE8-B720-4D2679BA016C}"/>
+                <a16:creationId xmlns:a16="http://schemas.microsoft.com/office/drawing/2014/main" xmlns="" id="{478A311E-B4F7-4BE8-B720-4D2679BA016C}"/>
               </a:ext>
             </a:extLst>
           </p:cNvPr>
@@ -26206,7 +26418,7 @@
           <p:cNvPr id="13" name="ZoneTexte 12">
             <a:extLst>
               <a:ext uri="{FF2B5EF4-FFF2-40B4-BE49-F238E27FC236}">
-                <a16:creationId xmlns:a16="http://schemas.microsoft.com/office/drawing/2014/main" id="{FACF4E16-AFE7-4BDD-AF93-722D7BDBC8C2}"/>
+                <a16:creationId xmlns:a16="http://schemas.microsoft.com/office/drawing/2014/main" xmlns="" id="{FACF4E16-AFE7-4BDD-AF93-722D7BDBC8C2}"/>
               </a:ext>
             </a:extLst>
           </p:cNvPr>
@@ -26256,7 +26468,7 @@
           <p:cNvPr id="14" name="ZoneTexte 13">
             <a:extLst>
               <a:ext uri="{FF2B5EF4-FFF2-40B4-BE49-F238E27FC236}">
-                <a16:creationId xmlns:a16="http://schemas.microsoft.com/office/drawing/2014/main" id="{CF633492-CFB5-444A-B3B7-390471C7BCA4}"/>
+                <a16:creationId xmlns:a16="http://schemas.microsoft.com/office/drawing/2014/main" xmlns="" id="{CF633492-CFB5-444A-B3B7-390471C7BCA4}"/>
               </a:ext>
             </a:extLst>
           </p:cNvPr>
@@ -26306,7 +26518,7 @@
           <p:cNvPr id="15" name="Rectangle : coins arrondis 14">
             <a:extLst>
               <a:ext uri="{FF2B5EF4-FFF2-40B4-BE49-F238E27FC236}">
-                <a16:creationId xmlns:a16="http://schemas.microsoft.com/office/drawing/2014/main" id="{1B323C44-B684-40A2-8BFA-611AB4AA83BE}"/>
+                <a16:creationId xmlns:a16="http://schemas.microsoft.com/office/drawing/2014/main" xmlns="" id="{1B323C44-B684-40A2-8BFA-611AB4AA83BE}"/>
               </a:ext>
             </a:extLst>
           </p:cNvPr>
@@ -26366,7 +26578,7 @@
           <p:cNvPr id="17" name="ZoneTexte 16">
             <a:extLst>
               <a:ext uri="{FF2B5EF4-FFF2-40B4-BE49-F238E27FC236}">
-                <a16:creationId xmlns:a16="http://schemas.microsoft.com/office/drawing/2014/main" id="{741CBD21-4416-41F3-A6F9-ED00672CB4B5}"/>
+                <a16:creationId xmlns:a16="http://schemas.microsoft.com/office/drawing/2014/main" xmlns="" id="{741CBD21-4416-41F3-A6F9-ED00672CB4B5}"/>
               </a:ext>
             </a:extLst>
           </p:cNvPr>
@@ -26423,7 +26635,7 @@
           <p:cNvPr id="18" name="Rectangle : coins arrondis 17">
             <a:extLst>
               <a:ext uri="{FF2B5EF4-FFF2-40B4-BE49-F238E27FC236}">
-                <a16:creationId xmlns:a16="http://schemas.microsoft.com/office/drawing/2014/main" id="{BB5B9CCD-7868-42DE-8EF4-F0A2AE4671C8}"/>
+                <a16:creationId xmlns:a16="http://schemas.microsoft.com/office/drawing/2014/main" xmlns="" id="{BB5B9CCD-7868-42DE-8EF4-F0A2AE4671C8}"/>
               </a:ext>
             </a:extLst>
           </p:cNvPr>
@@ -26483,7 +26695,7 @@
           <p:cNvPr id="19" name="ZoneTexte 18">
             <a:extLst>
               <a:ext uri="{FF2B5EF4-FFF2-40B4-BE49-F238E27FC236}">
-                <a16:creationId xmlns:a16="http://schemas.microsoft.com/office/drawing/2014/main" id="{6455E286-CD98-4C90-871F-173DFED0ABD2}"/>
+                <a16:creationId xmlns:a16="http://schemas.microsoft.com/office/drawing/2014/main" xmlns="" id="{6455E286-CD98-4C90-871F-173DFED0ABD2}"/>
               </a:ext>
             </a:extLst>
           </p:cNvPr>
@@ -26543,7 +26755,7 @@
           <p:cNvPr id="20" name="Connecteur droit avec flèche 19">
             <a:extLst>
               <a:ext uri="{FF2B5EF4-FFF2-40B4-BE49-F238E27FC236}">
-                <a16:creationId xmlns:a16="http://schemas.microsoft.com/office/drawing/2014/main" id="{B7592ECE-A8A1-4B12-A462-50C4755B9B16}"/>
+                <a16:creationId xmlns:a16="http://schemas.microsoft.com/office/drawing/2014/main" xmlns="" id="{B7592ECE-A8A1-4B12-A462-50C4755B9B16}"/>
               </a:ext>
             </a:extLst>
           </p:cNvPr>
@@ -26582,7 +26794,7 @@
           <p:cNvPr id="21" name="Rectangle : coins arrondis 20">
             <a:extLst>
               <a:ext uri="{FF2B5EF4-FFF2-40B4-BE49-F238E27FC236}">
-                <a16:creationId xmlns:a16="http://schemas.microsoft.com/office/drawing/2014/main" id="{A758D4FE-8D29-4DE4-AAC3-DD0D7C62D1A1}"/>
+                <a16:creationId xmlns:a16="http://schemas.microsoft.com/office/drawing/2014/main" xmlns="" id="{A758D4FE-8D29-4DE4-AAC3-DD0D7C62D1A1}"/>
               </a:ext>
             </a:extLst>
           </p:cNvPr>
@@ -26654,7 +26866,7 @@
           <p:cNvPr id="23" name="Connecteur droit avec flèche 22">
             <a:extLst>
               <a:ext uri="{FF2B5EF4-FFF2-40B4-BE49-F238E27FC236}">
-                <a16:creationId xmlns:a16="http://schemas.microsoft.com/office/drawing/2014/main" id="{A6CEE4EA-DDEA-45EF-8345-6E4B8DDCC686}"/>
+                <a16:creationId xmlns:a16="http://schemas.microsoft.com/office/drawing/2014/main" xmlns="" id="{A6CEE4EA-DDEA-45EF-8345-6E4B8DDCC686}"/>
               </a:ext>
             </a:extLst>
           </p:cNvPr>
@@ -26697,7 +26909,7 @@
           <p:cNvPr id="27" name="Connecteur droit avec flèche 26">
             <a:extLst>
               <a:ext uri="{FF2B5EF4-FFF2-40B4-BE49-F238E27FC236}">
-                <a16:creationId xmlns:a16="http://schemas.microsoft.com/office/drawing/2014/main" id="{563A5035-0243-451C-9524-1AABF9617245}"/>
+                <a16:creationId xmlns:a16="http://schemas.microsoft.com/office/drawing/2014/main" xmlns="" id="{563A5035-0243-451C-9524-1AABF9617245}"/>
               </a:ext>
             </a:extLst>
           </p:cNvPr>
@@ -26745,7 +26957,7 @@
   <p:clrMapOvr>
     <a:masterClrMapping/>
   </p:clrMapOvr>
-  <p:transition/>
+  <p:transition xmlns:p14="http://schemas.microsoft.com/office/powerpoint/2010/main"/>
 </p:sld>
 </file>
 
@@ -27008,7 +27220,7 @@
           <p:cNvPr id="9" name="Connecteur droit 8">
             <a:extLst>
               <a:ext uri="{FF2B5EF4-FFF2-40B4-BE49-F238E27FC236}">
-                <a16:creationId xmlns:a16="http://schemas.microsoft.com/office/drawing/2014/main" id="{0C90CA83-53FD-464A-A973-8F08BA3AEA7A}"/>
+                <a16:creationId xmlns:a16="http://schemas.microsoft.com/office/drawing/2014/main" xmlns="" id="{0C90CA83-53FD-464A-A973-8F08BA3AEA7A}"/>
               </a:ext>
             </a:extLst>
           </p:cNvPr>
@@ -27044,7 +27256,7 @@
           <p:cNvPr id="10" name="ZoneTexte 9">
             <a:extLst>
               <a:ext uri="{FF2B5EF4-FFF2-40B4-BE49-F238E27FC236}">
-                <a16:creationId xmlns:a16="http://schemas.microsoft.com/office/drawing/2014/main" id="{5360359D-2475-469B-8F6F-7E9DE109EC18}"/>
+                <a16:creationId xmlns:a16="http://schemas.microsoft.com/office/drawing/2014/main" xmlns="" id="{5360359D-2475-469B-8F6F-7E9DE109EC18}"/>
               </a:ext>
             </a:extLst>
           </p:cNvPr>
@@ -27090,7 +27302,7 @@
           <p:cNvPr id="11" name="Rectangle 10">
             <a:extLst>
               <a:ext uri="{FF2B5EF4-FFF2-40B4-BE49-F238E27FC236}">
-                <a16:creationId xmlns:a16="http://schemas.microsoft.com/office/drawing/2014/main" id="{276EF0B3-336F-4B72-87E3-0A440E2E4CD3}"/>
+                <a16:creationId xmlns:a16="http://schemas.microsoft.com/office/drawing/2014/main" xmlns="" id="{276EF0B3-336F-4B72-87E3-0A440E2E4CD3}"/>
               </a:ext>
             </a:extLst>
           </p:cNvPr>
@@ -27136,7 +27348,7 @@
           <p:cNvPr id="15" name="Connecteur droit 14">
             <a:extLst>
               <a:ext uri="{FF2B5EF4-FFF2-40B4-BE49-F238E27FC236}">
-                <a16:creationId xmlns:a16="http://schemas.microsoft.com/office/drawing/2014/main" id="{ED683F34-1507-4159-81E8-90FAEEB5DDAD}"/>
+                <a16:creationId xmlns:a16="http://schemas.microsoft.com/office/drawing/2014/main" xmlns="" id="{ED683F34-1507-4159-81E8-90FAEEB5DDAD}"/>
               </a:ext>
             </a:extLst>
           </p:cNvPr>
@@ -27172,7 +27384,7 @@
           <p:cNvPr id="16" name="Rectangle 15">
             <a:extLst>
               <a:ext uri="{FF2B5EF4-FFF2-40B4-BE49-F238E27FC236}">
-                <a16:creationId xmlns:a16="http://schemas.microsoft.com/office/drawing/2014/main" id="{362CDA35-278A-4BB3-A597-E1115FD95CBC}"/>
+                <a16:creationId xmlns:a16="http://schemas.microsoft.com/office/drawing/2014/main" xmlns="" id="{362CDA35-278A-4BB3-A597-E1115FD95CBC}"/>
               </a:ext>
             </a:extLst>
           </p:cNvPr>
@@ -27218,7 +27430,7 @@
           <p:cNvPr id="17" name="Image 16">
             <a:extLst>
               <a:ext uri="{FF2B5EF4-FFF2-40B4-BE49-F238E27FC236}">
-                <a16:creationId xmlns:a16="http://schemas.microsoft.com/office/drawing/2014/main" id="{92B5F978-CA84-4C42-B5CD-CA27CD143487}"/>
+                <a16:creationId xmlns:a16="http://schemas.microsoft.com/office/drawing/2014/main" xmlns="" id="{92B5F978-CA84-4C42-B5CD-CA27CD143487}"/>
               </a:ext>
             </a:extLst>
           </p:cNvPr>
@@ -27248,7 +27460,7 @@
           <p:cNvPr id="18" name="Image 17">
             <a:extLst>
               <a:ext uri="{FF2B5EF4-FFF2-40B4-BE49-F238E27FC236}">
-                <a16:creationId xmlns:a16="http://schemas.microsoft.com/office/drawing/2014/main" id="{E8FCB957-2384-4919-AA5F-6AEAC7CA1500}"/>
+                <a16:creationId xmlns:a16="http://schemas.microsoft.com/office/drawing/2014/main" xmlns="" id="{E8FCB957-2384-4919-AA5F-6AEAC7CA1500}"/>
               </a:ext>
             </a:extLst>
           </p:cNvPr>
@@ -27278,7 +27490,7 @@
           <p:cNvPr id="20" name="ZoneTexte 19">
             <a:extLst>
               <a:ext uri="{FF2B5EF4-FFF2-40B4-BE49-F238E27FC236}">
-                <a16:creationId xmlns:a16="http://schemas.microsoft.com/office/drawing/2014/main" id="{84741FBA-FC44-4CCB-ABDA-8730778E5C59}"/>
+                <a16:creationId xmlns:a16="http://schemas.microsoft.com/office/drawing/2014/main" xmlns="" id="{84741FBA-FC44-4CCB-ABDA-8730778E5C59}"/>
               </a:ext>
             </a:extLst>
           </p:cNvPr>
@@ -27320,7 +27532,7 @@
           <p:cNvPr id="22" name="Image 21">
             <a:extLst>
               <a:ext uri="{FF2B5EF4-FFF2-40B4-BE49-F238E27FC236}">
-                <a16:creationId xmlns:a16="http://schemas.microsoft.com/office/drawing/2014/main" id="{00106C00-91FC-41D6-9007-7AF372640BA3}"/>
+                <a16:creationId xmlns:a16="http://schemas.microsoft.com/office/drawing/2014/main" xmlns="" id="{00106C00-91FC-41D6-9007-7AF372640BA3}"/>
               </a:ext>
             </a:extLst>
           </p:cNvPr>
@@ -27356,7 +27568,7 @@
           <p:cNvPr id="6" name="Image 5">
             <a:extLst>
               <a:ext uri="{FF2B5EF4-FFF2-40B4-BE49-F238E27FC236}">
-                <a16:creationId xmlns:a16="http://schemas.microsoft.com/office/drawing/2014/main" id="{8003237F-3161-4269-BD43-2B1D9F2474C1}"/>
+                <a16:creationId xmlns:a16="http://schemas.microsoft.com/office/drawing/2014/main" xmlns="" id="{8003237F-3161-4269-BD43-2B1D9F2474C1}"/>
               </a:ext>
             </a:extLst>
           </p:cNvPr>
@@ -27391,7 +27603,7 @@
           <p:cNvPr id="14" name="ZoneTexte 13">
             <a:extLst>
               <a:ext uri="{FF2B5EF4-FFF2-40B4-BE49-F238E27FC236}">
-                <a16:creationId xmlns:a16="http://schemas.microsoft.com/office/drawing/2014/main" id="{A08E6639-8B79-469C-B0A4-2ACCC2EA1481}"/>
+                <a16:creationId xmlns:a16="http://schemas.microsoft.com/office/drawing/2014/main" xmlns="" id="{A08E6639-8B79-469C-B0A4-2ACCC2EA1481}"/>
               </a:ext>
             </a:extLst>
           </p:cNvPr>
@@ -27447,7 +27659,7 @@
           <p:cNvPr id="1026" name="Picture 2" descr="Résultat de recherche d'images pour &quot;industrial drilling machine&quot;">
             <a:extLst>
               <a:ext uri="{FF2B5EF4-FFF2-40B4-BE49-F238E27FC236}">
-                <a16:creationId xmlns:a16="http://schemas.microsoft.com/office/drawing/2014/main" id="{660F3132-E68F-5744-9B4D-9430D048B197}"/>
+                <a16:creationId xmlns:a16="http://schemas.microsoft.com/office/drawing/2014/main" xmlns="" id="{660F3132-E68F-5744-9B4D-9430D048B197}"/>
               </a:ext>
             </a:extLst>
           </p:cNvPr>
@@ -27479,7 +27691,7 @@
           </a:prstGeom>
           <a:noFill/>
           <a:extLst>
-            <a:ext uri="{909E8E84-426E-40DD-AFC4-6F175D3DCCD1}">
+            <a:ext uri="{909E8E84-426E-40dd-AFC4-6F175D3DCCD1}">
               <a14:hiddenFill xmlns:a14="http://schemas.microsoft.com/office/drawing/2010/main">
                 <a:solidFill>
                   <a:srgbClr val="FFFFFF"/>
@@ -27595,7 +27807,7 @@
           <p:cNvPr id="6" name="Rectangle 5">
             <a:extLst>
               <a:ext uri="{FF2B5EF4-FFF2-40B4-BE49-F238E27FC236}">
-                <a16:creationId xmlns:a16="http://schemas.microsoft.com/office/drawing/2014/main" id="{437BE0D1-8CF7-46B2-A330-624D8D579CE5}"/>
+                <a16:creationId xmlns:a16="http://schemas.microsoft.com/office/drawing/2014/main" xmlns="" id="{437BE0D1-8CF7-46B2-A330-624D8D579CE5}"/>
               </a:ext>
             </a:extLst>
           </p:cNvPr>
@@ -27972,7 +28184,7 @@
                 <a:hlinkClick r:id="rId2">
                   <a:extLst>
                     <a:ext uri="{A12FA001-AC4F-418D-AE19-62706E023703}">
-                      <ahyp:hlinkClr xmlns:ahyp="http://schemas.microsoft.com/office/drawing/2018/hyperlinkcolor" val="tx"/>
+                      <ahyp:hlinkClr xmlns:ahyp="http://schemas.microsoft.com/office/drawing/2018/hyperlinkcolor" xmlns="" val="tx"/>
                     </a:ext>
                   </a:extLst>
                 </a:hlinkClick>
@@ -28046,6 +28258,14 @@
             <a:br>
               <a:rPr lang="en-US" dirty="0"/>
             </a:br>
+            <a:r>
+              <a:rPr lang="en-US" dirty="0">
+                <a:solidFill>
+                  <a:schemeClr val="accent6"/>
+                </a:solidFill>
+              </a:rPr>
+              <a:t/>
+            </a:r>
             <a:br>
               <a:rPr lang="en-US" dirty="0">
                 <a:solidFill>
@@ -28594,6 +28814,14 @@
             <a:br>
               <a:rPr lang="en-US" dirty="0"/>
             </a:br>
+            <a:r>
+              <a:rPr lang="en-US" dirty="0">
+                <a:solidFill>
+                  <a:schemeClr val="accent6"/>
+                </a:solidFill>
+              </a:rPr>
+              <a:t/>
+            </a:r>
             <a:br>
               <a:rPr lang="en-US" dirty="0">
                 <a:solidFill>
@@ -30254,7 +30482,7 @@
   <p:timing>
     <p:tnLst>
       <p:par>
-        <p:cTn id="1" dur="indefinite" restart="never" nodeType="tmRoot">
+        <p:cTn xmlns:p14="http://schemas.microsoft.com/office/powerpoint/2010/main" id="1" dur="indefinite" restart="never" nodeType="tmRoot">
           <p:childTnLst>
             <p:seq concurrent="1" nextAc="seek">
               <p:cTn id="2" dur="indefinite" nodeType="mainSeq">
@@ -31665,7 +31893,7 @@
           </a:prstGeom>
           <a:noFill/>
           <a:extLst>
-            <a:ext uri="{909E8E84-426E-40DD-AFC4-6F175D3DCCD1}">
+            <a:ext uri="{909E8E84-426E-40dd-AFC4-6F175D3DCCD1}">
               <a14:hiddenFill xmlns:a14="http://schemas.microsoft.com/office/drawing/2010/main">
                 <a:solidFill>
                   <a:srgbClr val="FFFFFF"/>
@@ -31902,7 +32130,7 @@
           </a:prstGeom>
           <a:noFill/>
           <a:extLst>
-            <a:ext uri="{909E8E84-426E-40DD-AFC4-6F175D3DCCD1}">
+            <a:ext uri="{909E8E84-426E-40dd-AFC4-6F175D3DCCD1}">
               <a14:hiddenFill xmlns:a14="http://schemas.microsoft.com/office/drawing/2010/main">
                 <a:solidFill>
                   <a:srgbClr val="FFFFFF"/>
@@ -32038,7 +32266,7 @@
           </a:prstGeom>
           <a:noFill/>
           <a:extLst>
-            <a:ext uri="{909E8E84-426E-40DD-AFC4-6F175D3DCCD1}">
+            <a:ext uri="{909E8E84-426E-40dd-AFC4-6F175D3DCCD1}">
               <a14:hiddenFill xmlns:a14="http://schemas.microsoft.com/office/drawing/2010/main">
                 <a:solidFill>
                   <a:srgbClr val="FFFFFF"/>
@@ -32089,7 +32317,7 @@
           </a:prstGeom>
           <a:noFill/>
           <a:extLst>
-            <a:ext uri="{909E8E84-426E-40DD-AFC4-6F175D3DCCD1}">
+            <a:ext uri="{909E8E84-426E-40dd-AFC4-6F175D3DCCD1}">
               <a14:hiddenFill xmlns:a14="http://schemas.microsoft.com/office/drawing/2010/main">
                 <a:solidFill>
                   <a:srgbClr val="FFFFFF"/>
@@ -32147,7 +32375,7 @@
             </a:outerShdw>
           </a:effectLst>
           <a:extLst>
-            <a:ext uri="{909E8E84-426E-40DD-AFC4-6F175D3DCCD1}">
+            <a:ext uri="{909E8E84-426E-40dd-AFC4-6F175D3DCCD1}">
               <a14:hiddenFill xmlns:a14="http://schemas.microsoft.com/office/drawing/2010/main">
                 <a:solidFill>
                   <a:srgbClr val="FFFFFF"/>
@@ -32204,7 +32432,7 @@
   <p:timing>
     <p:tnLst>
       <p:par>
-        <p:cTn id="1" dur="indefinite" restart="never" nodeType="tmRoot">
+        <p:cTn xmlns:p14="http://schemas.microsoft.com/office/powerpoint/2010/main" id="1" dur="indefinite" restart="never" nodeType="tmRoot">
           <p:childTnLst>
             <p:seq concurrent="1" nextAc="seek">
               <p:cTn id="2" dur="indefinite" nodeType="mainSeq">
@@ -32860,7 +33088,7 @@
   <p:timing>
     <p:tnLst>
       <p:par>
-        <p:cTn id="1" dur="indefinite" restart="never" nodeType="tmRoot">
+        <p:cTn xmlns:p14="http://schemas.microsoft.com/office/powerpoint/2010/main" id="1" dur="indefinite" restart="never" nodeType="tmRoot">
           <p:childTnLst>
             <p:seq concurrent="1" nextAc="seek">
               <p:cTn id="2" dur="indefinite" nodeType="mainSeq">
@@ -33280,7 +33508,7 @@
         </p:nvGraphicFramePr>
         <p:xfrm>
           <a:off x="255582" y="1513858"/>
-          <a:ext cx="8675712" cy="3840480"/>
+          <a:ext cx="8675712" cy="3840479"/>
         </p:xfrm>
         <a:graphic>
           <a:graphicData uri="http://schemas.openxmlformats.org/drawingml/2006/table">
@@ -33292,21 +33520,21 @@
                 <a:gridCol w="1969458">
                   <a:extLst>
                     <a:ext uri="{9D8B030D-6E8A-4147-A177-3AD203B41FA5}">
-                      <a16:colId xmlns:a16="http://schemas.microsoft.com/office/drawing/2014/main" val="20000"/>
+                      <a16:colId xmlns:a16="http://schemas.microsoft.com/office/drawing/2014/main" xmlns="" val="20000"/>
                     </a:ext>
                   </a:extLst>
                 </a:gridCol>
                 <a:gridCol w="2301240">
                   <a:extLst>
                     <a:ext uri="{9D8B030D-6E8A-4147-A177-3AD203B41FA5}">
-                      <a16:colId xmlns:a16="http://schemas.microsoft.com/office/drawing/2014/main" val="20001"/>
+                      <a16:colId xmlns:a16="http://schemas.microsoft.com/office/drawing/2014/main" xmlns="" val="20001"/>
                     </a:ext>
                   </a:extLst>
                 </a:gridCol>
                 <a:gridCol w="4405014">
                   <a:extLst>
                     <a:ext uri="{9D8B030D-6E8A-4147-A177-3AD203B41FA5}">
-                      <a16:colId xmlns:a16="http://schemas.microsoft.com/office/drawing/2014/main" val="20002"/>
+                      <a16:colId xmlns:a16="http://schemas.microsoft.com/office/drawing/2014/main" xmlns="" val="20002"/>
                     </a:ext>
                   </a:extLst>
                 </a:gridCol>
@@ -33377,7 +33605,7 @@
                 </a:tc>
                 <a:extLst>
                   <a:ext uri="{0D108BD9-81ED-4DB2-BD59-A6C34878D82A}">
-                    <a16:rowId xmlns:a16="http://schemas.microsoft.com/office/drawing/2014/main" val="10000"/>
+                    <a16:rowId xmlns:a16="http://schemas.microsoft.com/office/drawing/2014/main" xmlns="" val="10000"/>
                   </a:ext>
                 </a:extLst>
               </a:tr>
@@ -33432,7 +33660,7 @@
                 </a:tc>
                 <a:extLst>
                   <a:ext uri="{0D108BD9-81ED-4DB2-BD59-A6C34878D82A}">
-                    <a16:rowId xmlns:a16="http://schemas.microsoft.com/office/drawing/2014/main" val="10001"/>
+                    <a16:rowId xmlns:a16="http://schemas.microsoft.com/office/drawing/2014/main" xmlns="" val="10001"/>
                   </a:ext>
                 </a:extLst>
               </a:tr>
@@ -33487,7 +33715,7 @@
                 </a:tc>
                 <a:extLst>
                   <a:ext uri="{0D108BD9-81ED-4DB2-BD59-A6C34878D82A}">
-                    <a16:rowId xmlns:a16="http://schemas.microsoft.com/office/drawing/2014/main" val="10002"/>
+                    <a16:rowId xmlns:a16="http://schemas.microsoft.com/office/drawing/2014/main" xmlns="" val="10002"/>
                   </a:ext>
                 </a:extLst>
               </a:tr>
@@ -33567,7 +33795,7 @@
                 </a:tc>
                 <a:extLst>
                   <a:ext uri="{0D108BD9-81ED-4DB2-BD59-A6C34878D82A}">
-                    <a16:rowId xmlns:a16="http://schemas.microsoft.com/office/drawing/2014/main" val="10003"/>
+                    <a16:rowId xmlns:a16="http://schemas.microsoft.com/office/drawing/2014/main" xmlns="" val="10003"/>
                   </a:ext>
                 </a:extLst>
               </a:tr>
@@ -33647,7 +33875,7 @@
                 </a:tc>
                 <a:extLst>
                   <a:ext uri="{0D108BD9-81ED-4DB2-BD59-A6C34878D82A}">
-                    <a16:rowId xmlns:a16="http://schemas.microsoft.com/office/drawing/2014/main" val="10004"/>
+                    <a16:rowId xmlns:a16="http://schemas.microsoft.com/office/drawing/2014/main" xmlns="" val="10004"/>
                   </a:ext>
                 </a:extLst>
               </a:tr>
@@ -33717,7 +33945,7 @@
                 </a:tc>
                 <a:extLst>
                   <a:ext uri="{0D108BD9-81ED-4DB2-BD59-A6C34878D82A}">
-                    <a16:rowId xmlns:a16="http://schemas.microsoft.com/office/drawing/2014/main" val="10005"/>
+                    <a16:rowId xmlns:a16="http://schemas.microsoft.com/office/drawing/2014/main" xmlns="" val="10005"/>
                   </a:ext>
                 </a:extLst>
               </a:tr>
@@ -33827,7 +34055,7 @@
                 </a:tc>
                 <a:extLst>
                   <a:ext uri="{0D108BD9-81ED-4DB2-BD59-A6C34878D82A}">
-                    <a16:rowId xmlns:a16="http://schemas.microsoft.com/office/drawing/2014/main" val="10006"/>
+                    <a16:rowId xmlns:a16="http://schemas.microsoft.com/office/drawing/2014/main" xmlns="" val="10006"/>
                   </a:ext>
                 </a:extLst>
               </a:tr>
@@ -33897,7 +34125,7 @@
                 </a:tc>
                 <a:extLst>
                   <a:ext uri="{0D108BD9-81ED-4DB2-BD59-A6C34878D82A}">
-                    <a16:rowId xmlns:a16="http://schemas.microsoft.com/office/drawing/2014/main" val="10007"/>
+                    <a16:rowId xmlns:a16="http://schemas.microsoft.com/office/drawing/2014/main" xmlns="" val="10007"/>
                   </a:ext>
                 </a:extLst>
               </a:tr>
@@ -33990,7 +34218,7 @@
                 </a:tc>
                 <a:extLst>
                   <a:ext uri="{0D108BD9-81ED-4DB2-BD59-A6C34878D82A}">
-                    <a16:rowId xmlns:a16="http://schemas.microsoft.com/office/drawing/2014/main" val="10008"/>
+                    <a16:rowId xmlns:a16="http://schemas.microsoft.com/office/drawing/2014/main" xmlns="" val="10008"/>
                   </a:ext>
                 </a:extLst>
               </a:tr>
@@ -34011,7 +34239,7 @@
   <p:timing>
     <p:tnLst>
       <p:par>
-        <p:cTn id="1" dur="indefinite" restart="never" nodeType="tmRoot">
+        <p:cTn xmlns:p14="http://schemas.microsoft.com/office/powerpoint/2010/main" id="1" dur="indefinite" restart="never" nodeType="tmRoot">
           <p:childTnLst>
             <p:seq concurrent="1" nextAc="seek">
               <p:cTn id="2" dur="indefinite" nodeType="mainSeq">
@@ -34287,7 +34515,7 @@
   <a:extraClrSchemeLst/>
   <a:extLst>
     <a:ext uri="{05A4C25C-085E-4340-85A3-A5531E510DB2}">
-      <thm15:themeFamily xmlns:thm15="http://schemas.microsoft.com/office/thememl/2012/main" name="Office Theme" id="{62F939B6-93AF-4DB8-9C6B-D6C7DFDC589F}" vid="{4A3C46E8-61CC-4603-A589-7422A47A8E4A}"/>
+      <thm15:themeFamily xmlns:thm15="http://schemas.microsoft.com/office/thememl/2012/main" xmlns="" name="Office Theme" id="{62F939B6-93AF-4DB8-9C6B-D6C7DFDC589F}" vid="{4A3C46E8-61CC-4603-A589-7422A47A8E4A}"/>
     </a:ext>
   </a:extLst>
 </a:theme>
@@ -34619,7 +34847,7 @@
     </a:clrScheme>
     <a:fontScheme name="Office">
       <a:majorFont>
-        <a:latin typeface="Calibri Light" panose="020F0302020204030204"/>
+        <a:latin typeface="Calibri Light"/>
         <a:ea typeface=""/>
         <a:cs typeface=""/>
         <a:font script="Jpan" typeface="ＭＳ Ｐゴシック"/>
@@ -34654,7 +34882,7 @@
         <a:font script="Geor" typeface="Sylfaen"/>
       </a:majorFont>
       <a:minorFont>
-        <a:latin typeface="Calibri" panose="020F0502020204030204"/>
+        <a:latin typeface="Calibri"/>
         <a:ea typeface=""/>
         <a:cs typeface=""/>
         <a:font script="Jpan" typeface="ＭＳ Ｐゴシック"/>
@@ -34831,7 +35059,7 @@
   <a:extraClrSchemeLst/>
   <a:extLst>
     <a:ext uri="{05A4C25C-085E-4340-85A3-A5531E510DB2}">
-      <thm15:themeFamily xmlns:thm15="http://schemas.microsoft.com/office/thememl/2012/main" name="Office Theme" id="{62F939B6-93AF-4DB8-9C6B-D6C7DFDC589F}" vid="{4A3C46E8-61CC-4603-A589-7422A47A8E4A}"/>
+      <thm15:themeFamily xmlns:thm15="http://schemas.microsoft.com/office/thememl/2012/main" xmlns="" name="Office Theme" id="{62F939B6-93AF-4DB8-9C6B-D6C7DFDC589F}" vid="{4A3C46E8-61CC-4603-A589-7422A47A8E4A}"/>
     </a:ext>
   </a:extLst>
 </a:theme>
@@ -35446,7 +35674,7 @@
     </a:clrScheme>
     <a:fontScheme name="Office">
       <a:majorFont>
-        <a:latin typeface="Calibri Light" panose="020F0302020204030204"/>
+        <a:latin typeface="Calibri Light"/>
         <a:ea typeface=""/>
         <a:cs typeface=""/>
         <a:font script="Jpan" typeface="ＭＳ Ｐゴシック"/>
@@ -35481,7 +35709,7 @@
         <a:font script="Geor" typeface="Sylfaen"/>
       </a:majorFont>
       <a:minorFont>
-        <a:latin typeface="Calibri" panose="020F0502020204030204"/>
+        <a:latin typeface="Calibri"/>
         <a:ea typeface=""/>
         <a:cs typeface=""/>
         <a:font script="Jpan" typeface="ＭＳ Ｐゴシック"/>
@@ -35658,7 +35886,7 @@
   <a:extraClrSchemeLst/>
   <a:extLst>
     <a:ext uri="{05A4C25C-085E-4340-85A3-A5531E510DB2}">
-      <thm15:themeFamily xmlns:thm15="http://schemas.microsoft.com/office/thememl/2012/main" name="Office Theme" id="{62F939B6-93AF-4DB8-9C6B-D6C7DFDC589F}" vid="{4A3C46E8-61CC-4603-A589-7422A47A8E4A}"/>
+      <thm15:themeFamily xmlns:thm15="http://schemas.microsoft.com/office/thememl/2012/main" xmlns="" name="Office Theme" id="{62F939B6-93AF-4DB8-9C6B-D6C7DFDC589F}" vid="{4A3C46E8-61CC-4603-A589-7422A47A8E4A}"/>
     </a:ext>
   </a:extLst>
 </a:theme>
@@ -35707,7 +35935,7 @@
     </a:clrScheme>
     <a:fontScheme name="Office">
       <a:majorFont>
-        <a:latin typeface="Calibri Light" panose="020F0302020204030204"/>
+        <a:latin typeface="Calibri Light"/>
         <a:ea typeface=""/>
         <a:cs typeface=""/>
         <a:font script="Jpan" typeface="ＭＳ Ｐゴシック"/>
@@ -35742,7 +35970,7 @@
         <a:font script="Geor" typeface="Sylfaen"/>
       </a:majorFont>
       <a:minorFont>
-        <a:latin typeface="Calibri" panose="020F0502020204030204"/>
+        <a:latin typeface="Calibri"/>
         <a:ea typeface=""/>
         <a:cs typeface=""/>
         <a:font script="Jpan" typeface="ＭＳ Ｐゴシック"/>
@@ -35919,7 +36147,7 @@
   <a:extraClrSchemeLst/>
   <a:extLst>
     <a:ext uri="{05A4C25C-085E-4340-85A3-A5531E510DB2}">
-      <thm15:themeFamily xmlns:thm15="http://schemas.microsoft.com/office/thememl/2012/main" name="Office Theme" id="{62F939B6-93AF-4DB8-9C6B-D6C7DFDC589F}" vid="{4A3C46E8-61CC-4603-A589-7422A47A8E4A}"/>
+      <thm15:themeFamily xmlns:thm15="http://schemas.microsoft.com/office/thememl/2012/main" xmlns="" name="Office Theme" id="{62F939B6-93AF-4DB8-9C6B-D6C7DFDC589F}" vid="{4A3C46E8-61CC-4603-A589-7422A47A8E4A}"/>
     </a:ext>
   </a:extLst>
 </a:theme>
